--- a/Study/statistics/PPT/59. 일원배치 분산분석.pptx
+++ b/Study/statistics/PPT/59. 일원배치 분산분석.pptx
@@ -276,7 +276,7 @@
           <a:p>
             <a:fld id="{3F076E8B-EF83-4008-9BF9-8C93C7BE7D5E}" type="datetimeFigureOut">
               <a:rPr lang="ko-KR" altLang="en-US" smtClean="0"/>
-              <a:t>2020-01-09</a:t>
+              <a:t>2020-01-10</a:t>
             </a:fld>
             <a:endParaRPr lang="ko-KR" altLang="en-US"/>
           </a:p>
@@ -474,7 +474,7 @@
           <a:p>
             <a:fld id="{3F076E8B-EF83-4008-9BF9-8C93C7BE7D5E}" type="datetimeFigureOut">
               <a:rPr lang="ko-KR" altLang="en-US" smtClean="0"/>
-              <a:t>2020-01-09</a:t>
+              <a:t>2020-01-10</a:t>
             </a:fld>
             <a:endParaRPr lang="ko-KR" altLang="en-US"/>
           </a:p>
@@ -682,7 +682,7 @@
           <a:p>
             <a:fld id="{3F076E8B-EF83-4008-9BF9-8C93C7BE7D5E}" type="datetimeFigureOut">
               <a:rPr lang="ko-KR" altLang="en-US" smtClean="0"/>
-              <a:t>2020-01-09</a:t>
+              <a:t>2020-01-10</a:t>
             </a:fld>
             <a:endParaRPr lang="ko-KR" altLang="en-US"/>
           </a:p>
@@ -880,7 +880,7 @@
           <a:p>
             <a:fld id="{3F076E8B-EF83-4008-9BF9-8C93C7BE7D5E}" type="datetimeFigureOut">
               <a:rPr lang="ko-KR" altLang="en-US" smtClean="0"/>
-              <a:t>2020-01-09</a:t>
+              <a:t>2020-01-10</a:t>
             </a:fld>
             <a:endParaRPr lang="ko-KR" altLang="en-US"/>
           </a:p>
@@ -1155,7 +1155,7 @@
           <a:p>
             <a:fld id="{3F076E8B-EF83-4008-9BF9-8C93C7BE7D5E}" type="datetimeFigureOut">
               <a:rPr lang="ko-KR" altLang="en-US" smtClean="0"/>
-              <a:t>2020-01-09</a:t>
+              <a:t>2020-01-10</a:t>
             </a:fld>
             <a:endParaRPr lang="ko-KR" altLang="en-US"/>
           </a:p>
@@ -1420,7 +1420,7 @@
           <a:p>
             <a:fld id="{3F076E8B-EF83-4008-9BF9-8C93C7BE7D5E}" type="datetimeFigureOut">
               <a:rPr lang="ko-KR" altLang="en-US" smtClean="0"/>
-              <a:t>2020-01-09</a:t>
+              <a:t>2020-01-10</a:t>
             </a:fld>
             <a:endParaRPr lang="ko-KR" altLang="en-US"/>
           </a:p>
@@ -1832,7 +1832,7 @@
           <a:p>
             <a:fld id="{3F076E8B-EF83-4008-9BF9-8C93C7BE7D5E}" type="datetimeFigureOut">
               <a:rPr lang="ko-KR" altLang="en-US" smtClean="0"/>
-              <a:t>2020-01-09</a:t>
+              <a:t>2020-01-10</a:t>
             </a:fld>
             <a:endParaRPr lang="ko-KR" altLang="en-US"/>
           </a:p>
@@ -1973,7 +1973,7 @@
           <a:p>
             <a:fld id="{3F076E8B-EF83-4008-9BF9-8C93C7BE7D5E}" type="datetimeFigureOut">
               <a:rPr lang="ko-KR" altLang="en-US" smtClean="0"/>
-              <a:t>2020-01-09</a:t>
+              <a:t>2020-01-10</a:t>
             </a:fld>
             <a:endParaRPr lang="ko-KR" altLang="en-US"/>
           </a:p>
@@ -2086,7 +2086,7 @@
           <a:p>
             <a:fld id="{3F076E8B-EF83-4008-9BF9-8C93C7BE7D5E}" type="datetimeFigureOut">
               <a:rPr lang="ko-KR" altLang="en-US" smtClean="0"/>
-              <a:t>2020-01-09</a:t>
+              <a:t>2020-01-10</a:t>
             </a:fld>
             <a:endParaRPr lang="ko-KR" altLang="en-US"/>
           </a:p>
@@ -2397,7 +2397,7 @@
           <a:p>
             <a:fld id="{3F076E8B-EF83-4008-9BF9-8C93C7BE7D5E}" type="datetimeFigureOut">
               <a:rPr lang="ko-KR" altLang="en-US" smtClean="0"/>
-              <a:t>2020-01-09</a:t>
+              <a:t>2020-01-10</a:t>
             </a:fld>
             <a:endParaRPr lang="ko-KR" altLang="en-US"/>
           </a:p>
@@ -2685,7 +2685,7 @@
           <a:p>
             <a:fld id="{3F076E8B-EF83-4008-9BF9-8C93C7BE7D5E}" type="datetimeFigureOut">
               <a:rPr lang="ko-KR" altLang="en-US" smtClean="0"/>
-              <a:t>2020-01-09</a:t>
+              <a:t>2020-01-10</a:t>
             </a:fld>
             <a:endParaRPr lang="ko-KR" altLang="en-US"/>
           </a:p>
@@ -2926,7 +2926,7 @@
           <a:p>
             <a:fld id="{3F076E8B-EF83-4008-9BF9-8C93C7BE7D5E}" type="datetimeFigureOut">
               <a:rPr lang="ko-KR" altLang="en-US" smtClean="0"/>
-              <a:t>2020-01-09</a:t>
+              <a:t>2020-01-10</a:t>
             </a:fld>
             <a:endParaRPr lang="ko-KR" altLang="en-US"/>
           </a:p>
@@ -3454,8 +3454,8 @@
           </a:p>
         </p:txBody>
       </p:sp>
-      <mc:AlternateContent xmlns:mc="http://schemas.openxmlformats.org/markup-compatibility/2006">
-        <mc:Choice xmlns:a14="http://schemas.microsoft.com/office/drawing/2010/main" Requires="a14">
+      <mc:AlternateContent xmlns:mc="http://schemas.openxmlformats.org/markup-compatibility/2006" xmlns:a14="http://schemas.microsoft.com/office/drawing/2010/main">
+        <mc:Choice Requires="a14">
           <p:sp>
             <p:nvSpPr>
               <p:cNvPr id="3" name="내용 개체 틀 2">
@@ -4022,13 +4022,7 @@
                           <a:rPr lang="en-US" altLang="ko-KR" sz="2000" b="0" i="1" smtClean="0">
                             <a:latin typeface="Cambria Math" panose="02040503050406030204" pitchFamily="18" charset="0"/>
                           </a:rPr>
-                          <m:t>𝑖</m:t>
-                        </m:r>
-                        <m:r>
-                          <a:rPr lang="en-US" altLang="ko-KR" sz="2000" b="0" i="1" smtClean="0">
-                            <a:latin typeface="Cambria Math" panose="02040503050406030204" pitchFamily="18" charset="0"/>
-                          </a:rPr>
-                          <m:t>𝑗</m:t>
+                          <m:t>𝑖𝑗</m:t>
                         </m:r>
                       </m:sub>
                     </m:sSub>
@@ -5035,7 +5029,7 @@
             </p:txBody>
           </p:sp>
         </mc:Choice>
-        <mc:Fallback>
+        <mc:Fallback xmlns="">
           <p:sp>
             <p:nvSpPr>
               <p:cNvPr id="3" name="내용 개체 틀 2">
@@ -5133,8 +5127,8 @@
           </a:p>
         </p:txBody>
       </p:sp>
-      <mc:AlternateContent xmlns:mc="http://schemas.openxmlformats.org/markup-compatibility/2006">
-        <mc:Choice xmlns:a14="http://schemas.microsoft.com/office/drawing/2010/main" Requires="a14">
+      <mc:AlternateContent xmlns:mc="http://schemas.openxmlformats.org/markup-compatibility/2006" xmlns:a14="http://schemas.microsoft.com/office/drawing/2010/main">
+        <mc:Choice Requires="a14">
           <p:sp>
             <p:nvSpPr>
               <p:cNvPr id="3" name="내용 개체 틀 2">
@@ -5907,7 +5901,7 @@
                     <m:f>
                       <m:fPr>
                         <m:ctrlPr>
-                          <a:rPr lang="en-US" altLang="ko-KR" sz="2000" b="0" i="0" smtClean="0">
+                          <a:rPr lang="en-US" altLang="ko-KR" sz="2000" b="0" i="1" smtClean="0">
                             <a:latin typeface="Cambria Math" panose="02040503050406030204" pitchFamily="18" charset="0"/>
                             <a:ea typeface="Cambria Math" panose="02040503050406030204" pitchFamily="18" charset="0"/>
                           </a:rPr>
@@ -5919,7 +5913,7 @@
                             <a:latin typeface="Cambria Math" panose="02040503050406030204" pitchFamily="18" charset="0"/>
                             <a:ea typeface="Cambria Math" panose="02040503050406030204" pitchFamily="18" charset="0"/>
                           </a:rPr>
-                          <m:t>∂</m:t>
+                          <m:t>𝜕</m:t>
                         </m:r>
                         <m:r>
                           <m:rPr>
@@ -5933,7 +5927,7 @@
                         <m:d>
                           <m:dPr>
                             <m:ctrlPr>
-                              <a:rPr lang="en-US" altLang="ko-KR" sz="2000" b="0" i="0" smtClean="0">
+                              <a:rPr lang="en-US" altLang="ko-KR" sz="2000" b="0" i="1" smtClean="0">
                                 <a:latin typeface="Cambria Math" panose="02040503050406030204" pitchFamily="18" charset="0"/>
                               </a:rPr>
                             </m:ctrlPr>
@@ -6620,7 +6614,7 @@
             </p:txBody>
           </p:sp>
         </mc:Choice>
-        <mc:Fallback>
+        <mc:Fallback xmlns="">
           <p:sp>
             <p:nvSpPr>
               <p:cNvPr id="3" name="내용 개체 틀 2">
@@ -6718,8 +6712,8 @@
           </a:p>
         </p:txBody>
       </p:sp>
-      <mc:AlternateContent xmlns:mc="http://schemas.openxmlformats.org/markup-compatibility/2006">
-        <mc:Choice xmlns:a14="http://schemas.microsoft.com/office/drawing/2010/main" Requires="a14">
+      <mc:AlternateContent xmlns:mc="http://schemas.openxmlformats.org/markup-compatibility/2006" xmlns:a14="http://schemas.microsoft.com/office/drawing/2010/main">
+        <mc:Choice Requires="a14">
           <p:sp>
             <p:nvSpPr>
               <p:cNvPr id="3" name="내용 개체 틀 2">
@@ -8649,7 +8643,7 @@
             </p:txBody>
           </p:sp>
         </mc:Choice>
-        <mc:Fallback>
+        <mc:Fallback xmlns="">
           <p:sp>
             <p:nvSpPr>
               <p:cNvPr id="3" name="내용 개체 틀 2">
@@ -8747,8 +8741,8 @@
           </a:p>
         </p:txBody>
       </p:sp>
-      <mc:AlternateContent xmlns:mc="http://schemas.openxmlformats.org/markup-compatibility/2006">
-        <mc:Choice xmlns:a14="http://schemas.microsoft.com/office/drawing/2010/main" Requires="a14">
+      <mc:AlternateContent xmlns:mc="http://schemas.openxmlformats.org/markup-compatibility/2006" xmlns:a14="http://schemas.microsoft.com/office/drawing/2010/main">
+        <mc:Choice Requires="a14">
           <p:sp>
             <p:nvSpPr>
               <p:cNvPr id="3" name="내용 개체 틀 2">
@@ -10904,13 +10898,7 @@
                                   <a:rPr lang="en-US" altLang="ko-KR" sz="2000" b="0" i="1" smtClean="0">
                                     <a:latin typeface="Cambria Math" panose="02040503050406030204" pitchFamily="18" charset="0"/>
                                   </a:rPr>
-                                  <m:t>𝑎</m:t>
-                                </m:r>
-                                <m:r>
-                                  <a:rPr lang="en-US" altLang="ko-KR" sz="2000" b="0" i="1" smtClean="0">
-                                    <a:latin typeface="Cambria Math" panose="02040503050406030204" pitchFamily="18" charset="0"/>
-                                  </a:rPr>
-                                  <m:t>𝑏</m:t>
+                                  <m:t>𝑎𝑏</m:t>
                                 </m:r>
                               </m:num>
                               <m:den>
@@ -11691,7 +11679,7 @@
             </p:txBody>
           </p:sp>
         </mc:Choice>
-        <mc:Fallback>
+        <mc:Fallback xmlns="">
           <p:sp>
             <p:nvSpPr>
               <p:cNvPr id="3" name="내용 개체 틀 2">
@@ -11789,8 +11777,8 @@
           </a:p>
         </p:txBody>
       </p:sp>
-      <mc:AlternateContent xmlns:mc="http://schemas.openxmlformats.org/markup-compatibility/2006">
-        <mc:Choice xmlns:a14="http://schemas.microsoft.com/office/drawing/2010/main" Requires="a14">
+      <mc:AlternateContent xmlns:mc="http://schemas.openxmlformats.org/markup-compatibility/2006" xmlns:a14="http://schemas.microsoft.com/office/drawing/2010/main">
+        <mc:Choice Requires="a14">
           <p:sp>
             <p:nvSpPr>
               <p:cNvPr id="3" name="내용 개체 틀 2">
@@ -11851,7 +11839,7 @@
                     <m:f>
                       <m:fPr>
                         <m:ctrlPr>
-                          <a:rPr lang="en-US" altLang="ko-KR" sz="2000" b="0" i="0" smtClean="0">
+                          <a:rPr lang="en-US" altLang="ko-KR" sz="2000" b="0" i="1" smtClean="0">
                             <a:latin typeface="Cambria Math" panose="02040503050406030204" pitchFamily="18" charset="0"/>
                           </a:rPr>
                         </m:ctrlPr>
@@ -13277,7 +13265,7 @@
             </p:txBody>
           </p:sp>
         </mc:Choice>
-        <mc:Fallback>
+        <mc:Fallback xmlns="">
           <p:sp>
             <p:nvSpPr>
               <p:cNvPr id="3" name="내용 개체 틀 2">
@@ -13396,7 +13384,7 @@
             <p:spPr/>
             <p:txBody>
               <a:bodyPr>
-                <a:normAutofit/>
+                <a:normAutofit fontScale="70000" lnSpcReduction="20000"/>
               </a:bodyPr>
               <a:lstStyle/>
               <a:p>
@@ -14178,12 +14166,6 @@
                   <a:rPr lang="en-US" altLang="ko-KR" sz="2000" dirty="0"/>
                   <a:t>.</a:t>
                 </a:r>
-              </a:p>
-              <a:p>
-                <a:pPr marL="0" indent="0">
-                  <a:buNone/>
-                </a:pPr>
-                <a:endParaRPr lang="en-US" altLang="ko-KR" sz="2000" dirty="0"/>
               </a:p>
               <a:p>
                 <a:pPr marL="0" indent="0">
@@ -15111,13 +15093,9 @@
                 <a:endParaRPr lang="en-US" altLang="ko-KR" sz="2000" dirty="0"/>
               </a:p>
               <a:p>
-                <a:pPr marL="0" indent="0">
-                  <a:buNone/>
+                <a:pPr marL="457200" indent="-457200">
+                  <a:buAutoNum type="arabicParenBoth"/>
                 </a:pPr>
-                <a:r>
-                  <a:rPr lang="en-US" altLang="ko-KR" sz="2000" dirty="0"/>
-                  <a:t>(1) </a:t>
-                </a:r>
                 <a:r>
                   <a:rPr lang="ko-KR" altLang="en-US" sz="2000" dirty="0"/>
                   <a:t>따라서 </a:t>
@@ -15237,29 +15215,945 @@
                 </a14:m>
                 <a:r>
                   <a:rPr lang="en-US" altLang="ko-KR" sz="2000" dirty="0"/>
-                  <a:t> = Y </a:t>
+                  <a:t> = Z </a:t>
                 </a:r>
                 <a:r>
                   <a:rPr lang="ko-KR" altLang="en-US" sz="2000" dirty="0"/>
                   <a:t>이다</a:t>
                 </a:r>
                 <a:r>
-                  <a:rPr lang="en-US" altLang="ko-KR" sz="2000"/>
+                  <a:rPr lang="en-US" altLang="ko-KR" sz="2000" dirty="0"/>
                   <a:t>.</a:t>
                 </a:r>
+              </a:p>
+              <a:p>
+                <a:pPr marL="457200" indent="-457200">
+                  <a:buAutoNum type="arabicParenBoth"/>
+                </a:pPr>
+                <a:r>
+                  <a:rPr lang="ko-KR" altLang="en-US" sz="2000" dirty="0"/>
+                  <a:t>이 </a:t>
+                </a:r>
+                <a:r>
+                  <a:rPr lang="ko-KR" altLang="en-US" sz="2000" dirty="0" err="1"/>
+                  <a:t>떄</a:t>
+                </a:r>
+                <a:r>
+                  <a:rPr lang="en-US" altLang="ko-KR" sz="2000" dirty="0"/>
+                  <a:t>, </a:t>
+                </a:r>
+                <a14:m>
+                  <m:oMath xmlns:m="http://schemas.openxmlformats.org/officeDocument/2006/math">
+                    <m:r>
+                      <a:rPr lang="en-US" altLang="ko-KR" sz="2000" i="1">
+                        <a:latin typeface="Cambria Math" panose="02040503050406030204" pitchFamily="18" charset="0"/>
+                      </a:rPr>
+                      <m:t>𝑄</m:t>
+                    </m:r>
+                  </m:oMath>
+                </a14:m>
+                <a:r>
+                  <a:rPr lang="en-US" altLang="ko-KR" sz="2000" dirty="0"/>
+                  <a:t> = </a:t>
+                </a:r>
+                <a14:m>
+                  <m:oMath xmlns:m="http://schemas.openxmlformats.org/officeDocument/2006/math">
+                    <m:sSub>
+                      <m:sSubPr>
+                        <m:ctrlPr>
+                          <a:rPr lang="ko-KR" altLang="en-US" sz="2000" i="1">
+                            <a:latin typeface="Cambria Math" panose="02040503050406030204" pitchFamily="18" charset="0"/>
+                          </a:rPr>
+                        </m:ctrlPr>
+                      </m:sSubPr>
+                      <m:e>
+                        <m:r>
+                          <a:rPr lang="en-US" altLang="ko-KR" sz="2000" i="1">
+                            <a:latin typeface="Cambria Math" panose="02040503050406030204" pitchFamily="18" charset="0"/>
+                          </a:rPr>
+                          <m:t>𝑄</m:t>
+                        </m:r>
+                      </m:e>
+                      <m:sub>
+                        <m:r>
+                          <a:rPr lang="en-US" altLang="ko-KR" sz="2000" i="1">
+                            <a:latin typeface="Cambria Math" panose="02040503050406030204" pitchFamily="18" charset="0"/>
+                          </a:rPr>
+                          <m:t>3</m:t>
+                        </m:r>
+                      </m:sub>
+                    </m:sSub>
+                  </m:oMath>
+                </a14:m>
+                <a:r>
+                  <a:rPr lang="en-US" altLang="ko-KR" sz="2000" dirty="0"/>
+                  <a:t> +</a:t>
+                </a:r>
+                <a:r>
+                  <a:rPr lang="ko-KR" altLang="en-US" sz="2000" dirty="0"/>
+                  <a:t> </a:t>
+                </a:r>
+                <a14:m>
+                  <m:oMath xmlns:m="http://schemas.openxmlformats.org/officeDocument/2006/math">
+                    <m:sSub>
+                      <m:sSubPr>
+                        <m:ctrlPr>
+                          <a:rPr lang="ko-KR" altLang="en-US" sz="2000" i="1">
+                            <a:latin typeface="Cambria Math" panose="02040503050406030204" pitchFamily="18" charset="0"/>
+                          </a:rPr>
+                        </m:ctrlPr>
+                      </m:sSubPr>
+                      <m:e>
+                        <m:r>
+                          <a:rPr lang="en-US" altLang="ko-KR" sz="2000" i="1">
+                            <a:latin typeface="Cambria Math" panose="02040503050406030204" pitchFamily="18" charset="0"/>
+                          </a:rPr>
+                          <m:t>𝑄</m:t>
+                        </m:r>
+                      </m:e>
+                      <m:sub>
+                        <m:r>
+                          <a:rPr lang="en-US" altLang="ko-KR" sz="2000" b="0" i="1" smtClean="0">
+                            <a:latin typeface="Cambria Math" panose="02040503050406030204" pitchFamily="18" charset="0"/>
+                          </a:rPr>
+                          <m:t>4</m:t>
+                        </m:r>
+                      </m:sub>
+                    </m:sSub>
+                  </m:oMath>
+                </a14:m>
+                <a:r>
+                  <a:rPr lang="en-US" altLang="ko-KR" sz="2000" dirty="0"/>
+                  <a:t> </a:t>
+                </a:r>
+                <a:r>
+                  <a:rPr lang="ko-KR" altLang="en-US" sz="2000" dirty="0"/>
+                  <a:t>이므로</a:t>
+                </a:r>
+                <a:r>
+                  <a:rPr lang="en-US" altLang="ko-KR" sz="2000" dirty="0"/>
+                  <a:t>, Z</a:t>
+                </a:r>
+                <a:r>
+                  <a:rPr lang="ko-KR" altLang="en-US" sz="2000" dirty="0"/>
+                  <a:t>를 수정하면</a:t>
+                </a:r>
                 <a:endParaRPr lang="en-US" altLang="ko-KR" sz="2000" dirty="0"/>
+              </a:p>
+              <a:p>
+                <a:pPr>
+                  <a:buFontTx/>
+                  <a:buChar char="-"/>
+                </a:pPr>
+                <a14:m>
+                  <m:oMath xmlns:m="http://schemas.openxmlformats.org/officeDocument/2006/math">
+                    <m:f>
+                      <m:fPr>
+                        <m:ctrlPr>
+                          <a:rPr lang="en-US" altLang="ko-KR" sz="2000" i="1">
+                            <a:latin typeface="Cambria Math" panose="02040503050406030204" pitchFamily="18" charset="0"/>
+                          </a:rPr>
+                        </m:ctrlPr>
+                      </m:fPr>
+                      <m:num>
+                        <m:sSub>
+                          <m:sSubPr>
+                            <m:ctrlPr>
+                              <a:rPr lang="ko-KR" altLang="en-US" sz="2000" i="1">
+                                <a:latin typeface="Cambria Math" panose="02040503050406030204" pitchFamily="18" charset="0"/>
+                              </a:rPr>
+                            </m:ctrlPr>
+                          </m:sSubPr>
+                          <m:e>
+                            <m:r>
+                              <a:rPr lang="en-US" altLang="ko-KR" sz="2000" i="1">
+                                <a:latin typeface="Cambria Math" panose="02040503050406030204" pitchFamily="18" charset="0"/>
+                              </a:rPr>
+                              <m:t>𝑄</m:t>
+                            </m:r>
+                          </m:e>
+                          <m:sub>
+                            <m:r>
+                              <a:rPr lang="en-US" altLang="ko-KR" sz="2000" i="1">
+                                <a:latin typeface="Cambria Math" panose="02040503050406030204" pitchFamily="18" charset="0"/>
+                              </a:rPr>
+                              <m:t>3</m:t>
+                            </m:r>
+                          </m:sub>
+                        </m:sSub>
+                      </m:num>
+                      <m:den>
+                        <m:sSub>
+                          <m:sSubPr>
+                            <m:ctrlPr>
+                              <a:rPr lang="ko-KR" altLang="en-US" sz="2000" i="1">
+                                <a:latin typeface="Cambria Math" panose="02040503050406030204" pitchFamily="18" charset="0"/>
+                              </a:rPr>
+                            </m:ctrlPr>
+                          </m:sSubPr>
+                          <m:e>
+                            <m:r>
+                              <a:rPr lang="en-US" altLang="ko-KR" sz="2000" i="1">
+                                <a:latin typeface="Cambria Math" panose="02040503050406030204" pitchFamily="18" charset="0"/>
+                              </a:rPr>
+                              <m:t>𝑄</m:t>
+                            </m:r>
+                          </m:e>
+                          <m:sub>
+                            <m:r>
+                              <a:rPr lang="en-US" altLang="ko-KR" sz="2000" i="1">
+                                <a:latin typeface="Cambria Math" panose="02040503050406030204" pitchFamily="18" charset="0"/>
+                              </a:rPr>
+                              <m:t>3</m:t>
+                            </m:r>
+                          </m:sub>
+                        </m:sSub>
+                        <m:r>
+                          <m:rPr>
+                            <m:nor/>
+                          </m:rPr>
+                          <a:rPr lang="en-US" altLang="ko-KR" sz="2000" dirty="0"/>
+                          <m:t> +</m:t>
+                        </m:r>
+                        <m:r>
+                          <m:rPr>
+                            <m:nor/>
+                          </m:rPr>
+                          <a:rPr lang="ko-KR" altLang="en-US" sz="2000" dirty="0"/>
+                          <m:t> </m:t>
+                        </m:r>
+                        <m:sSub>
+                          <m:sSubPr>
+                            <m:ctrlPr>
+                              <a:rPr lang="ko-KR" altLang="en-US" sz="2000" i="1">
+                                <a:latin typeface="Cambria Math" panose="02040503050406030204" pitchFamily="18" charset="0"/>
+                              </a:rPr>
+                            </m:ctrlPr>
+                          </m:sSubPr>
+                          <m:e>
+                            <m:r>
+                              <a:rPr lang="en-US" altLang="ko-KR" sz="2000" i="1">
+                                <a:latin typeface="Cambria Math" panose="02040503050406030204" pitchFamily="18" charset="0"/>
+                              </a:rPr>
+                              <m:t>𝑄</m:t>
+                            </m:r>
+                          </m:e>
+                          <m:sub>
+                            <m:r>
+                              <a:rPr lang="en-US" altLang="ko-KR" sz="2000" i="1">
+                                <a:latin typeface="Cambria Math" panose="02040503050406030204" pitchFamily="18" charset="0"/>
+                              </a:rPr>
+                              <m:t>4</m:t>
+                            </m:r>
+                          </m:sub>
+                        </m:sSub>
+                      </m:den>
+                    </m:f>
+                    <m:r>
+                      <a:rPr lang="en-US" altLang="ko-KR" sz="2000" b="0" i="0" smtClean="0">
+                        <a:latin typeface="Cambria Math" panose="02040503050406030204" pitchFamily="18" charset="0"/>
+                      </a:rPr>
+                      <m:t>=</m:t>
+                    </m:r>
+                    <m:f>
+                      <m:fPr>
+                        <m:ctrlPr>
+                          <a:rPr lang="en-US" altLang="ko-KR" sz="2000" b="0" i="0" smtClean="0">
+                            <a:latin typeface="Cambria Math" panose="02040503050406030204" pitchFamily="18" charset="0"/>
+                          </a:rPr>
+                        </m:ctrlPr>
+                      </m:fPr>
+                      <m:num>
+                        <m:r>
+                          <a:rPr lang="en-US" altLang="ko-KR" sz="2000" b="0" i="0" smtClean="0">
+                            <a:latin typeface="Cambria Math" panose="02040503050406030204" pitchFamily="18" charset="0"/>
+                          </a:rPr>
+                          <m:t>1</m:t>
+                        </m:r>
+                      </m:num>
+                      <m:den>
+                        <m:r>
+                          <a:rPr lang="en-US" altLang="ko-KR" sz="2000" b="0" i="1" smtClean="0">
+                            <a:latin typeface="Cambria Math" panose="02040503050406030204" pitchFamily="18" charset="0"/>
+                          </a:rPr>
+                          <m:t>1+</m:t>
+                        </m:r>
+                        <m:f>
+                          <m:fPr>
+                            <m:ctrlPr>
+                              <a:rPr lang="en-US" altLang="ko-KR" sz="2000" b="0" i="1" smtClean="0">
+                                <a:latin typeface="Cambria Math" panose="02040503050406030204" pitchFamily="18" charset="0"/>
+                              </a:rPr>
+                            </m:ctrlPr>
+                          </m:fPr>
+                          <m:num>
+                            <m:sSub>
+                              <m:sSubPr>
+                                <m:ctrlPr>
+                                  <a:rPr lang="ko-KR" altLang="en-US" sz="2000" i="1">
+                                    <a:latin typeface="Cambria Math" panose="02040503050406030204" pitchFamily="18" charset="0"/>
+                                  </a:rPr>
+                                </m:ctrlPr>
+                              </m:sSubPr>
+                              <m:e>
+                                <m:r>
+                                  <a:rPr lang="en-US" altLang="ko-KR" sz="2000" i="1">
+                                    <a:latin typeface="Cambria Math" panose="02040503050406030204" pitchFamily="18" charset="0"/>
+                                  </a:rPr>
+                                  <m:t>𝑄</m:t>
+                                </m:r>
+                              </m:e>
+                              <m:sub>
+                                <m:r>
+                                  <a:rPr lang="en-US" altLang="ko-KR" sz="2000" i="1">
+                                    <a:latin typeface="Cambria Math" panose="02040503050406030204" pitchFamily="18" charset="0"/>
+                                  </a:rPr>
+                                  <m:t>4</m:t>
+                                </m:r>
+                              </m:sub>
+                            </m:sSub>
+                          </m:num>
+                          <m:den>
+                            <m:sSub>
+                              <m:sSubPr>
+                                <m:ctrlPr>
+                                  <a:rPr lang="ko-KR" altLang="en-US" sz="2000" i="1">
+                                    <a:latin typeface="Cambria Math" panose="02040503050406030204" pitchFamily="18" charset="0"/>
+                                  </a:rPr>
+                                </m:ctrlPr>
+                              </m:sSubPr>
+                              <m:e>
+                                <m:r>
+                                  <a:rPr lang="en-US" altLang="ko-KR" sz="2000" i="1">
+                                    <a:latin typeface="Cambria Math" panose="02040503050406030204" pitchFamily="18" charset="0"/>
+                                  </a:rPr>
+                                  <m:t>𝑄</m:t>
+                                </m:r>
+                              </m:e>
+                              <m:sub>
+                                <m:r>
+                                  <a:rPr lang="en-US" altLang="ko-KR" sz="2000" i="1">
+                                    <a:latin typeface="Cambria Math" panose="02040503050406030204" pitchFamily="18" charset="0"/>
+                                  </a:rPr>
+                                  <m:t>3</m:t>
+                                </m:r>
+                              </m:sub>
+                            </m:sSub>
+                          </m:den>
+                        </m:f>
+                      </m:den>
+                    </m:f>
+                  </m:oMath>
+                </a14:m>
+                <a:r>
+                  <a:rPr lang="en-US" altLang="ko-KR" sz="2000" dirty="0"/>
+                  <a:t>  </a:t>
+                </a:r>
+                <a:r>
+                  <a:rPr lang="ko-KR" altLang="en-US" sz="2000" dirty="0"/>
+                  <a:t>이다</a:t>
+                </a:r>
+                <a:r>
+                  <a:rPr lang="en-US" altLang="ko-KR" sz="2000" dirty="0"/>
+                  <a:t>.</a:t>
+                </a:r>
               </a:p>
               <a:p>
                 <a:pPr marL="0" indent="0">
                   <a:buNone/>
                 </a:pPr>
+                <a:r>
+                  <a:rPr lang="en-US" altLang="ko-KR" sz="2000" dirty="0"/>
+                  <a:t>8) </a:t>
+                </a:r>
+                <a:r>
+                  <a:rPr lang="ko-KR" altLang="en-US" sz="2000" dirty="0"/>
+                  <a:t>마지막으로</a:t>
+                </a:r>
+                <a:r>
+                  <a:rPr lang="en-US" altLang="ko-KR" sz="2000" dirty="0"/>
+                  <a:t>, </a:t>
+                </a:r>
+                <a:r>
+                  <a:rPr lang="ko-KR" altLang="en-US" sz="2000" dirty="0" err="1"/>
+                  <a:t>최량기각역을</a:t>
+                </a:r>
+                <a:r>
+                  <a:rPr lang="ko-KR" altLang="en-US" sz="2000" dirty="0"/>
+                  <a:t> 설정하면</a:t>
+                </a:r>
                 <a:endParaRPr lang="en-US" altLang="ko-KR" sz="2000" dirty="0"/>
               </a:p>
               <a:p>
                 <a:pPr marL="457200" indent="-457200">
                   <a:buAutoNum type="arabicParenBoth"/>
                 </a:pPr>
-                <a:endParaRPr lang="en-US" altLang="ko-KR" sz="2000" dirty="0"/>
+                <a:r>
+                  <a:rPr lang="en-US" altLang="ko-KR" sz="2000" dirty="0"/>
+                  <a:t>A = </a:t>
+                </a:r>
+                <a14:m>
+                  <m:oMath xmlns:m="http://schemas.openxmlformats.org/officeDocument/2006/math">
+                    <m:sSub>
+                      <m:sSubPr>
+                        <m:ctrlPr>
+                          <a:rPr lang="ko-KR" altLang="en-US" sz="2000" i="1">
+                            <a:latin typeface="Cambria Math" panose="02040503050406030204" pitchFamily="18" charset="0"/>
+                          </a:rPr>
+                        </m:ctrlPr>
+                      </m:sSubPr>
+                      <m:e>
+                        <m:r>
+                          <a:rPr lang="en-US" altLang="ko-KR" sz="2000" b="0" i="1" smtClean="0">
+                            <a:latin typeface="Cambria Math" panose="02040503050406030204" pitchFamily="18" charset="0"/>
+                          </a:rPr>
+                          <m:t>𝑃</m:t>
+                        </m:r>
+                      </m:e>
+                      <m:sub>
+                        <m:sSub>
+                          <m:sSubPr>
+                            <m:ctrlPr>
+                              <a:rPr lang="ko-KR" altLang="en-US" sz="2000" i="1">
+                                <a:latin typeface="Cambria Math" panose="02040503050406030204" pitchFamily="18" charset="0"/>
+                              </a:rPr>
+                            </m:ctrlPr>
+                          </m:sSubPr>
+                          <m:e>
+                            <m:r>
+                              <a:rPr lang="en-US" altLang="ko-KR" sz="2000" b="0" i="1" smtClean="0">
+                                <a:latin typeface="Cambria Math" panose="02040503050406030204" pitchFamily="18" charset="0"/>
+                              </a:rPr>
+                              <m:t>𝐻</m:t>
+                            </m:r>
+                          </m:e>
+                          <m:sub>
+                            <m:r>
+                              <a:rPr lang="en-US" altLang="ko-KR" sz="2000" b="0" i="1" smtClean="0">
+                                <a:latin typeface="Cambria Math" panose="02040503050406030204" pitchFamily="18" charset="0"/>
+                              </a:rPr>
+                              <m:t>0</m:t>
+                            </m:r>
+                          </m:sub>
+                        </m:sSub>
+                      </m:sub>
+                    </m:sSub>
+                    <m:r>
+                      <a:rPr lang="en-US" altLang="ko-KR" sz="2000" b="0" i="1" smtClean="0">
+                        <a:latin typeface="Cambria Math" panose="02040503050406030204" pitchFamily="18" charset="0"/>
+                      </a:rPr>
+                      <m:t>[</m:t>
+                    </m:r>
+                    <m:f>
+                      <m:fPr>
+                        <m:ctrlPr>
+                          <a:rPr lang="en-US" altLang="ko-KR" sz="2000" b="0" i="1" smtClean="0">
+                            <a:latin typeface="Cambria Math" panose="02040503050406030204" pitchFamily="18" charset="0"/>
+                          </a:rPr>
+                        </m:ctrlPr>
+                      </m:fPr>
+                      <m:num>
+                        <m:r>
+                          <a:rPr lang="en-US" altLang="ko-KR" sz="2000" b="0" i="1" smtClean="0">
+                            <a:latin typeface="Cambria Math" panose="02040503050406030204" pitchFamily="18" charset="0"/>
+                          </a:rPr>
+                          <m:t>1</m:t>
+                        </m:r>
+                      </m:num>
+                      <m:den>
+                        <m:r>
+                          <a:rPr lang="en-US" altLang="ko-KR" sz="2000" i="1">
+                            <a:latin typeface="Cambria Math" panose="02040503050406030204" pitchFamily="18" charset="0"/>
+                          </a:rPr>
+                          <m:t>1+</m:t>
+                        </m:r>
+                        <m:f>
+                          <m:fPr>
+                            <m:ctrlPr>
+                              <a:rPr lang="en-US" altLang="ko-KR" sz="2000" i="1">
+                                <a:latin typeface="Cambria Math" panose="02040503050406030204" pitchFamily="18" charset="0"/>
+                              </a:rPr>
+                            </m:ctrlPr>
+                          </m:fPr>
+                          <m:num>
+                            <m:sSub>
+                              <m:sSubPr>
+                                <m:ctrlPr>
+                                  <a:rPr lang="ko-KR" altLang="en-US" sz="2000" i="1">
+                                    <a:latin typeface="Cambria Math" panose="02040503050406030204" pitchFamily="18" charset="0"/>
+                                  </a:rPr>
+                                </m:ctrlPr>
+                              </m:sSubPr>
+                              <m:e>
+                                <m:r>
+                                  <a:rPr lang="en-US" altLang="ko-KR" sz="2000" i="1">
+                                    <a:latin typeface="Cambria Math" panose="02040503050406030204" pitchFamily="18" charset="0"/>
+                                  </a:rPr>
+                                  <m:t>𝑄</m:t>
+                                </m:r>
+                              </m:e>
+                              <m:sub>
+                                <m:r>
+                                  <a:rPr lang="en-US" altLang="ko-KR" sz="2000" i="1">
+                                    <a:latin typeface="Cambria Math" panose="02040503050406030204" pitchFamily="18" charset="0"/>
+                                  </a:rPr>
+                                  <m:t>4</m:t>
+                                </m:r>
+                              </m:sub>
+                            </m:sSub>
+                          </m:num>
+                          <m:den>
+                            <m:sSub>
+                              <m:sSubPr>
+                                <m:ctrlPr>
+                                  <a:rPr lang="ko-KR" altLang="en-US" sz="2000" i="1">
+                                    <a:latin typeface="Cambria Math" panose="02040503050406030204" pitchFamily="18" charset="0"/>
+                                  </a:rPr>
+                                </m:ctrlPr>
+                              </m:sSubPr>
+                              <m:e>
+                                <m:r>
+                                  <a:rPr lang="en-US" altLang="ko-KR" sz="2000" i="1">
+                                    <a:latin typeface="Cambria Math" panose="02040503050406030204" pitchFamily="18" charset="0"/>
+                                  </a:rPr>
+                                  <m:t>𝑄</m:t>
+                                </m:r>
+                              </m:e>
+                              <m:sub>
+                                <m:r>
+                                  <a:rPr lang="en-US" altLang="ko-KR" sz="2000" i="1">
+                                    <a:latin typeface="Cambria Math" panose="02040503050406030204" pitchFamily="18" charset="0"/>
+                                  </a:rPr>
+                                  <m:t>3</m:t>
+                                </m:r>
+                              </m:sub>
+                            </m:sSub>
+                          </m:den>
+                        </m:f>
+                      </m:den>
+                    </m:f>
+                    <m:r>
+                      <a:rPr lang="en-US" altLang="ko-KR" sz="2000" b="0" i="1" smtClean="0">
+                        <a:latin typeface="Cambria Math" panose="02040503050406030204" pitchFamily="18" charset="0"/>
+                      </a:rPr>
+                      <m:t>≤</m:t>
+                    </m:r>
+                    <m:r>
+                      <a:rPr lang="en-US" altLang="ko-KR" sz="2000" b="0" i="1" smtClean="0">
+                        <a:latin typeface="Cambria Math" panose="02040503050406030204" pitchFamily="18" charset="0"/>
+                      </a:rPr>
+                      <m:t>𝑍</m:t>
+                    </m:r>
+                    <m:r>
+                      <a:rPr lang="en-US" altLang="ko-KR" sz="2000" b="0" i="1" smtClean="0">
+                        <a:latin typeface="Cambria Math" panose="02040503050406030204" pitchFamily="18" charset="0"/>
+                      </a:rPr>
+                      <m:t>]</m:t>
+                    </m:r>
+                  </m:oMath>
+                </a14:m>
+                <a:r>
+                  <a:rPr lang="en-US" altLang="ko-KR" sz="2000" dirty="0"/>
+                  <a:t> = </a:t>
+                </a:r>
+                <a14:m>
+                  <m:oMath xmlns:m="http://schemas.openxmlformats.org/officeDocument/2006/math">
+                    <m:sSub>
+                      <m:sSubPr>
+                        <m:ctrlPr>
+                          <a:rPr lang="ko-KR" altLang="en-US" sz="2000" i="1">
+                            <a:latin typeface="Cambria Math" panose="02040503050406030204" pitchFamily="18" charset="0"/>
+                          </a:rPr>
+                        </m:ctrlPr>
+                      </m:sSubPr>
+                      <m:e>
+                        <m:r>
+                          <a:rPr lang="en-US" altLang="ko-KR" sz="2000" i="1">
+                            <a:latin typeface="Cambria Math" panose="02040503050406030204" pitchFamily="18" charset="0"/>
+                          </a:rPr>
+                          <m:t>𝑃</m:t>
+                        </m:r>
+                      </m:e>
+                      <m:sub>
+                        <m:sSub>
+                          <m:sSubPr>
+                            <m:ctrlPr>
+                              <a:rPr lang="ko-KR" altLang="en-US" sz="2000" i="1">
+                                <a:latin typeface="Cambria Math" panose="02040503050406030204" pitchFamily="18" charset="0"/>
+                              </a:rPr>
+                            </m:ctrlPr>
+                          </m:sSubPr>
+                          <m:e>
+                            <m:r>
+                              <a:rPr lang="en-US" altLang="ko-KR" sz="2000" i="1">
+                                <a:latin typeface="Cambria Math" panose="02040503050406030204" pitchFamily="18" charset="0"/>
+                              </a:rPr>
+                              <m:t>𝐻</m:t>
+                            </m:r>
+                          </m:e>
+                          <m:sub>
+                            <m:r>
+                              <a:rPr lang="en-US" altLang="ko-KR" sz="2000" i="1">
+                                <a:latin typeface="Cambria Math" panose="02040503050406030204" pitchFamily="18" charset="0"/>
+                              </a:rPr>
+                              <m:t>0</m:t>
+                            </m:r>
+                          </m:sub>
+                        </m:sSub>
+                      </m:sub>
+                    </m:sSub>
+                    <m:r>
+                      <a:rPr lang="en-US" altLang="ko-KR" sz="2000" i="1">
+                        <a:latin typeface="Cambria Math" panose="02040503050406030204" pitchFamily="18" charset="0"/>
+                      </a:rPr>
+                      <m:t>[</m:t>
+                    </m:r>
+                    <m:f>
+                      <m:fPr>
+                        <m:ctrlPr>
+                          <a:rPr lang="en-US" altLang="ko-KR" sz="2000" i="1">
+                            <a:latin typeface="Cambria Math" panose="02040503050406030204" pitchFamily="18" charset="0"/>
+                          </a:rPr>
+                        </m:ctrlPr>
+                      </m:fPr>
+                      <m:num>
+                        <m:f>
+                          <m:fPr>
+                            <m:type m:val="skw"/>
+                            <m:ctrlPr>
+                              <a:rPr lang="en-US" altLang="ko-KR" sz="2000" b="0" i="1" smtClean="0">
+                                <a:latin typeface="Cambria Math" panose="02040503050406030204" pitchFamily="18" charset="0"/>
+                              </a:rPr>
+                            </m:ctrlPr>
+                          </m:fPr>
+                          <m:num>
+                            <m:sSub>
+                              <m:sSubPr>
+                                <m:ctrlPr>
+                                  <a:rPr lang="ko-KR" altLang="en-US" sz="2000" i="1">
+                                    <a:latin typeface="Cambria Math" panose="02040503050406030204" pitchFamily="18" charset="0"/>
+                                  </a:rPr>
+                                </m:ctrlPr>
+                              </m:sSubPr>
+                              <m:e>
+                                <m:r>
+                                  <a:rPr lang="en-US" altLang="ko-KR" sz="2000" i="1">
+                                    <a:latin typeface="Cambria Math" panose="02040503050406030204" pitchFamily="18" charset="0"/>
+                                  </a:rPr>
+                                  <m:t>𝑄</m:t>
+                                </m:r>
+                              </m:e>
+                              <m:sub>
+                                <m:r>
+                                  <a:rPr lang="en-US" altLang="ko-KR" sz="2000" i="1">
+                                    <a:latin typeface="Cambria Math" panose="02040503050406030204" pitchFamily="18" charset="0"/>
+                                  </a:rPr>
+                                  <m:t>4</m:t>
+                                </m:r>
+                              </m:sub>
+                            </m:sSub>
+                          </m:num>
+                          <m:den>
+                            <m:r>
+                              <a:rPr lang="en-US" altLang="ko-KR" sz="2000" b="0" i="1" smtClean="0">
+                                <a:latin typeface="Cambria Math" panose="02040503050406030204" pitchFamily="18" charset="0"/>
+                              </a:rPr>
+                              <m:t>𝑏</m:t>
+                            </m:r>
+                            <m:r>
+                              <a:rPr lang="en-US" altLang="ko-KR" sz="2000" b="0" i="1" smtClean="0">
+                                <a:latin typeface="Cambria Math" panose="02040503050406030204" pitchFamily="18" charset="0"/>
+                              </a:rPr>
+                              <m:t>−1</m:t>
+                            </m:r>
+                          </m:den>
+                        </m:f>
+                      </m:num>
+                      <m:den>
+                        <m:f>
+                          <m:fPr>
+                            <m:type m:val="skw"/>
+                            <m:ctrlPr>
+                              <a:rPr lang="en-US" altLang="ko-KR" sz="2000" b="0" i="1" smtClean="0">
+                                <a:latin typeface="Cambria Math" panose="02040503050406030204" pitchFamily="18" charset="0"/>
+                              </a:rPr>
+                            </m:ctrlPr>
+                          </m:fPr>
+                          <m:num>
+                            <m:sSub>
+                              <m:sSubPr>
+                                <m:ctrlPr>
+                                  <a:rPr lang="ko-KR" altLang="en-US" sz="2000" i="1">
+                                    <a:latin typeface="Cambria Math" panose="02040503050406030204" pitchFamily="18" charset="0"/>
+                                  </a:rPr>
+                                </m:ctrlPr>
+                              </m:sSubPr>
+                              <m:e>
+                                <m:r>
+                                  <a:rPr lang="en-US" altLang="ko-KR" sz="2000" i="1">
+                                    <a:latin typeface="Cambria Math" panose="02040503050406030204" pitchFamily="18" charset="0"/>
+                                  </a:rPr>
+                                  <m:t>𝑄</m:t>
+                                </m:r>
+                              </m:e>
+                              <m:sub>
+                                <m:r>
+                                  <a:rPr lang="en-US" altLang="ko-KR" sz="2000" i="1">
+                                    <a:latin typeface="Cambria Math" panose="02040503050406030204" pitchFamily="18" charset="0"/>
+                                  </a:rPr>
+                                  <m:t>3</m:t>
+                                </m:r>
+                              </m:sub>
+                            </m:sSub>
+                          </m:num>
+                          <m:den>
+                            <m:d>
+                              <m:dPr>
+                                <m:begChr m:val="["/>
+                                <m:endChr m:val="]"/>
+                                <m:ctrlPr>
+                                  <a:rPr lang="en-US" altLang="ko-KR" sz="2000" b="0" i="1" smtClean="0">
+                                    <a:latin typeface="Cambria Math" panose="02040503050406030204" pitchFamily="18" charset="0"/>
+                                  </a:rPr>
+                                </m:ctrlPr>
+                              </m:dPr>
+                              <m:e>
+                                <m:r>
+                                  <a:rPr lang="en-US" altLang="ko-KR" sz="2000" b="0" i="1" smtClean="0">
+                                    <a:latin typeface="Cambria Math" panose="02040503050406030204" pitchFamily="18" charset="0"/>
+                                  </a:rPr>
+                                  <m:t>𝑏</m:t>
+                                </m:r>
+                                <m:d>
+                                  <m:dPr>
+                                    <m:ctrlPr>
+                                      <a:rPr lang="en-US" altLang="ko-KR" sz="2000" b="0" i="1" smtClean="0">
+                                        <a:latin typeface="Cambria Math" panose="02040503050406030204" pitchFamily="18" charset="0"/>
+                                      </a:rPr>
+                                    </m:ctrlPr>
+                                  </m:dPr>
+                                  <m:e>
+                                    <m:r>
+                                      <a:rPr lang="en-US" altLang="ko-KR" sz="2000" b="0" i="1" smtClean="0">
+                                        <a:latin typeface="Cambria Math" panose="02040503050406030204" pitchFamily="18" charset="0"/>
+                                      </a:rPr>
+                                      <m:t>𝑎</m:t>
+                                    </m:r>
+                                    <m:r>
+                                      <a:rPr lang="en-US" altLang="ko-KR" sz="2000" b="0" i="1" smtClean="0">
+                                        <a:latin typeface="Cambria Math" panose="02040503050406030204" pitchFamily="18" charset="0"/>
+                                      </a:rPr>
+                                      <m:t>−1</m:t>
+                                    </m:r>
+                                  </m:e>
+                                </m:d>
+                              </m:e>
+                            </m:d>
+                          </m:den>
+                        </m:f>
+                      </m:den>
+                    </m:f>
+                    <m:r>
+                      <a:rPr lang="en-US" altLang="ko-KR" sz="2000" b="0" i="1" smtClean="0">
+                        <a:latin typeface="Cambria Math" panose="02040503050406030204" pitchFamily="18" charset="0"/>
+                      </a:rPr>
+                      <m:t>≥</m:t>
+                    </m:r>
+                    <m:r>
+                      <a:rPr lang="en-US" altLang="ko-KR" sz="2000" b="0" i="1" smtClean="0">
+                        <a:latin typeface="Cambria Math" panose="02040503050406030204" pitchFamily="18" charset="0"/>
+                      </a:rPr>
+                      <m:t>𝑐</m:t>
+                    </m:r>
+                    <m:r>
+                      <a:rPr lang="en-US" altLang="ko-KR" sz="2000" b="0" i="1" smtClean="0">
+                        <a:latin typeface="Cambria Math" panose="02040503050406030204" pitchFamily="18" charset="0"/>
+                      </a:rPr>
+                      <m:t>(</m:t>
+                    </m:r>
+                    <m:r>
+                      <a:rPr lang="en-US" altLang="ko-KR" sz="2000" b="0" i="1" smtClean="0">
+                        <a:latin typeface="Cambria Math" panose="02040503050406030204" pitchFamily="18" charset="0"/>
+                      </a:rPr>
+                      <m:t>𝑍</m:t>
+                    </m:r>
+                    <m:r>
+                      <a:rPr lang="en-US" altLang="ko-KR" sz="2000" b="0" i="1" smtClean="0">
+                        <a:latin typeface="Cambria Math" panose="02040503050406030204" pitchFamily="18" charset="0"/>
+                      </a:rPr>
+                      <m:t>)]</m:t>
+                    </m:r>
+                  </m:oMath>
+                </a14:m>
+                <a:r>
+                  <a:rPr lang="en-US" altLang="ko-KR" sz="2000" dirty="0"/>
+                  <a:t> </a:t>
+                </a:r>
+              </a:p>
+              <a:p>
+                <a:pPr marL="457200" indent="-457200">
+                  <a:buAutoNum type="arabicParenBoth"/>
+                </a:pPr>
+                <a:r>
+                  <a:rPr lang="ko-KR" altLang="en-US" sz="2000" dirty="0"/>
+                  <a:t>이 때</a:t>
+                </a:r>
+                <a:r>
+                  <a:rPr lang="en-US" altLang="ko-KR" sz="2000" dirty="0"/>
+                  <a:t>, c(Z) = </a:t>
+                </a:r>
+                <a14:m>
+                  <m:oMath xmlns:m="http://schemas.openxmlformats.org/officeDocument/2006/math">
+                    <m:f>
+                      <m:fPr>
+                        <m:ctrlPr>
+                          <a:rPr lang="en-US" altLang="ko-KR" sz="2000" b="0" i="1" smtClean="0">
+                            <a:latin typeface="Cambria Math" panose="02040503050406030204" pitchFamily="18" charset="0"/>
+                          </a:rPr>
+                        </m:ctrlPr>
+                      </m:fPr>
+                      <m:num>
+                        <m:d>
+                          <m:dPr>
+                            <m:begChr m:val="["/>
+                            <m:endChr m:val="]"/>
+                            <m:ctrlPr>
+                              <a:rPr lang="en-US" altLang="ko-KR" sz="2000" i="1">
+                                <a:latin typeface="Cambria Math" panose="02040503050406030204" pitchFamily="18" charset="0"/>
+                              </a:rPr>
+                            </m:ctrlPr>
+                          </m:dPr>
+                          <m:e>
+                            <m:r>
+                              <a:rPr lang="en-US" altLang="ko-KR" sz="2000" i="1">
+                                <a:latin typeface="Cambria Math" panose="02040503050406030204" pitchFamily="18" charset="0"/>
+                              </a:rPr>
+                              <m:t>𝑏</m:t>
+                            </m:r>
+                            <m:d>
+                              <m:dPr>
+                                <m:ctrlPr>
+                                  <a:rPr lang="en-US" altLang="ko-KR" sz="2000" i="1">
+                                    <a:latin typeface="Cambria Math" panose="02040503050406030204" pitchFamily="18" charset="0"/>
+                                  </a:rPr>
+                                </m:ctrlPr>
+                              </m:dPr>
+                              <m:e>
+                                <m:r>
+                                  <a:rPr lang="en-US" altLang="ko-KR" sz="2000" i="1">
+                                    <a:latin typeface="Cambria Math" panose="02040503050406030204" pitchFamily="18" charset="0"/>
+                                  </a:rPr>
+                                  <m:t>𝑎</m:t>
+                                </m:r>
+                                <m:r>
+                                  <a:rPr lang="en-US" altLang="ko-KR" sz="2000" i="1">
+                                    <a:latin typeface="Cambria Math" panose="02040503050406030204" pitchFamily="18" charset="0"/>
+                                  </a:rPr>
+                                  <m:t>−1</m:t>
+                                </m:r>
+                              </m:e>
+                            </m:d>
+                          </m:e>
+                        </m:d>
+                      </m:num>
+                      <m:den>
+                        <m:r>
+                          <a:rPr lang="en-US" altLang="ko-KR" sz="2000" b="0" i="1" smtClean="0">
+                            <a:latin typeface="Cambria Math" panose="02040503050406030204" pitchFamily="18" charset="0"/>
+                          </a:rPr>
+                          <m:t>𝑏</m:t>
+                        </m:r>
+                        <m:r>
+                          <a:rPr lang="en-US" altLang="ko-KR" sz="2000" b="0" i="1" smtClean="0">
+                            <a:latin typeface="Cambria Math" panose="02040503050406030204" pitchFamily="18" charset="0"/>
+                          </a:rPr>
+                          <m:t>−1</m:t>
+                        </m:r>
+                      </m:den>
+                    </m:f>
+                    <m:sSup>
+                      <m:sSupPr>
+                        <m:ctrlPr>
+                          <a:rPr lang="en-US" altLang="ko-KR" sz="2000" i="1">
+                            <a:latin typeface="Cambria Math" panose="02040503050406030204" pitchFamily="18" charset="0"/>
+                          </a:rPr>
+                        </m:ctrlPr>
+                      </m:sSupPr>
+                      <m:e>
+                        <m:d>
+                          <m:dPr>
+                            <m:begChr m:val="["/>
+                            <m:endChr m:val="]"/>
+                            <m:ctrlPr>
+                              <a:rPr lang="en-US" altLang="ko-KR" sz="2000" i="1">
+                                <a:latin typeface="Cambria Math" panose="02040503050406030204" pitchFamily="18" charset="0"/>
+                              </a:rPr>
+                            </m:ctrlPr>
+                          </m:dPr>
+                          <m:e>
+                            <m:r>
+                              <a:rPr lang="en-US" altLang="ko-KR" sz="2000" i="1">
+                                <a:latin typeface="Cambria Math" panose="02040503050406030204" pitchFamily="18" charset="0"/>
+                              </a:rPr>
+                              <m:t>∧</m:t>
+                            </m:r>
+                          </m:e>
+                        </m:d>
+                      </m:e>
+                      <m:sup>
+                        <m:r>
+                          <a:rPr lang="en-US" altLang="ko-KR" sz="2000" b="0" i="1" smtClean="0">
+                            <a:latin typeface="Cambria Math" panose="02040503050406030204" pitchFamily="18" charset="0"/>
+                          </a:rPr>
+                          <m:t>−</m:t>
+                        </m:r>
+                        <m:f>
+                          <m:fPr>
+                            <m:ctrlPr>
+                              <a:rPr lang="en-US" altLang="ko-KR" sz="2000" i="1">
+                                <a:latin typeface="Cambria Math" panose="02040503050406030204" pitchFamily="18" charset="0"/>
+                              </a:rPr>
+                            </m:ctrlPr>
+                          </m:fPr>
+                          <m:num>
+                            <m:r>
+                              <a:rPr lang="en-US" altLang="ko-KR" sz="2000" b="0" i="1" smtClean="0">
+                                <a:latin typeface="Cambria Math" panose="02040503050406030204" pitchFamily="18" charset="0"/>
+                              </a:rPr>
+                              <m:t>2</m:t>
+                            </m:r>
+                          </m:num>
+                          <m:den>
+                            <m:r>
+                              <a:rPr lang="en-US" altLang="ko-KR" sz="2000" b="0" i="1" smtClean="0">
+                                <a:latin typeface="Cambria Math" panose="02040503050406030204" pitchFamily="18" charset="0"/>
+                              </a:rPr>
+                              <m:t>𝑎𝑏</m:t>
+                            </m:r>
+                          </m:den>
+                        </m:f>
+                        <m:r>
+                          <a:rPr lang="en-US" altLang="ko-KR" sz="2000" b="0" i="1" smtClean="0">
+                            <a:latin typeface="Cambria Math" panose="02040503050406030204" pitchFamily="18" charset="0"/>
+                          </a:rPr>
+                          <m:t>−1</m:t>
+                        </m:r>
+                      </m:sup>
+                    </m:sSup>
+                  </m:oMath>
+                </a14:m>
+                <a:r>
+                  <a:rPr lang="en-US" altLang="ko-KR" sz="2000" dirty="0"/>
+                  <a:t> </a:t>
+                </a:r>
+                <a:r>
+                  <a:rPr lang="ko-KR" altLang="en-US" sz="2000" dirty="0"/>
+                  <a:t>이다</a:t>
+                </a:r>
+                <a:r>
+                  <a:rPr lang="en-US" altLang="ko-KR" sz="2000" dirty="0"/>
+                  <a:t>.</a:t>
+                </a:r>
               </a:p>
             </p:txBody>
           </p:sp>
@@ -15285,7 +16179,7 @@
               <a:blipFill>
                 <a:blip r:embed="rId2"/>
                 <a:stretch>
-                  <a:fillRect l="-812" t="-2521"/>
+                  <a:fillRect l="-290" t="-1961"/>
                 </a:stretch>
               </a:blipFill>
             </p:spPr>

--- a/Study/statistics/PPT/59. 일원배치 분산분석.pptx
+++ b/Study/statistics/PPT/59. 일원배치 분산분석.pptx
@@ -5127,8 +5127,8 @@
           </a:p>
         </p:txBody>
       </p:sp>
-      <mc:AlternateContent xmlns:mc="http://schemas.openxmlformats.org/markup-compatibility/2006" xmlns:a14="http://schemas.microsoft.com/office/drawing/2010/main">
-        <mc:Choice Requires="a14">
+      <mc:AlternateContent xmlns:mc="http://schemas.openxmlformats.org/markup-compatibility/2006">
+        <mc:Choice xmlns:a14="http://schemas.microsoft.com/office/drawing/2010/main" Requires="a14">
           <p:sp>
             <p:nvSpPr>
               <p:cNvPr id="3" name="내용 개체 틀 2">
@@ -6594,15 +6594,32 @@
                         </m:r>
                       </m:den>
                     </m:f>
+                    <m:r>
+                      <a:rPr lang="en-US" altLang="ko-KR" sz="2000" b="0" i="0" smtClean="0">
+                        <a:latin typeface="Cambria Math" panose="02040503050406030204" pitchFamily="18" charset="0"/>
+                      </a:rPr>
+                      <m:t>=</m:t>
+                    </m:r>
+                    <m:bar>
+                      <m:barPr>
+                        <m:pos m:val="top"/>
+                        <m:ctrlPr>
+                          <a:rPr lang="en-US" altLang="ko-KR" sz="2000" i="1">
+                            <a:latin typeface="Cambria Math" panose="02040503050406030204" pitchFamily="18" charset="0"/>
+                          </a:rPr>
+                        </m:ctrlPr>
+                      </m:barPr>
+                      <m:e>
+                        <m:r>
+                          <a:rPr lang="en-US" altLang="ko-KR" sz="2000" i="1">
+                            <a:latin typeface="Cambria Math" panose="02040503050406030204" pitchFamily="18" charset="0"/>
+                          </a:rPr>
+                          <m:t>𝑥</m:t>
+                        </m:r>
+                      </m:e>
+                    </m:bar>
                   </m:oMath>
                 </a14:m>
-                <a:endParaRPr lang="en-US" altLang="ko-KR" sz="2000" dirty="0"/>
-              </a:p>
-              <a:p>
-                <a:pPr>
-                  <a:buFontTx/>
-                  <a:buChar char="-"/>
-                </a:pPr>
                 <a:endParaRPr lang="en-US" altLang="ko-KR" sz="2000" dirty="0"/>
               </a:p>
               <a:p>
@@ -6614,7 +6631,7 @@
             </p:txBody>
           </p:sp>
         </mc:Choice>
-        <mc:Fallback xmlns="">
+        <mc:Fallback>
           <p:sp>
             <p:nvSpPr>
               <p:cNvPr id="3" name="내용 개체 틀 2">
@@ -6712,8 +6729,8 @@
           </a:p>
         </p:txBody>
       </p:sp>
-      <mc:AlternateContent xmlns:mc="http://schemas.openxmlformats.org/markup-compatibility/2006" xmlns:a14="http://schemas.microsoft.com/office/drawing/2010/main">
-        <mc:Choice Requires="a14">
+      <mc:AlternateContent xmlns:mc="http://schemas.openxmlformats.org/markup-compatibility/2006">
+        <mc:Choice xmlns:a14="http://schemas.microsoft.com/office/drawing/2010/main" Requires="a14">
           <p:sp>
             <p:nvSpPr>
               <p:cNvPr id="3" name="내용 개체 틀 2">
@@ -8228,12 +8245,24 @@
                                         </m:nary>
                                       </m:e>
                                     </m:nary>
-                                    <m:r>
-                                      <a:rPr lang="ko-KR" altLang="en-US" sz="2000" i="1" smtClean="0">
-                                        <a:latin typeface="Cambria Math" panose="02040503050406030204" pitchFamily="18" charset="0"/>
-                                      </a:rPr>
-                                      <m:t>𝜇</m:t>
-                                    </m:r>
+                                    <m:bar>
+                                      <m:barPr>
+                                        <m:pos m:val="top"/>
+                                        <m:ctrlPr>
+                                          <a:rPr lang="en-US" altLang="ko-KR" sz="2000" i="1">
+                                            <a:latin typeface="Cambria Math" panose="02040503050406030204" pitchFamily="18" charset="0"/>
+                                          </a:rPr>
+                                        </m:ctrlPr>
+                                      </m:barPr>
+                                      <m:e>
+                                        <m:r>
+                                          <a:rPr lang="en-US" altLang="ko-KR" sz="2000" i="1">
+                                            <a:latin typeface="Cambria Math" panose="02040503050406030204" pitchFamily="18" charset="0"/>
+                                          </a:rPr>
+                                          <m:t>𝑥</m:t>
+                                        </m:r>
+                                      </m:e>
+                                    </m:bar>
                                     <m:r>
                                       <a:rPr lang="en-US" altLang="ko-KR" sz="2000" b="0" i="1" smtClean="0">
                                         <a:latin typeface="Cambria Math" panose="02040503050406030204" pitchFamily="18" charset="0"/>
@@ -8342,12 +8371,24 @@
                                         </m:nary>
                                       </m:e>
                                     </m:nary>
-                                    <m:r>
-                                      <a:rPr lang="ko-KR" altLang="en-US" sz="2000" i="1" smtClean="0">
-                                        <a:latin typeface="Cambria Math" panose="02040503050406030204" pitchFamily="18" charset="0"/>
-                                      </a:rPr>
-                                      <m:t>𝜇</m:t>
-                                    </m:r>
+                                    <m:bar>
+                                      <m:barPr>
+                                        <m:pos m:val="top"/>
+                                        <m:ctrlPr>
+                                          <a:rPr lang="en-US" altLang="ko-KR" sz="2000" i="1">
+                                            <a:latin typeface="Cambria Math" panose="02040503050406030204" pitchFamily="18" charset="0"/>
+                                          </a:rPr>
+                                        </m:ctrlPr>
+                                      </m:barPr>
+                                      <m:e>
+                                        <m:r>
+                                          <a:rPr lang="en-US" altLang="ko-KR" sz="2000" i="1">
+                                            <a:latin typeface="Cambria Math" panose="02040503050406030204" pitchFamily="18" charset="0"/>
+                                          </a:rPr>
+                                          <m:t>𝑥</m:t>
+                                        </m:r>
+                                      </m:e>
+                                    </m:bar>
                                     <m:r>
                                       <a:rPr lang="en-US" altLang="ko-KR" sz="2000" b="0" i="1" smtClean="0">
                                         <a:latin typeface="Cambria Math" panose="02040503050406030204" pitchFamily="18" charset="0"/>
@@ -8511,12 +8552,24 @@
                                         </m:nary>
                                       </m:e>
                                     </m:nary>
-                                    <m:r>
-                                      <a:rPr lang="ko-KR" altLang="en-US" sz="2000" i="1" smtClean="0">
-                                        <a:latin typeface="Cambria Math" panose="02040503050406030204" pitchFamily="18" charset="0"/>
-                                      </a:rPr>
-                                      <m:t>𝜇</m:t>
-                                    </m:r>
+                                    <m:bar>
+                                      <m:barPr>
+                                        <m:pos m:val="top"/>
+                                        <m:ctrlPr>
+                                          <a:rPr lang="en-US" altLang="ko-KR" sz="2000" i="1">
+                                            <a:latin typeface="Cambria Math" panose="02040503050406030204" pitchFamily="18" charset="0"/>
+                                          </a:rPr>
+                                        </m:ctrlPr>
+                                      </m:barPr>
+                                      <m:e>
+                                        <m:r>
+                                          <a:rPr lang="en-US" altLang="ko-KR" sz="2000" i="1">
+                                            <a:latin typeface="Cambria Math" panose="02040503050406030204" pitchFamily="18" charset="0"/>
+                                          </a:rPr>
+                                          <m:t>𝑥</m:t>
+                                        </m:r>
+                                      </m:e>
+                                    </m:bar>
                                     <m:r>
                                       <a:rPr lang="en-US" altLang="ko-KR" sz="2000" b="0" i="1" smtClean="0">
                                         <a:latin typeface="Cambria Math" panose="02040503050406030204" pitchFamily="18" charset="0"/>
@@ -8643,7 +8696,7 @@
             </p:txBody>
           </p:sp>
         </mc:Choice>
-        <mc:Fallback xmlns="">
+        <mc:Fallback>
           <p:sp>
             <p:nvSpPr>
               <p:cNvPr id="3" name="내용 개체 틀 2">
@@ -8741,8 +8794,8 @@
           </a:p>
         </p:txBody>
       </p:sp>
-      <mc:AlternateContent xmlns:mc="http://schemas.openxmlformats.org/markup-compatibility/2006" xmlns:a14="http://schemas.microsoft.com/office/drawing/2010/main">
-        <mc:Choice Requires="a14">
+      <mc:AlternateContent xmlns:mc="http://schemas.openxmlformats.org/markup-compatibility/2006">
+        <mc:Choice xmlns:a14="http://schemas.microsoft.com/office/drawing/2010/main" Requires="a14">
           <p:sp>
             <p:nvSpPr>
               <p:cNvPr id="3" name="내용 개체 틀 2">
@@ -9656,11 +9709,60 @@
                         </m:r>
                       </m:den>
                     </m:f>
+                    <m:r>
+                      <a:rPr lang="en-US" altLang="ko-KR" sz="2000" b="0" i="1" smtClean="0">
+                        <a:latin typeface="Cambria Math" panose="02040503050406030204" pitchFamily="18" charset="0"/>
+                      </a:rPr>
+                      <m:t>=</m:t>
+                    </m:r>
+                    <m:sSub>
+                      <m:sSubPr>
+                        <m:ctrlPr>
+                          <a:rPr lang="en-US" altLang="ko-KR" sz="2000" b="0" i="1" smtClean="0">
+                            <a:latin typeface="Cambria Math" panose="02040503050406030204" pitchFamily="18" charset="0"/>
+                          </a:rPr>
+                        </m:ctrlPr>
+                      </m:sSubPr>
+                      <m:e>
+                        <m:bar>
+                          <m:barPr>
+                            <m:pos m:val="top"/>
+                            <m:ctrlPr>
+                              <a:rPr lang="en-US" altLang="ko-KR" sz="2000" i="1">
+                                <a:latin typeface="Cambria Math" panose="02040503050406030204" pitchFamily="18" charset="0"/>
+                              </a:rPr>
+                            </m:ctrlPr>
+                          </m:barPr>
+                          <m:e>
+                            <m:r>
+                              <a:rPr lang="en-US" altLang="ko-KR" sz="2000" i="1">
+                                <a:latin typeface="Cambria Math" panose="02040503050406030204" pitchFamily="18" charset="0"/>
+                              </a:rPr>
+                              <m:t>𝑥</m:t>
+                            </m:r>
+                          </m:e>
+                        </m:bar>
+                      </m:e>
+                      <m:sub>
+                        <m:r>
+                          <a:rPr lang="en-US" altLang="ko-KR" sz="2000" b="0" i="1" smtClean="0">
+                            <a:latin typeface="Cambria Math" panose="02040503050406030204" pitchFamily="18" charset="0"/>
+                          </a:rPr>
+                          <m:t>𝑗</m:t>
+                        </m:r>
+                      </m:sub>
+                    </m:sSub>
+                    <m:r>
+                      <a:rPr lang="en-US" altLang="ko-KR" sz="2000" i="1" smtClean="0">
+                        <a:latin typeface="Cambria Math" panose="02040503050406030204" pitchFamily="18" charset="0"/>
+                      </a:rPr>
+                      <m:t> </m:t>
+                    </m:r>
                   </m:oMath>
                 </a14:m>
                 <a:r>
                   <a:rPr lang="en-US" altLang="ko-KR" sz="2000" dirty="0"/>
-                  <a:t> (</a:t>
+                  <a:t>(</a:t>
                 </a:r>
                 <a:r>
                   <a:rPr lang="ko-KR" altLang="en-US" sz="2000" dirty="0"/>
@@ -9924,6 +10026,1044 @@
                                     </m:sSup>
                                   </m:den>
                                 </m:f>
+                                <m:sSup>
+                                  <m:sSupPr>
+                                    <m:ctrlPr>
+                                      <a:rPr lang="en-US" altLang="ko-KR" sz="2000" i="1" smtClean="0">
+                                        <a:latin typeface="Cambria Math" panose="02040503050406030204" pitchFamily="18" charset="0"/>
+                                      </a:rPr>
+                                    </m:ctrlPr>
+                                  </m:sSupPr>
+                                  <m:e>
+                                    <m:nary>
+                                      <m:naryPr>
+                                        <m:chr m:val="∑"/>
+                                        <m:subHide m:val="on"/>
+                                        <m:supHide m:val="on"/>
+                                        <m:ctrlPr>
+                                          <a:rPr lang="en-US" altLang="ko-KR" sz="2000" i="1" smtClean="0">
+                                            <a:latin typeface="Cambria Math" panose="02040503050406030204" pitchFamily="18" charset="0"/>
+                                          </a:rPr>
+                                        </m:ctrlPr>
+                                      </m:naryPr>
+                                      <m:sub/>
+                                      <m:sup/>
+                                      <m:e>
+                                        <m:nary>
+                                          <m:naryPr>
+                                            <m:chr m:val="∑"/>
+                                            <m:subHide m:val="on"/>
+                                            <m:supHide m:val="on"/>
+                                            <m:ctrlPr>
+                                              <a:rPr lang="en-US" altLang="ko-KR" sz="2000" i="1" smtClean="0">
+                                                <a:latin typeface="Cambria Math" panose="02040503050406030204" pitchFamily="18" charset="0"/>
+                                              </a:rPr>
+                                            </m:ctrlPr>
+                                          </m:naryPr>
+                                          <m:sub/>
+                                          <m:sup/>
+                                          <m:e>
+                                            <m:r>
+                                              <a:rPr lang="en-US" altLang="ko-KR" sz="2000" b="0" i="1" smtClean="0">
+                                                <a:latin typeface="Cambria Math" panose="02040503050406030204" pitchFamily="18" charset="0"/>
+                                              </a:rPr>
+                                              <m:t>(</m:t>
+                                            </m:r>
+                                            <m:sSub>
+                                              <m:sSubPr>
+                                                <m:ctrlPr>
+                                                  <a:rPr lang="ko-KR" altLang="en-US" sz="2000" i="1">
+                                                    <a:latin typeface="Cambria Math" panose="02040503050406030204" pitchFamily="18" charset="0"/>
+                                                  </a:rPr>
+                                                </m:ctrlPr>
+                                              </m:sSubPr>
+                                              <m:e>
+                                                <m:r>
+                                                  <a:rPr lang="en-US" altLang="ko-KR" sz="2000" i="1">
+                                                    <a:latin typeface="Cambria Math" panose="02040503050406030204" pitchFamily="18" charset="0"/>
+                                                  </a:rPr>
+                                                  <m:t>𝑥</m:t>
+                                                </m:r>
+                                              </m:e>
+                                              <m:sub>
+                                                <m:r>
+                                                  <a:rPr lang="en-US" altLang="ko-KR" sz="2000" i="1">
+                                                    <a:latin typeface="Cambria Math" panose="02040503050406030204" pitchFamily="18" charset="0"/>
+                                                  </a:rPr>
+                                                  <m:t>𝑖</m:t>
+                                                </m:r>
+                                                <m:r>
+                                                  <a:rPr lang="en-US" altLang="ko-KR" sz="2000" b="0" i="1" smtClean="0">
+                                                    <a:latin typeface="Cambria Math" panose="02040503050406030204" pitchFamily="18" charset="0"/>
+                                                  </a:rPr>
+                                                  <m:t>𝑗</m:t>
+                                                </m:r>
+                                              </m:sub>
+                                            </m:sSub>
+                                            <m:r>
+                                              <a:rPr lang="en-US" altLang="ko-KR" sz="2000" b="0" i="1" smtClean="0">
+                                                <a:latin typeface="Cambria Math" panose="02040503050406030204" pitchFamily="18" charset="0"/>
+                                              </a:rPr>
+                                              <m:t>−</m:t>
+                                            </m:r>
+                                          </m:e>
+                                        </m:nary>
+                                      </m:e>
+                                    </m:nary>
+                                    <m:sSub>
+                                      <m:sSubPr>
+                                        <m:ctrlPr>
+                                          <a:rPr lang="en-US" altLang="ko-KR" sz="2000" i="1">
+                                            <a:latin typeface="Cambria Math" panose="02040503050406030204" pitchFamily="18" charset="0"/>
+                                          </a:rPr>
+                                        </m:ctrlPr>
+                                      </m:sSubPr>
+                                      <m:e>
+                                        <m:bar>
+                                          <m:barPr>
+                                            <m:pos m:val="top"/>
+                                            <m:ctrlPr>
+                                              <a:rPr lang="en-US" altLang="ko-KR" sz="2000" i="1">
+                                                <a:latin typeface="Cambria Math" panose="02040503050406030204" pitchFamily="18" charset="0"/>
+                                              </a:rPr>
+                                            </m:ctrlPr>
+                                          </m:barPr>
+                                          <m:e>
+                                            <m:r>
+                                              <a:rPr lang="en-US" altLang="ko-KR" sz="2000" i="1">
+                                                <a:latin typeface="Cambria Math" panose="02040503050406030204" pitchFamily="18" charset="0"/>
+                                              </a:rPr>
+                                              <m:t>𝑥</m:t>
+                                            </m:r>
+                                          </m:e>
+                                        </m:bar>
+                                      </m:e>
+                                      <m:sub>
+                                        <m:r>
+                                          <a:rPr lang="en-US" altLang="ko-KR" sz="2000" i="1">
+                                            <a:latin typeface="Cambria Math" panose="02040503050406030204" pitchFamily="18" charset="0"/>
+                                          </a:rPr>
+                                          <m:t>𝑗</m:t>
+                                        </m:r>
+                                      </m:sub>
+                                    </m:sSub>
+                                    <m:r>
+                                      <a:rPr lang="en-US" altLang="ko-KR" sz="2000" b="0" i="1" smtClean="0">
+                                        <a:latin typeface="Cambria Math" panose="02040503050406030204" pitchFamily="18" charset="0"/>
+                                      </a:rPr>
+                                      <m:t>))</m:t>
+                                    </m:r>
+                                  </m:e>
+                                  <m:sup>
+                                    <m:r>
+                                      <a:rPr lang="en-US" altLang="ko-KR" sz="2000" i="1">
+                                        <a:latin typeface="Cambria Math" panose="02040503050406030204" pitchFamily="18" charset="0"/>
+                                      </a:rPr>
+                                      <m:t>2</m:t>
+                                    </m:r>
+                                  </m:sup>
+                                </m:sSup>
+                              </m:e>
+                            </m:d>
+                          </m:e>
+                        </m:d>
+                      </m:num>
+                      <m:den>
+                        <m:r>
+                          <a:rPr lang="en-US" altLang="ko-KR" sz="2000" b="0" i="1" smtClean="0">
+                            <a:latin typeface="Cambria Math" panose="02040503050406030204" pitchFamily="18" charset="0"/>
+                            <a:ea typeface="Cambria Math" panose="02040503050406030204" pitchFamily="18" charset="0"/>
+                          </a:rPr>
+                          <m:t>𝜕</m:t>
+                        </m:r>
+                        <m:sSup>
+                          <m:sSupPr>
+                            <m:ctrlPr>
+                              <a:rPr lang="en-US" altLang="ko-KR" sz="2000" i="1" smtClean="0">
+                                <a:latin typeface="Cambria Math" panose="02040503050406030204" pitchFamily="18" charset="0"/>
+                              </a:rPr>
+                            </m:ctrlPr>
+                          </m:sSupPr>
+                          <m:e>
+                            <m:r>
+                              <a:rPr lang="ko-KR" altLang="en-US" sz="2000" i="1" smtClean="0">
+                                <a:latin typeface="Cambria Math" panose="02040503050406030204" pitchFamily="18" charset="0"/>
+                              </a:rPr>
+                              <m:t>𝜎</m:t>
+                            </m:r>
+                          </m:e>
+                          <m:sup>
+                            <m:r>
+                              <a:rPr lang="en-US" altLang="ko-KR" sz="2000" i="1">
+                                <a:latin typeface="Cambria Math" panose="02040503050406030204" pitchFamily="18" charset="0"/>
+                              </a:rPr>
+                              <m:t>2</m:t>
+                            </m:r>
+                          </m:sup>
+                        </m:sSup>
+                      </m:den>
+                    </m:f>
+                  </m:oMath>
+                </a14:m>
+                <a:r>
+                  <a:rPr lang="en-US" altLang="ko-KR" sz="2000" dirty="0"/>
+                  <a:t> = </a:t>
+                </a:r>
+                <a14:m>
+                  <m:oMath xmlns:m="http://schemas.openxmlformats.org/officeDocument/2006/math">
+                    <m:r>
+                      <a:rPr lang="en-US" altLang="ko-KR" sz="2000" b="0" i="0" smtClean="0">
+                        <a:latin typeface="Cambria Math" panose="02040503050406030204" pitchFamily="18" charset="0"/>
+                      </a:rPr>
+                      <m:t>−</m:t>
+                    </m:r>
+                    <m:f>
+                      <m:fPr>
+                        <m:ctrlPr>
+                          <a:rPr lang="en-US" altLang="ko-KR" sz="2000" b="0" i="1" smtClean="0">
+                            <a:latin typeface="Cambria Math" panose="02040503050406030204" pitchFamily="18" charset="0"/>
+                          </a:rPr>
+                        </m:ctrlPr>
+                      </m:fPr>
+                      <m:num>
+                        <m:r>
+                          <a:rPr lang="en-US" altLang="ko-KR" sz="2000" b="0" i="1" smtClean="0">
+                            <a:latin typeface="Cambria Math" panose="02040503050406030204" pitchFamily="18" charset="0"/>
+                          </a:rPr>
+                          <m:t>𝑎𝑏</m:t>
+                        </m:r>
+                      </m:num>
+                      <m:den>
+                        <m:sSup>
+                          <m:sSupPr>
+                            <m:ctrlPr>
+                              <a:rPr lang="en-US" altLang="ko-KR" sz="2000" i="1" smtClean="0">
+                                <a:latin typeface="Cambria Math" panose="02040503050406030204" pitchFamily="18" charset="0"/>
+                              </a:rPr>
+                            </m:ctrlPr>
+                          </m:sSupPr>
+                          <m:e>
+                            <m:r>
+                              <a:rPr lang="en-US" altLang="ko-KR" sz="2000" b="0" i="1" smtClean="0">
+                                <a:latin typeface="Cambria Math" panose="02040503050406030204" pitchFamily="18" charset="0"/>
+                              </a:rPr>
+                              <m:t>2</m:t>
+                            </m:r>
+                            <m:r>
+                              <a:rPr lang="ko-KR" altLang="en-US" sz="2000" i="1" smtClean="0">
+                                <a:latin typeface="Cambria Math" panose="02040503050406030204" pitchFamily="18" charset="0"/>
+                              </a:rPr>
+                              <m:t>𝜎</m:t>
+                            </m:r>
+                          </m:e>
+                          <m:sup>
+                            <m:r>
+                              <a:rPr lang="en-US" altLang="ko-KR" sz="2000" i="1">
+                                <a:latin typeface="Cambria Math" panose="02040503050406030204" pitchFamily="18" charset="0"/>
+                              </a:rPr>
+                              <m:t>2</m:t>
+                            </m:r>
+                          </m:sup>
+                        </m:sSup>
+                      </m:den>
+                    </m:f>
+                    <m:r>
+                      <a:rPr lang="en-US" altLang="ko-KR" sz="2000" b="0" i="1" smtClean="0">
+                        <a:latin typeface="Cambria Math" panose="02040503050406030204" pitchFamily="18" charset="0"/>
+                      </a:rPr>
+                      <m:t>+</m:t>
+                    </m:r>
+                    <m:f>
+                      <m:fPr>
+                        <m:ctrlPr>
+                          <a:rPr lang="en-US" altLang="ko-KR" sz="2000" b="0" i="1" smtClean="0">
+                            <a:latin typeface="Cambria Math" panose="02040503050406030204" pitchFamily="18" charset="0"/>
+                          </a:rPr>
+                        </m:ctrlPr>
+                      </m:fPr>
+                      <m:num>
+                        <m:r>
+                          <a:rPr lang="en-US" altLang="ko-KR" sz="2000" b="0" i="1" smtClean="0">
+                            <a:latin typeface="Cambria Math" panose="02040503050406030204" pitchFamily="18" charset="0"/>
+                          </a:rPr>
+                          <m:t>1</m:t>
+                        </m:r>
+                      </m:num>
+                      <m:den>
+                        <m:r>
+                          <a:rPr lang="en-US" altLang="ko-KR" sz="2000" b="0" i="1" smtClean="0">
+                            <a:latin typeface="Cambria Math" panose="02040503050406030204" pitchFamily="18" charset="0"/>
+                          </a:rPr>
+                          <m:t>2</m:t>
+                        </m:r>
+                        <m:sSup>
+                          <m:sSupPr>
+                            <m:ctrlPr>
+                              <a:rPr lang="en-US" altLang="ko-KR" sz="2000" i="1" smtClean="0">
+                                <a:latin typeface="Cambria Math" panose="02040503050406030204" pitchFamily="18" charset="0"/>
+                              </a:rPr>
+                            </m:ctrlPr>
+                          </m:sSupPr>
+                          <m:e>
+                            <m:r>
+                              <a:rPr lang="ko-KR" altLang="en-US" sz="2000" i="1" smtClean="0">
+                                <a:latin typeface="Cambria Math" panose="02040503050406030204" pitchFamily="18" charset="0"/>
+                              </a:rPr>
+                              <m:t>𝜎</m:t>
+                            </m:r>
+                          </m:e>
+                          <m:sup>
+                            <m:r>
+                              <a:rPr lang="en-US" altLang="ko-KR" sz="2000" b="0" i="1" smtClean="0">
+                                <a:latin typeface="Cambria Math" panose="02040503050406030204" pitchFamily="18" charset="0"/>
+                              </a:rPr>
+                              <m:t>4</m:t>
+                            </m:r>
+                          </m:sup>
+                        </m:sSup>
+                      </m:den>
+                    </m:f>
+                    <m:sSup>
+                      <m:sSupPr>
+                        <m:ctrlPr>
+                          <a:rPr lang="en-US" altLang="ko-KR" sz="2000" i="1" smtClean="0">
+                            <a:latin typeface="Cambria Math" panose="02040503050406030204" pitchFamily="18" charset="0"/>
+                          </a:rPr>
+                        </m:ctrlPr>
+                      </m:sSupPr>
+                      <m:e>
+                        <m:nary>
+                          <m:naryPr>
+                            <m:chr m:val="∑"/>
+                            <m:subHide m:val="on"/>
+                            <m:supHide m:val="on"/>
+                            <m:ctrlPr>
+                              <a:rPr lang="en-US" altLang="ko-KR" sz="2000" i="1" smtClean="0">
+                                <a:latin typeface="Cambria Math" panose="02040503050406030204" pitchFamily="18" charset="0"/>
+                              </a:rPr>
+                            </m:ctrlPr>
+                          </m:naryPr>
+                          <m:sub/>
+                          <m:sup/>
+                          <m:e>
+                            <m:nary>
+                              <m:naryPr>
+                                <m:chr m:val="∑"/>
+                                <m:subHide m:val="on"/>
+                                <m:supHide m:val="on"/>
+                                <m:ctrlPr>
+                                  <a:rPr lang="en-US" altLang="ko-KR" sz="2000" i="1" smtClean="0">
+                                    <a:latin typeface="Cambria Math" panose="02040503050406030204" pitchFamily="18" charset="0"/>
+                                  </a:rPr>
+                                </m:ctrlPr>
+                              </m:naryPr>
+                              <m:sub/>
+                              <m:sup/>
+                              <m:e>
+                                <m:r>
+                                  <a:rPr lang="en-US" altLang="ko-KR" sz="2000" b="0" i="1" smtClean="0">
+                                    <a:latin typeface="Cambria Math" panose="02040503050406030204" pitchFamily="18" charset="0"/>
+                                  </a:rPr>
+                                  <m:t>(</m:t>
+                                </m:r>
+                                <m:sSub>
+                                  <m:sSubPr>
+                                    <m:ctrlPr>
+                                      <a:rPr lang="ko-KR" altLang="en-US" sz="2000" i="1">
+                                        <a:latin typeface="Cambria Math" panose="02040503050406030204" pitchFamily="18" charset="0"/>
+                                      </a:rPr>
+                                    </m:ctrlPr>
+                                  </m:sSubPr>
+                                  <m:e>
+                                    <m:r>
+                                      <a:rPr lang="en-US" altLang="ko-KR" sz="2000" i="1">
+                                        <a:latin typeface="Cambria Math" panose="02040503050406030204" pitchFamily="18" charset="0"/>
+                                      </a:rPr>
+                                      <m:t>𝑥</m:t>
+                                    </m:r>
+                                  </m:e>
+                                  <m:sub>
+                                    <m:r>
+                                      <a:rPr lang="en-US" altLang="ko-KR" sz="2000" i="1">
+                                        <a:latin typeface="Cambria Math" panose="02040503050406030204" pitchFamily="18" charset="0"/>
+                                      </a:rPr>
+                                      <m:t>𝑖</m:t>
+                                    </m:r>
+                                    <m:r>
+                                      <a:rPr lang="en-US" altLang="ko-KR" sz="2000" b="0" i="1" smtClean="0">
+                                        <a:latin typeface="Cambria Math" panose="02040503050406030204" pitchFamily="18" charset="0"/>
+                                      </a:rPr>
+                                      <m:t>𝑗</m:t>
+                                    </m:r>
+                                  </m:sub>
+                                </m:sSub>
+                                <m:r>
+                                  <a:rPr lang="en-US" altLang="ko-KR" sz="2000" b="0" i="1" smtClean="0">
+                                    <a:latin typeface="Cambria Math" panose="02040503050406030204" pitchFamily="18" charset="0"/>
+                                  </a:rPr>
+                                  <m:t>−</m:t>
+                                </m:r>
+                              </m:e>
+                            </m:nary>
+                          </m:e>
+                        </m:nary>
+                        <m:sSub>
+                          <m:sSubPr>
+                            <m:ctrlPr>
+                              <a:rPr lang="en-US" altLang="ko-KR" sz="2000" i="1">
+                                <a:latin typeface="Cambria Math" panose="02040503050406030204" pitchFamily="18" charset="0"/>
+                              </a:rPr>
+                            </m:ctrlPr>
+                          </m:sSubPr>
+                          <m:e>
+                            <m:bar>
+                              <m:barPr>
+                                <m:pos m:val="top"/>
+                                <m:ctrlPr>
+                                  <a:rPr lang="en-US" altLang="ko-KR" sz="2000" i="1">
+                                    <a:latin typeface="Cambria Math" panose="02040503050406030204" pitchFamily="18" charset="0"/>
+                                  </a:rPr>
+                                </m:ctrlPr>
+                              </m:barPr>
+                              <m:e>
+                                <m:r>
+                                  <a:rPr lang="en-US" altLang="ko-KR" sz="2000" i="1">
+                                    <a:latin typeface="Cambria Math" panose="02040503050406030204" pitchFamily="18" charset="0"/>
+                                  </a:rPr>
+                                  <m:t>𝑥</m:t>
+                                </m:r>
+                              </m:e>
+                            </m:bar>
+                          </m:e>
+                          <m:sub>
+                            <m:r>
+                              <a:rPr lang="en-US" altLang="ko-KR" sz="2000" i="1">
+                                <a:latin typeface="Cambria Math" panose="02040503050406030204" pitchFamily="18" charset="0"/>
+                              </a:rPr>
+                              <m:t>𝑗</m:t>
+                            </m:r>
+                          </m:sub>
+                        </m:sSub>
+                        <m:r>
+                          <a:rPr lang="en-US" altLang="ko-KR" sz="2000" b="0" i="1" smtClean="0">
+                            <a:latin typeface="Cambria Math" panose="02040503050406030204" pitchFamily="18" charset="0"/>
+                          </a:rPr>
+                          <m:t>)</m:t>
+                        </m:r>
+                      </m:e>
+                      <m:sup>
+                        <m:r>
+                          <a:rPr lang="en-US" altLang="ko-KR" sz="2000" i="1">
+                            <a:latin typeface="Cambria Math" panose="02040503050406030204" pitchFamily="18" charset="0"/>
+                          </a:rPr>
+                          <m:t>2</m:t>
+                        </m:r>
+                      </m:sup>
+                    </m:sSup>
+                  </m:oMath>
+                </a14:m>
+                <a:r>
+                  <a:rPr lang="en-US" altLang="ko-KR" sz="2000" dirty="0"/>
+                  <a:t>= 0</a:t>
+                </a:r>
+                <a:br>
+                  <a:rPr lang="en-US" altLang="ko-KR" sz="2000" dirty="0"/>
+                </a:br>
+                <a:r>
+                  <a:rPr lang="ko-KR" altLang="en-US" sz="2000" dirty="0"/>
+                  <a:t>따</a:t>
+                </a:r>
+                <a14:m>
+                  <m:oMath xmlns:m="http://schemas.openxmlformats.org/officeDocument/2006/math">
+                    <m:r>
+                      <a:rPr lang="ko-KR" altLang="en-US" sz="2000" b="0" i="1" dirty="0" smtClean="0">
+                        <a:latin typeface="Cambria Math" panose="02040503050406030204" pitchFamily="18" charset="0"/>
+                      </a:rPr>
+                      <m:t>라</m:t>
+                    </m:r>
+                    <m:r>
+                      <a:rPr lang="ko-KR" altLang="en-US" sz="2000" i="1" dirty="0">
+                        <a:latin typeface="Cambria Math" panose="02040503050406030204" pitchFamily="18" charset="0"/>
+                      </a:rPr>
+                      <m:t>서</m:t>
+                    </m:r>
+                    <m:r>
+                      <a:rPr lang="ko-KR" altLang="en-US" sz="2000" i="1" dirty="0">
+                        <a:latin typeface="Cambria Math" panose="02040503050406030204" pitchFamily="18" charset="0"/>
+                      </a:rPr>
+                      <m:t> </m:t>
+                    </m:r>
+                    <m:r>
+                      <a:rPr lang="en-US" altLang="ko-KR" sz="2000" b="0" i="0" smtClean="0">
+                        <a:latin typeface="Cambria Math" panose="02040503050406030204" pitchFamily="18" charset="0"/>
+                      </a:rPr>
+                      <m:t>−</m:t>
+                    </m:r>
+                    <m:f>
+                      <m:fPr>
+                        <m:ctrlPr>
+                          <a:rPr lang="en-US" altLang="ko-KR" sz="2000" b="0" i="1" smtClean="0">
+                            <a:latin typeface="Cambria Math" panose="02040503050406030204" pitchFamily="18" charset="0"/>
+                          </a:rPr>
+                        </m:ctrlPr>
+                      </m:fPr>
+                      <m:num>
+                        <m:r>
+                          <a:rPr lang="en-US" altLang="ko-KR" sz="2000" b="0" i="1" smtClean="0">
+                            <a:latin typeface="Cambria Math" panose="02040503050406030204" pitchFamily="18" charset="0"/>
+                          </a:rPr>
+                          <m:t>𝑎𝑏</m:t>
+                        </m:r>
+                      </m:num>
+                      <m:den>
+                        <m:sSup>
+                          <m:sSupPr>
+                            <m:ctrlPr>
+                              <a:rPr lang="en-US" altLang="ko-KR" sz="2000" i="1" smtClean="0">
+                                <a:latin typeface="Cambria Math" panose="02040503050406030204" pitchFamily="18" charset="0"/>
+                              </a:rPr>
+                            </m:ctrlPr>
+                          </m:sSupPr>
+                          <m:e>
+                            <m:r>
+                              <a:rPr lang="en-US" altLang="ko-KR" sz="2000" b="0" i="1" smtClean="0">
+                                <a:latin typeface="Cambria Math" panose="02040503050406030204" pitchFamily="18" charset="0"/>
+                              </a:rPr>
+                              <m:t>2</m:t>
+                            </m:r>
+                            <m:r>
+                              <a:rPr lang="ko-KR" altLang="en-US" sz="2000" i="1" smtClean="0">
+                                <a:latin typeface="Cambria Math" panose="02040503050406030204" pitchFamily="18" charset="0"/>
+                              </a:rPr>
+                              <m:t>𝜎</m:t>
+                            </m:r>
+                          </m:e>
+                          <m:sup>
+                            <m:r>
+                              <a:rPr lang="en-US" altLang="ko-KR" sz="2000" i="1">
+                                <a:latin typeface="Cambria Math" panose="02040503050406030204" pitchFamily="18" charset="0"/>
+                              </a:rPr>
+                              <m:t>2</m:t>
+                            </m:r>
+                          </m:sup>
+                        </m:sSup>
+                      </m:den>
+                    </m:f>
+                    <m:r>
+                      <a:rPr lang="en-US" altLang="ko-KR" sz="2000" b="0" i="1" smtClean="0">
+                        <a:latin typeface="Cambria Math" panose="02040503050406030204" pitchFamily="18" charset="0"/>
+                      </a:rPr>
+                      <m:t>+</m:t>
+                    </m:r>
+                    <m:f>
+                      <m:fPr>
+                        <m:ctrlPr>
+                          <a:rPr lang="en-US" altLang="ko-KR" sz="2000" b="0" i="1" smtClean="0">
+                            <a:latin typeface="Cambria Math" panose="02040503050406030204" pitchFamily="18" charset="0"/>
+                          </a:rPr>
+                        </m:ctrlPr>
+                      </m:fPr>
+                      <m:num>
+                        <m:r>
+                          <a:rPr lang="en-US" altLang="ko-KR" sz="2000" b="0" i="1" smtClean="0">
+                            <a:latin typeface="Cambria Math" panose="02040503050406030204" pitchFamily="18" charset="0"/>
+                          </a:rPr>
+                          <m:t>1</m:t>
+                        </m:r>
+                      </m:num>
+                      <m:den>
+                        <m:r>
+                          <a:rPr lang="en-US" altLang="ko-KR" sz="2000" b="0" i="1" smtClean="0">
+                            <a:latin typeface="Cambria Math" panose="02040503050406030204" pitchFamily="18" charset="0"/>
+                          </a:rPr>
+                          <m:t>2</m:t>
+                        </m:r>
+                        <m:sSup>
+                          <m:sSupPr>
+                            <m:ctrlPr>
+                              <a:rPr lang="en-US" altLang="ko-KR" sz="2000" i="1" smtClean="0">
+                                <a:latin typeface="Cambria Math" panose="02040503050406030204" pitchFamily="18" charset="0"/>
+                              </a:rPr>
+                            </m:ctrlPr>
+                          </m:sSupPr>
+                          <m:e>
+                            <m:r>
+                              <a:rPr lang="ko-KR" altLang="en-US" sz="2000" i="1" smtClean="0">
+                                <a:latin typeface="Cambria Math" panose="02040503050406030204" pitchFamily="18" charset="0"/>
+                              </a:rPr>
+                              <m:t>𝜎</m:t>
+                            </m:r>
+                          </m:e>
+                          <m:sup>
+                            <m:r>
+                              <a:rPr lang="en-US" altLang="ko-KR" sz="2000" b="0" i="1" smtClean="0">
+                                <a:latin typeface="Cambria Math" panose="02040503050406030204" pitchFamily="18" charset="0"/>
+                              </a:rPr>
+                              <m:t>4</m:t>
+                            </m:r>
+                          </m:sup>
+                        </m:sSup>
+                      </m:den>
+                    </m:f>
+                    <m:sSup>
+                      <m:sSupPr>
+                        <m:ctrlPr>
+                          <a:rPr lang="en-US" altLang="ko-KR" sz="2000" i="1" smtClean="0">
+                            <a:latin typeface="Cambria Math" panose="02040503050406030204" pitchFamily="18" charset="0"/>
+                          </a:rPr>
+                        </m:ctrlPr>
+                      </m:sSupPr>
+                      <m:e>
+                        <m:nary>
+                          <m:naryPr>
+                            <m:chr m:val="∑"/>
+                            <m:subHide m:val="on"/>
+                            <m:supHide m:val="on"/>
+                            <m:ctrlPr>
+                              <a:rPr lang="en-US" altLang="ko-KR" sz="2000" i="1" smtClean="0">
+                                <a:latin typeface="Cambria Math" panose="02040503050406030204" pitchFamily="18" charset="0"/>
+                              </a:rPr>
+                            </m:ctrlPr>
+                          </m:naryPr>
+                          <m:sub/>
+                          <m:sup/>
+                          <m:e>
+                            <m:nary>
+                              <m:naryPr>
+                                <m:chr m:val="∑"/>
+                                <m:subHide m:val="on"/>
+                                <m:supHide m:val="on"/>
+                                <m:ctrlPr>
+                                  <a:rPr lang="en-US" altLang="ko-KR" sz="2000" i="1" smtClean="0">
+                                    <a:latin typeface="Cambria Math" panose="02040503050406030204" pitchFamily="18" charset="0"/>
+                                  </a:rPr>
+                                </m:ctrlPr>
+                              </m:naryPr>
+                              <m:sub/>
+                              <m:sup/>
+                              <m:e>
+                                <m:r>
+                                  <a:rPr lang="en-US" altLang="ko-KR" sz="2000" b="0" i="1" smtClean="0">
+                                    <a:latin typeface="Cambria Math" panose="02040503050406030204" pitchFamily="18" charset="0"/>
+                                  </a:rPr>
+                                  <m:t>(</m:t>
+                                </m:r>
+                                <m:sSub>
+                                  <m:sSubPr>
+                                    <m:ctrlPr>
+                                      <a:rPr lang="ko-KR" altLang="en-US" sz="2000" i="1">
+                                        <a:latin typeface="Cambria Math" panose="02040503050406030204" pitchFamily="18" charset="0"/>
+                                      </a:rPr>
+                                    </m:ctrlPr>
+                                  </m:sSubPr>
+                                  <m:e>
+                                    <m:r>
+                                      <a:rPr lang="en-US" altLang="ko-KR" sz="2000" i="1">
+                                        <a:latin typeface="Cambria Math" panose="02040503050406030204" pitchFamily="18" charset="0"/>
+                                      </a:rPr>
+                                      <m:t>𝑥</m:t>
+                                    </m:r>
+                                  </m:e>
+                                  <m:sub>
+                                    <m:r>
+                                      <a:rPr lang="en-US" altLang="ko-KR" sz="2000" i="1">
+                                        <a:latin typeface="Cambria Math" panose="02040503050406030204" pitchFamily="18" charset="0"/>
+                                      </a:rPr>
+                                      <m:t>𝑖</m:t>
+                                    </m:r>
+                                    <m:r>
+                                      <a:rPr lang="en-US" altLang="ko-KR" sz="2000" b="0" i="1" smtClean="0">
+                                        <a:latin typeface="Cambria Math" panose="02040503050406030204" pitchFamily="18" charset="0"/>
+                                      </a:rPr>
+                                      <m:t>𝑗</m:t>
+                                    </m:r>
+                                  </m:sub>
+                                </m:sSub>
+                                <m:r>
+                                  <a:rPr lang="en-US" altLang="ko-KR" sz="2000" b="0" i="1" smtClean="0">
+                                    <a:latin typeface="Cambria Math" panose="02040503050406030204" pitchFamily="18" charset="0"/>
+                                  </a:rPr>
+                                  <m:t>−</m:t>
+                                </m:r>
+                              </m:e>
+                            </m:nary>
+                          </m:e>
+                        </m:nary>
+                        <m:sSub>
+                          <m:sSubPr>
+                            <m:ctrlPr>
+                              <a:rPr lang="en-US" altLang="ko-KR" sz="2000" i="1">
+                                <a:latin typeface="Cambria Math" panose="02040503050406030204" pitchFamily="18" charset="0"/>
+                              </a:rPr>
+                            </m:ctrlPr>
+                          </m:sSubPr>
+                          <m:e>
+                            <m:bar>
+                              <m:barPr>
+                                <m:pos m:val="top"/>
+                                <m:ctrlPr>
+                                  <a:rPr lang="en-US" altLang="ko-KR" sz="2000" i="1">
+                                    <a:latin typeface="Cambria Math" panose="02040503050406030204" pitchFamily="18" charset="0"/>
+                                  </a:rPr>
+                                </m:ctrlPr>
+                              </m:barPr>
+                              <m:e>
+                                <m:r>
+                                  <a:rPr lang="en-US" altLang="ko-KR" sz="2000" i="1">
+                                    <a:latin typeface="Cambria Math" panose="02040503050406030204" pitchFamily="18" charset="0"/>
+                                  </a:rPr>
+                                  <m:t>𝑥</m:t>
+                                </m:r>
+                              </m:e>
+                            </m:bar>
+                          </m:e>
+                          <m:sub>
+                            <m:r>
+                              <a:rPr lang="en-US" altLang="ko-KR" sz="2000" i="1">
+                                <a:latin typeface="Cambria Math" panose="02040503050406030204" pitchFamily="18" charset="0"/>
+                              </a:rPr>
+                              <m:t>𝑗</m:t>
+                            </m:r>
+                          </m:sub>
+                        </m:sSub>
+                        <m:r>
+                          <a:rPr lang="en-US" altLang="ko-KR" sz="2000" b="0" i="1" smtClean="0">
+                            <a:latin typeface="Cambria Math" panose="02040503050406030204" pitchFamily="18" charset="0"/>
+                          </a:rPr>
+                          <m:t>)</m:t>
+                        </m:r>
+                      </m:e>
+                      <m:sup>
+                        <m:r>
+                          <a:rPr lang="en-US" altLang="ko-KR" sz="2000" i="1">
+                            <a:latin typeface="Cambria Math" panose="02040503050406030204" pitchFamily="18" charset="0"/>
+                          </a:rPr>
+                          <m:t>2</m:t>
+                        </m:r>
+                      </m:sup>
+                    </m:sSup>
+                  </m:oMath>
+                </a14:m>
+                <a:r>
+                  <a:rPr lang="en-US" altLang="ko-KR" sz="2000" dirty="0"/>
+                  <a:t>= 0 </a:t>
+                </a:r>
+                <a:r>
+                  <a:rPr lang="ko-KR" altLang="en-US" sz="2000" dirty="0"/>
+                  <a:t>에서 </a:t>
+                </a:r>
+                <a14:m>
+                  <m:oMath xmlns:m="http://schemas.openxmlformats.org/officeDocument/2006/math">
+                    <m:acc>
+                      <m:accPr>
+                        <m:chr m:val="̂"/>
+                        <m:ctrlPr>
+                          <a:rPr lang="ko-KR" altLang="en-US" sz="2000" i="1" smtClean="0">
+                            <a:latin typeface="Cambria Math" panose="02040503050406030204" pitchFamily="18" charset="0"/>
+                          </a:rPr>
+                        </m:ctrlPr>
+                      </m:accPr>
+                      <m:e>
+                        <m:sSup>
+                          <m:sSupPr>
+                            <m:ctrlPr>
+                              <a:rPr lang="en-US" altLang="ko-KR" sz="2000" i="1" smtClean="0">
+                                <a:latin typeface="Cambria Math" panose="02040503050406030204" pitchFamily="18" charset="0"/>
+                              </a:rPr>
+                            </m:ctrlPr>
+                          </m:sSupPr>
+                          <m:e>
+                            <m:r>
+                              <a:rPr lang="ko-KR" altLang="en-US" sz="2000" i="1" smtClean="0">
+                                <a:latin typeface="Cambria Math" panose="02040503050406030204" pitchFamily="18" charset="0"/>
+                              </a:rPr>
+                              <m:t>𝜎</m:t>
+                            </m:r>
+                          </m:e>
+                          <m:sup>
+                            <m:r>
+                              <a:rPr lang="en-US" altLang="ko-KR" sz="2000" i="1">
+                                <a:latin typeface="Cambria Math" panose="02040503050406030204" pitchFamily="18" charset="0"/>
+                              </a:rPr>
+                              <m:t>2</m:t>
+                            </m:r>
+                          </m:sup>
+                        </m:sSup>
+                      </m:e>
+                    </m:acc>
+                  </m:oMath>
+                </a14:m>
+                <a:r>
+                  <a:rPr lang="en-US" altLang="ko-KR" sz="2000" dirty="0"/>
+                  <a:t> = </a:t>
+                </a:r>
+                <a14:m>
+                  <m:oMath xmlns:m="http://schemas.openxmlformats.org/officeDocument/2006/math">
+                    <m:f>
+                      <m:fPr>
+                        <m:ctrlPr>
+                          <a:rPr lang="en-US" altLang="ko-KR" sz="2000" b="0" i="1" smtClean="0">
+                            <a:latin typeface="Cambria Math" panose="02040503050406030204" pitchFamily="18" charset="0"/>
+                          </a:rPr>
+                        </m:ctrlPr>
+                      </m:fPr>
+                      <m:num>
+                        <m:sSup>
+                          <m:sSupPr>
+                            <m:ctrlPr>
+                              <a:rPr lang="en-US" altLang="ko-KR" sz="2000" i="1" smtClean="0">
+                                <a:latin typeface="Cambria Math" panose="02040503050406030204" pitchFamily="18" charset="0"/>
+                              </a:rPr>
+                            </m:ctrlPr>
+                          </m:sSupPr>
+                          <m:e>
+                            <m:nary>
+                              <m:naryPr>
+                                <m:chr m:val="∑"/>
+                                <m:subHide m:val="on"/>
+                                <m:supHide m:val="on"/>
+                                <m:ctrlPr>
+                                  <a:rPr lang="en-US" altLang="ko-KR" sz="2000" i="1" smtClean="0">
+                                    <a:latin typeface="Cambria Math" panose="02040503050406030204" pitchFamily="18" charset="0"/>
+                                  </a:rPr>
+                                </m:ctrlPr>
+                              </m:naryPr>
+                              <m:sub/>
+                              <m:sup/>
+                              <m:e>
+                                <m:nary>
+                                  <m:naryPr>
+                                    <m:chr m:val="∑"/>
+                                    <m:subHide m:val="on"/>
+                                    <m:supHide m:val="on"/>
+                                    <m:ctrlPr>
+                                      <a:rPr lang="en-US" altLang="ko-KR" sz="2000" i="1" smtClean="0">
+                                        <a:latin typeface="Cambria Math" panose="02040503050406030204" pitchFamily="18" charset="0"/>
+                                      </a:rPr>
+                                    </m:ctrlPr>
+                                  </m:naryPr>
+                                  <m:sub/>
+                                  <m:sup/>
+                                  <m:e>
+                                    <m:r>
+                                      <a:rPr lang="en-US" altLang="ko-KR" sz="2000" b="0" i="1" smtClean="0">
+                                        <a:latin typeface="Cambria Math" panose="02040503050406030204" pitchFamily="18" charset="0"/>
+                                      </a:rPr>
+                                      <m:t>(</m:t>
+                                    </m:r>
+                                    <m:sSub>
+                                      <m:sSubPr>
+                                        <m:ctrlPr>
+                                          <a:rPr lang="ko-KR" altLang="en-US" sz="2000" i="1">
+                                            <a:latin typeface="Cambria Math" panose="02040503050406030204" pitchFamily="18" charset="0"/>
+                                          </a:rPr>
+                                        </m:ctrlPr>
+                                      </m:sSubPr>
+                                      <m:e>
+                                        <m:r>
+                                          <a:rPr lang="en-US" altLang="ko-KR" sz="2000" i="1">
+                                            <a:latin typeface="Cambria Math" panose="02040503050406030204" pitchFamily="18" charset="0"/>
+                                          </a:rPr>
+                                          <m:t>𝑥</m:t>
+                                        </m:r>
+                                      </m:e>
+                                      <m:sub>
+                                        <m:r>
+                                          <a:rPr lang="en-US" altLang="ko-KR" sz="2000" i="1">
+                                            <a:latin typeface="Cambria Math" panose="02040503050406030204" pitchFamily="18" charset="0"/>
+                                          </a:rPr>
+                                          <m:t>𝑖</m:t>
+                                        </m:r>
+                                        <m:r>
+                                          <a:rPr lang="en-US" altLang="ko-KR" sz="2000" b="0" i="1" smtClean="0">
+                                            <a:latin typeface="Cambria Math" panose="02040503050406030204" pitchFamily="18" charset="0"/>
+                                          </a:rPr>
+                                          <m:t>𝑗</m:t>
+                                        </m:r>
+                                      </m:sub>
+                                    </m:sSub>
+                                    <m:r>
+                                      <a:rPr lang="en-US" altLang="ko-KR" sz="2000" b="0" i="1" smtClean="0">
+                                        <a:latin typeface="Cambria Math" panose="02040503050406030204" pitchFamily="18" charset="0"/>
+                                      </a:rPr>
+                                      <m:t>−</m:t>
+                                    </m:r>
+                                  </m:e>
+                                </m:nary>
+                              </m:e>
+                            </m:nary>
+                            <m:sSub>
+                              <m:sSubPr>
+                                <m:ctrlPr>
+                                  <a:rPr lang="en-US" altLang="ko-KR" sz="2000" i="1">
+                                    <a:latin typeface="Cambria Math" panose="02040503050406030204" pitchFamily="18" charset="0"/>
+                                  </a:rPr>
+                                </m:ctrlPr>
+                              </m:sSubPr>
+                              <m:e>
+                                <m:bar>
+                                  <m:barPr>
+                                    <m:pos m:val="top"/>
+                                    <m:ctrlPr>
+                                      <a:rPr lang="en-US" altLang="ko-KR" sz="2000" i="1">
+                                        <a:latin typeface="Cambria Math" panose="02040503050406030204" pitchFamily="18" charset="0"/>
+                                      </a:rPr>
+                                    </m:ctrlPr>
+                                  </m:barPr>
+                                  <m:e>
+                                    <m:r>
+                                      <a:rPr lang="en-US" altLang="ko-KR" sz="2000" i="1">
+                                        <a:latin typeface="Cambria Math" panose="02040503050406030204" pitchFamily="18" charset="0"/>
+                                      </a:rPr>
+                                      <m:t>𝑥</m:t>
+                                    </m:r>
+                                  </m:e>
+                                </m:bar>
+                              </m:e>
+                              <m:sub>
+                                <m:r>
+                                  <a:rPr lang="en-US" altLang="ko-KR" sz="2000" i="1">
+                                    <a:latin typeface="Cambria Math" panose="02040503050406030204" pitchFamily="18" charset="0"/>
+                                  </a:rPr>
+                                  <m:t>𝑗</m:t>
+                                </m:r>
+                              </m:sub>
+                            </m:sSub>
+                            <m:r>
+                              <a:rPr lang="en-US" altLang="ko-KR" sz="2000" b="0" i="1" smtClean="0">
+                                <a:latin typeface="Cambria Math" panose="02040503050406030204" pitchFamily="18" charset="0"/>
+                              </a:rPr>
+                              <m:t>)</m:t>
+                            </m:r>
+                          </m:e>
+                          <m:sup>
+                            <m:r>
+                              <a:rPr lang="en-US" altLang="ko-KR" sz="2000" i="1">
+                                <a:latin typeface="Cambria Math" panose="02040503050406030204" pitchFamily="18" charset="0"/>
+                              </a:rPr>
+                              <m:t>2</m:t>
+                            </m:r>
+                          </m:sup>
+                        </m:sSup>
+                      </m:num>
+                      <m:den>
+                        <m:r>
+                          <a:rPr lang="en-US" altLang="ko-KR" sz="2000" b="0" i="1" smtClean="0">
+                            <a:latin typeface="Cambria Math" panose="02040503050406030204" pitchFamily="18" charset="0"/>
+                          </a:rPr>
+                          <m:t>𝑎𝑏</m:t>
+                        </m:r>
+                      </m:den>
+                    </m:f>
+                  </m:oMath>
+                </a14:m>
+                <a:endParaRPr lang="en-US" altLang="ko-KR" sz="2000" dirty="0"/>
+              </a:p>
+              <a:p>
+                <a:pPr marL="0" indent="0">
+                  <a:buNone/>
+                </a:pPr>
+                <a:r>
+                  <a:rPr lang="en-US" altLang="ko-KR" sz="2000" dirty="0"/>
+                  <a:t>(4) </a:t>
+                </a:r>
+                <a14:m>
+                  <m:oMath xmlns:m="http://schemas.openxmlformats.org/officeDocument/2006/math">
+                    <m:r>
+                      <m:rPr>
+                        <m:sty m:val="p"/>
+                      </m:rPr>
+                      <a:rPr lang="en-US" altLang="ko-KR" sz="2000" b="0" i="0" smtClean="0">
+                        <a:latin typeface="Cambria Math" panose="02040503050406030204" pitchFamily="18" charset="0"/>
+                      </a:rPr>
+                      <m:t>L</m:t>
+                    </m:r>
+                    <m:d>
+                      <m:dPr>
+                        <m:ctrlPr>
+                          <a:rPr lang="en-US" altLang="ko-KR" sz="2000" b="0" i="1" smtClean="0">
+                            <a:latin typeface="Cambria Math" panose="02040503050406030204" pitchFamily="18" charset="0"/>
+                          </a:rPr>
+                        </m:ctrlPr>
+                      </m:dPr>
+                      <m:e>
+                        <m:acc>
+                          <m:accPr>
+                            <m:chr m:val="̂"/>
+                            <m:ctrlPr>
+                              <a:rPr lang="en-US" altLang="ko-KR" sz="2000" b="0" i="1" smtClean="0">
+                                <a:latin typeface="Cambria Math" panose="02040503050406030204" pitchFamily="18" charset="0"/>
+                              </a:rPr>
+                            </m:ctrlPr>
+                          </m:accPr>
+                          <m:e>
+                            <m:r>
+                              <a:rPr lang="ko-KR" altLang="en-US" sz="2000" i="1" smtClean="0">
+                                <a:latin typeface="Cambria Math" panose="02040503050406030204" pitchFamily="18" charset="0"/>
+                              </a:rPr>
+                              <m:t>𝛺</m:t>
+                            </m:r>
+                          </m:e>
+                        </m:acc>
+                      </m:e>
+                    </m:d>
+                  </m:oMath>
+                </a14:m>
+                <a:r>
+                  <a:rPr lang="en-US" altLang="ko-KR" sz="2000" dirty="0"/>
+                  <a:t> = </a:t>
+                </a:r>
+                <a14:m>
+                  <m:oMath xmlns:m="http://schemas.openxmlformats.org/officeDocument/2006/math">
+                    <m:sSup>
+                      <m:sSupPr>
+                        <m:ctrlPr>
+                          <a:rPr lang="en-US" altLang="ko-KR" sz="2000" i="1" smtClean="0">
+                            <a:latin typeface="Cambria Math" panose="02040503050406030204" pitchFamily="18" charset="0"/>
+                          </a:rPr>
+                        </m:ctrlPr>
+                      </m:sSupPr>
+                      <m:e>
+                        <m:d>
+                          <m:dPr>
+                            <m:begChr m:val="["/>
+                            <m:endChr m:val="]"/>
+                            <m:ctrlPr>
+                              <a:rPr lang="en-US" altLang="ko-KR" sz="2000" i="1">
+                                <a:latin typeface="Cambria Math" panose="02040503050406030204" pitchFamily="18" charset="0"/>
+                              </a:rPr>
+                            </m:ctrlPr>
+                          </m:dPr>
+                          <m:e>
+                            <m:f>
+                              <m:fPr>
+                                <m:ctrlPr>
+                                  <a:rPr lang="en-US" altLang="ko-KR" sz="2000" i="1">
+                                    <a:latin typeface="Cambria Math" panose="02040503050406030204" pitchFamily="18" charset="0"/>
+                                  </a:rPr>
+                                </m:ctrlPr>
+                              </m:fPr>
+                              <m:num>
+                                <m:r>
+                                  <a:rPr lang="en-US" altLang="ko-KR" sz="2000" b="0" i="1" smtClean="0">
+                                    <a:latin typeface="Cambria Math" panose="02040503050406030204" pitchFamily="18" charset="0"/>
+                                  </a:rPr>
+                                  <m:t>𝑎𝑏</m:t>
+                                </m:r>
+                              </m:num>
+                              <m:den>
+                                <m:r>
+                                  <a:rPr lang="en-US" altLang="ko-KR" sz="2000" i="1" smtClean="0">
+                                    <a:latin typeface="Cambria Math" panose="02040503050406030204" pitchFamily="18" charset="0"/>
+                                  </a:rPr>
+                                  <m:t>2</m:t>
+                                </m:r>
+                                <m:r>
+                                  <a:rPr lang="ko-KR" altLang="en-US" sz="2000" i="1">
+                                    <a:latin typeface="Cambria Math" panose="02040503050406030204" pitchFamily="18" charset="0"/>
+                                  </a:rPr>
+                                  <m:t>𝜋</m:t>
+                                </m:r>
                                 <m:sSup>
                                   <m:sSupPr>
                                     <m:ctrlPr>
@@ -10037,7 +11177,7 @@
                                       <a:rPr lang="en-US" altLang="ko-KR" sz="2000" b="0" i="1" smtClean="0">
                                         <a:latin typeface="Cambria Math" panose="02040503050406030204" pitchFamily="18" charset="0"/>
                                       </a:rPr>
-                                      <m:t>))</m:t>
+                                      <m:t>)</m:t>
                                     </m:r>
                                   </m:e>
                                   <m:sup>
@@ -10049,835 +11189,61 @@
                                     </m:r>
                                   </m:sup>
                                 </m:sSup>
-                              </m:e>
-                            </m:d>
+                              </m:den>
+                            </m:f>
                           </m:e>
                         </m:d>
-                      </m:num>
-                      <m:den>
-                        <m:r>
-                          <a:rPr lang="en-US" altLang="ko-KR" sz="2000" b="0" i="1" smtClean="0">
-                            <a:latin typeface="Cambria Math" panose="02040503050406030204" pitchFamily="18" charset="0"/>
-                            <a:ea typeface="Cambria Math" panose="02040503050406030204" pitchFamily="18" charset="0"/>
-                          </a:rPr>
-                          <m:t>𝜕</m:t>
-                        </m:r>
-                        <m:sSup>
-                          <m:sSupPr>
+                      </m:e>
+                      <m:sup>
+                        <m:f>
+                          <m:fPr>
                             <m:ctrlPr>
-                              <a:rPr lang="en-US" altLang="ko-KR" sz="2000" i="1" smtClean="0">
+                              <a:rPr lang="en-US" altLang="ko-KR" sz="2000" i="1">
                                 <a:latin typeface="Cambria Math" panose="02040503050406030204" pitchFamily="18" charset="0"/>
                               </a:rPr>
                             </m:ctrlPr>
-                          </m:sSupPr>
-                          <m:e>
+                          </m:fPr>
+                          <m:num>
                             <m:r>
-                              <a:rPr lang="ko-KR" altLang="en-US" sz="2000" i="1" smtClean="0">
-                                <a:latin typeface="Cambria Math" panose="02040503050406030204" pitchFamily="18" charset="0"/>
-                              </a:rPr>
-                              <m:t>𝜎</m:t>
+                              <a:rPr lang="en-US" altLang="ko-KR" sz="2000" b="0" i="1" smtClean="0">
+                                <a:latin typeface="Cambria Math" panose="02040503050406030204" pitchFamily="18" charset="0"/>
+                              </a:rPr>
+                              <m:t>𝑎𝑏</m:t>
                             </m:r>
-                          </m:e>
-                          <m:sup>
+                          </m:num>
+                          <m:den>
                             <m:r>
                               <a:rPr lang="en-US" altLang="ko-KR" sz="2000" i="1">
                                 <a:latin typeface="Cambria Math" panose="02040503050406030204" pitchFamily="18" charset="0"/>
                               </a:rPr>
                               <m:t>2</m:t>
                             </m:r>
-                          </m:sup>
-                        </m:sSup>
-                      </m:den>
-                    </m:f>
-                  </m:oMath>
-                </a14:m>
-                <a:r>
-                  <a:rPr lang="en-US" altLang="ko-KR" sz="2000" dirty="0"/>
-                  <a:t> = </a:t>
-                </a:r>
-                <a14:m>
-                  <m:oMath xmlns:m="http://schemas.openxmlformats.org/officeDocument/2006/math">
-                    <m:r>
-                      <a:rPr lang="en-US" altLang="ko-KR" sz="2000" b="0" i="0" smtClean="0">
-                        <a:latin typeface="Cambria Math" panose="02040503050406030204" pitchFamily="18" charset="0"/>
-                      </a:rPr>
-                      <m:t>−</m:t>
-                    </m:r>
-                    <m:f>
-                      <m:fPr>
-                        <m:ctrlPr>
-                          <a:rPr lang="en-US" altLang="ko-KR" sz="2000" b="0" i="1" smtClean="0">
-                            <a:latin typeface="Cambria Math" panose="02040503050406030204" pitchFamily="18" charset="0"/>
-                          </a:rPr>
-                        </m:ctrlPr>
-                      </m:fPr>
-                      <m:num>
-                        <m:r>
-                          <a:rPr lang="en-US" altLang="ko-KR" sz="2000" b="0" i="1" smtClean="0">
-                            <a:latin typeface="Cambria Math" panose="02040503050406030204" pitchFamily="18" charset="0"/>
-                          </a:rPr>
-                          <m:t>𝑎𝑏</m:t>
-                        </m:r>
-                      </m:num>
-                      <m:den>
-                        <m:sSup>
-                          <m:sSupPr>
-                            <m:ctrlPr>
-                              <a:rPr lang="en-US" altLang="ko-KR" sz="2000" i="1" smtClean="0">
-                                <a:latin typeface="Cambria Math" panose="02040503050406030204" pitchFamily="18" charset="0"/>
-                              </a:rPr>
-                            </m:ctrlPr>
-                          </m:sSupPr>
-                          <m:e>
-                            <m:r>
-                              <a:rPr lang="en-US" altLang="ko-KR" sz="2000" b="0" i="1" smtClean="0">
-                                <a:latin typeface="Cambria Math" panose="02040503050406030204" pitchFamily="18" charset="0"/>
-                              </a:rPr>
-                              <m:t>2</m:t>
-                            </m:r>
-                            <m:r>
-                              <a:rPr lang="ko-KR" altLang="en-US" sz="2000" i="1" smtClean="0">
-                                <a:latin typeface="Cambria Math" panose="02040503050406030204" pitchFamily="18" charset="0"/>
-                              </a:rPr>
-                              <m:t>𝜎</m:t>
-                            </m:r>
-                          </m:e>
-                          <m:sup>
-                            <m:r>
-                              <a:rPr lang="en-US" altLang="ko-KR" sz="2000" i="1">
-                                <a:latin typeface="Cambria Math" panose="02040503050406030204" pitchFamily="18" charset="0"/>
-                              </a:rPr>
-                              <m:t>2</m:t>
-                            </m:r>
-                          </m:sup>
-                        </m:sSup>
-                      </m:den>
-                    </m:f>
-                    <m:r>
-                      <a:rPr lang="en-US" altLang="ko-KR" sz="2000" b="0" i="1" smtClean="0">
-                        <a:latin typeface="Cambria Math" panose="02040503050406030204" pitchFamily="18" charset="0"/>
-                      </a:rPr>
-                      <m:t>+</m:t>
-                    </m:r>
-                    <m:f>
-                      <m:fPr>
-                        <m:ctrlPr>
-                          <a:rPr lang="en-US" altLang="ko-KR" sz="2000" b="0" i="1" smtClean="0">
-                            <a:latin typeface="Cambria Math" panose="02040503050406030204" pitchFamily="18" charset="0"/>
-                          </a:rPr>
-                        </m:ctrlPr>
-                      </m:fPr>
-                      <m:num>
-                        <m:r>
-                          <a:rPr lang="en-US" altLang="ko-KR" sz="2000" b="0" i="1" smtClean="0">
-                            <a:latin typeface="Cambria Math" panose="02040503050406030204" pitchFamily="18" charset="0"/>
-                          </a:rPr>
-                          <m:t>1</m:t>
-                        </m:r>
-                      </m:num>
-                      <m:den>
-                        <m:r>
-                          <a:rPr lang="en-US" altLang="ko-KR" sz="2000" b="0" i="1" smtClean="0">
-                            <a:latin typeface="Cambria Math" panose="02040503050406030204" pitchFamily="18" charset="0"/>
-                          </a:rPr>
-                          <m:t>2</m:t>
-                        </m:r>
-                        <m:sSup>
-                          <m:sSupPr>
-                            <m:ctrlPr>
-                              <a:rPr lang="en-US" altLang="ko-KR" sz="2000" i="1" smtClean="0">
-                                <a:latin typeface="Cambria Math" panose="02040503050406030204" pitchFamily="18" charset="0"/>
-                              </a:rPr>
-                            </m:ctrlPr>
-                          </m:sSupPr>
-                          <m:e>
-                            <m:r>
-                              <a:rPr lang="ko-KR" altLang="en-US" sz="2000" i="1" smtClean="0">
-                                <a:latin typeface="Cambria Math" panose="02040503050406030204" pitchFamily="18" charset="0"/>
-                              </a:rPr>
-                              <m:t>𝜎</m:t>
-                            </m:r>
-                          </m:e>
-                          <m:sup>
-                            <m:r>
-                              <a:rPr lang="en-US" altLang="ko-KR" sz="2000" b="0" i="1" smtClean="0">
-                                <a:latin typeface="Cambria Math" panose="02040503050406030204" pitchFamily="18" charset="0"/>
-                              </a:rPr>
-                              <m:t>4</m:t>
-                            </m:r>
-                          </m:sup>
-                        </m:sSup>
-                      </m:den>
-                    </m:f>
-                    <m:sSup>
-                      <m:sSupPr>
-                        <m:ctrlPr>
-                          <a:rPr lang="en-US" altLang="ko-KR" sz="2000" i="1" smtClean="0">
-                            <a:latin typeface="Cambria Math" panose="02040503050406030204" pitchFamily="18" charset="0"/>
-                          </a:rPr>
-                        </m:ctrlPr>
-                      </m:sSupPr>
-                      <m:e>
-                        <m:nary>
-                          <m:naryPr>
-                            <m:chr m:val="∑"/>
-                            <m:subHide m:val="on"/>
-                            <m:supHide m:val="on"/>
-                            <m:ctrlPr>
-                              <a:rPr lang="en-US" altLang="ko-KR" sz="2000" i="1" smtClean="0">
-                                <a:latin typeface="Cambria Math" panose="02040503050406030204" pitchFamily="18" charset="0"/>
-                              </a:rPr>
-                            </m:ctrlPr>
-                          </m:naryPr>
-                          <m:sub/>
-                          <m:sup/>
-                          <m:e>
-                            <m:nary>
-                              <m:naryPr>
-                                <m:chr m:val="∑"/>
-                                <m:subHide m:val="on"/>
-                                <m:supHide m:val="on"/>
-                                <m:ctrlPr>
-                                  <a:rPr lang="en-US" altLang="ko-KR" sz="2000" i="1" smtClean="0">
-                                    <a:latin typeface="Cambria Math" panose="02040503050406030204" pitchFamily="18" charset="0"/>
-                                  </a:rPr>
-                                </m:ctrlPr>
-                              </m:naryPr>
-                              <m:sub/>
-                              <m:sup/>
-                              <m:e>
-                                <m:r>
-                                  <a:rPr lang="en-US" altLang="ko-KR" sz="2000" b="0" i="1" smtClean="0">
-                                    <a:latin typeface="Cambria Math" panose="02040503050406030204" pitchFamily="18" charset="0"/>
-                                  </a:rPr>
-                                  <m:t>(</m:t>
-                                </m:r>
-                                <m:sSub>
-                                  <m:sSubPr>
-                                    <m:ctrlPr>
-                                      <a:rPr lang="ko-KR" altLang="en-US" sz="2000" i="1">
-                                        <a:latin typeface="Cambria Math" panose="02040503050406030204" pitchFamily="18" charset="0"/>
-                                      </a:rPr>
-                                    </m:ctrlPr>
-                                  </m:sSubPr>
-                                  <m:e>
-                                    <m:r>
-                                      <a:rPr lang="en-US" altLang="ko-KR" sz="2000" i="1">
-                                        <a:latin typeface="Cambria Math" panose="02040503050406030204" pitchFamily="18" charset="0"/>
-                                      </a:rPr>
-                                      <m:t>𝑥</m:t>
-                                    </m:r>
-                                  </m:e>
-                                  <m:sub>
-                                    <m:r>
-                                      <a:rPr lang="en-US" altLang="ko-KR" sz="2000" i="1">
-                                        <a:latin typeface="Cambria Math" panose="02040503050406030204" pitchFamily="18" charset="0"/>
-                                      </a:rPr>
-                                      <m:t>𝑖</m:t>
-                                    </m:r>
-                                    <m:r>
-                                      <a:rPr lang="en-US" altLang="ko-KR" sz="2000" b="0" i="1" smtClean="0">
-                                        <a:latin typeface="Cambria Math" panose="02040503050406030204" pitchFamily="18" charset="0"/>
-                                      </a:rPr>
-                                      <m:t>𝑗</m:t>
-                                    </m:r>
-                                  </m:sub>
-                                </m:sSub>
-                                <m:r>
-                                  <a:rPr lang="en-US" altLang="ko-KR" sz="2000" b="0" i="1" smtClean="0">
-                                    <a:latin typeface="Cambria Math" panose="02040503050406030204" pitchFamily="18" charset="0"/>
-                                  </a:rPr>
-                                  <m:t>−</m:t>
-                                </m:r>
-                              </m:e>
-                            </m:nary>
-                          </m:e>
-                        </m:nary>
-                        <m:sSub>
-                          <m:sSubPr>
-                            <m:ctrlPr>
-                              <a:rPr lang="ko-KR" altLang="en-US" sz="2000" i="1" smtClean="0">
-                                <a:latin typeface="Cambria Math" panose="02040503050406030204" pitchFamily="18" charset="0"/>
-                              </a:rPr>
-                            </m:ctrlPr>
-                          </m:sSubPr>
-                          <m:e>
-                            <m:r>
-                              <a:rPr lang="ko-KR" altLang="en-US" sz="2000" i="1" smtClean="0">
-                                <a:latin typeface="Cambria Math" panose="02040503050406030204" pitchFamily="18" charset="0"/>
-                              </a:rPr>
-                              <m:t>𝜇</m:t>
-                            </m:r>
-                          </m:e>
-                          <m:sub>
-                            <m:r>
-                              <a:rPr lang="en-US" altLang="ko-KR" sz="2000" b="0" i="1" smtClean="0">
-                                <a:latin typeface="Cambria Math" panose="02040503050406030204" pitchFamily="18" charset="0"/>
-                              </a:rPr>
-                              <m:t>𝑗</m:t>
-                            </m:r>
-                          </m:sub>
-                        </m:sSub>
-                        <m:r>
-                          <a:rPr lang="en-US" altLang="ko-KR" sz="2000" b="0" i="1" smtClean="0">
-                            <a:latin typeface="Cambria Math" panose="02040503050406030204" pitchFamily="18" charset="0"/>
-                          </a:rPr>
-                          <m:t>)</m:t>
-                        </m:r>
-                      </m:e>
-                      <m:sup>
-                        <m:r>
-                          <a:rPr lang="en-US" altLang="ko-KR" sz="2000" i="1">
-                            <a:latin typeface="Cambria Math" panose="02040503050406030204" pitchFamily="18" charset="0"/>
-                          </a:rPr>
-                          <m:t>2</m:t>
-                        </m:r>
+                          </m:den>
+                        </m:f>
                       </m:sup>
                     </m:sSup>
-                  </m:oMath>
-                </a14:m>
-                <a:r>
-                  <a:rPr lang="en-US" altLang="ko-KR" sz="2000" dirty="0"/>
-                  <a:t>= 0</a:t>
-                </a:r>
-                <a:br>
-                  <a:rPr lang="en-US" altLang="ko-KR" sz="2000" dirty="0"/>
-                </a:br>
-                <a:r>
-                  <a:rPr lang="ko-KR" altLang="en-US" sz="2000" dirty="0"/>
-                  <a:t>따</a:t>
-                </a:r>
-                <a14:m>
-                  <m:oMath xmlns:m="http://schemas.openxmlformats.org/officeDocument/2006/math">
-                    <m:r>
-                      <a:rPr lang="ko-KR" altLang="en-US" sz="2000" b="0" i="1" dirty="0" smtClean="0">
-                        <a:latin typeface="Cambria Math" panose="02040503050406030204" pitchFamily="18" charset="0"/>
-                      </a:rPr>
-                      <m:t>라</m:t>
-                    </m:r>
-                    <m:r>
-                      <a:rPr lang="ko-KR" altLang="en-US" sz="2000" i="1" dirty="0">
-                        <a:latin typeface="Cambria Math" panose="02040503050406030204" pitchFamily="18" charset="0"/>
-                      </a:rPr>
-                      <m:t>서</m:t>
-                    </m:r>
-                    <m:r>
-                      <a:rPr lang="ko-KR" altLang="en-US" sz="2000" i="1" dirty="0">
-                        <a:latin typeface="Cambria Math" panose="02040503050406030204" pitchFamily="18" charset="0"/>
-                      </a:rPr>
-                      <m:t> </m:t>
-                    </m:r>
-                    <m:r>
-                      <a:rPr lang="en-US" altLang="ko-KR" sz="2000" b="0" i="0" smtClean="0">
-                        <a:latin typeface="Cambria Math" panose="02040503050406030204" pitchFamily="18" charset="0"/>
-                      </a:rPr>
-                      <m:t>−</m:t>
-                    </m:r>
-                    <m:f>
-                      <m:fPr>
+                    <m:func>
+                      <m:funcPr>
                         <m:ctrlPr>
-                          <a:rPr lang="en-US" altLang="ko-KR" sz="2000" b="0" i="1" smtClean="0">
+                          <a:rPr lang="en-US" altLang="ko-KR" sz="2000" i="1">
                             <a:latin typeface="Cambria Math" panose="02040503050406030204" pitchFamily="18" charset="0"/>
                           </a:rPr>
                         </m:ctrlPr>
-                      </m:fPr>
-                      <m:num>
+                      </m:funcPr>
+                      <m:fName>
                         <m:r>
-                          <a:rPr lang="en-US" altLang="ko-KR" sz="2000" b="0" i="1" smtClean="0">
-                            <a:latin typeface="Cambria Math" panose="02040503050406030204" pitchFamily="18" charset="0"/>
-                          </a:rPr>
-                          <m:t>𝑎𝑏</m:t>
+                          <m:rPr>
+                            <m:sty m:val="p"/>
+                          </m:rPr>
+                          <a:rPr lang="en-US" altLang="ko-KR" sz="2000">
+                            <a:latin typeface="Cambria Math" panose="02040503050406030204" pitchFamily="18" charset="0"/>
+                          </a:rPr>
+                          <m:t>exp</m:t>
                         </m:r>
-                      </m:num>
-                      <m:den>
-                        <m:sSup>
-                          <m:sSupPr>
-                            <m:ctrlPr>
-                              <a:rPr lang="en-US" altLang="ko-KR" sz="2000" i="1" smtClean="0">
-                                <a:latin typeface="Cambria Math" panose="02040503050406030204" pitchFamily="18" charset="0"/>
-                              </a:rPr>
-                            </m:ctrlPr>
-                          </m:sSupPr>
-                          <m:e>
-                            <m:r>
-                              <a:rPr lang="en-US" altLang="ko-KR" sz="2000" b="0" i="1" smtClean="0">
-                                <a:latin typeface="Cambria Math" panose="02040503050406030204" pitchFamily="18" charset="0"/>
-                              </a:rPr>
-                              <m:t>2</m:t>
-                            </m:r>
-                            <m:r>
-                              <a:rPr lang="ko-KR" altLang="en-US" sz="2000" i="1" smtClean="0">
-                                <a:latin typeface="Cambria Math" panose="02040503050406030204" pitchFamily="18" charset="0"/>
-                              </a:rPr>
-                              <m:t>𝜎</m:t>
-                            </m:r>
-                          </m:e>
-                          <m:sup>
-                            <m:r>
-                              <a:rPr lang="en-US" altLang="ko-KR" sz="2000" i="1">
-                                <a:latin typeface="Cambria Math" panose="02040503050406030204" pitchFamily="18" charset="0"/>
-                              </a:rPr>
-                              <m:t>2</m:t>
-                            </m:r>
-                          </m:sup>
-                        </m:sSup>
-                      </m:den>
-                    </m:f>
-                    <m:r>
-                      <a:rPr lang="en-US" altLang="ko-KR" sz="2000" b="0" i="1" smtClean="0">
-                        <a:latin typeface="Cambria Math" panose="02040503050406030204" pitchFamily="18" charset="0"/>
-                      </a:rPr>
-                      <m:t>+</m:t>
-                    </m:r>
-                    <m:f>
-                      <m:fPr>
-                        <m:ctrlPr>
-                          <a:rPr lang="en-US" altLang="ko-KR" sz="2000" b="0" i="1" smtClean="0">
-                            <a:latin typeface="Cambria Math" panose="02040503050406030204" pitchFamily="18" charset="0"/>
-                          </a:rPr>
-                        </m:ctrlPr>
-                      </m:fPr>
-                      <m:num>
-                        <m:r>
-                          <a:rPr lang="en-US" altLang="ko-KR" sz="2000" b="0" i="1" smtClean="0">
-                            <a:latin typeface="Cambria Math" panose="02040503050406030204" pitchFamily="18" charset="0"/>
-                          </a:rPr>
-                          <m:t>1</m:t>
-                        </m:r>
-                      </m:num>
-                      <m:den>
-                        <m:r>
-                          <a:rPr lang="en-US" altLang="ko-KR" sz="2000" b="0" i="1" smtClean="0">
-                            <a:latin typeface="Cambria Math" panose="02040503050406030204" pitchFamily="18" charset="0"/>
-                          </a:rPr>
-                          <m:t>2</m:t>
-                        </m:r>
-                        <m:sSup>
-                          <m:sSupPr>
-                            <m:ctrlPr>
-                              <a:rPr lang="en-US" altLang="ko-KR" sz="2000" i="1" smtClean="0">
-                                <a:latin typeface="Cambria Math" panose="02040503050406030204" pitchFamily="18" charset="0"/>
-                              </a:rPr>
-                            </m:ctrlPr>
-                          </m:sSupPr>
-                          <m:e>
-                            <m:r>
-                              <a:rPr lang="ko-KR" altLang="en-US" sz="2000" i="1" smtClean="0">
-                                <a:latin typeface="Cambria Math" panose="02040503050406030204" pitchFamily="18" charset="0"/>
-                              </a:rPr>
-                              <m:t>𝜎</m:t>
-                            </m:r>
-                          </m:e>
-                          <m:sup>
-                            <m:r>
-                              <a:rPr lang="en-US" altLang="ko-KR" sz="2000" b="0" i="1" smtClean="0">
-                                <a:latin typeface="Cambria Math" panose="02040503050406030204" pitchFamily="18" charset="0"/>
-                              </a:rPr>
-                              <m:t>4</m:t>
-                            </m:r>
-                          </m:sup>
-                        </m:sSup>
-                      </m:den>
-                    </m:f>
-                    <m:sSup>
-                      <m:sSupPr>
-                        <m:ctrlPr>
-                          <a:rPr lang="en-US" altLang="ko-KR" sz="2000" i="1" smtClean="0">
-                            <a:latin typeface="Cambria Math" panose="02040503050406030204" pitchFamily="18" charset="0"/>
-                          </a:rPr>
-                        </m:ctrlPr>
-                      </m:sSupPr>
-                      <m:e>
-                        <m:nary>
-                          <m:naryPr>
-                            <m:chr m:val="∑"/>
-                            <m:subHide m:val="on"/>
-                            <m:supHide m:val="on"/>
-                            <m:ctrlPr>
-                              <a:rPr lang="en-US" altLang="ko-KR" sz="2000" i="1" smtClean="0">
-                                <a:latin typeface="Cambria Math" panose="02040503050406030204" pitchFamily="18" charset="0"/>
-                              </a:rPr>
-                            </m:ctrlPr>
-                          </m:naryPr>
-                          <m:sub/>
-                          <m:sup/>
-                          <m:e>
-                            <m:nary>
-                              <m:naryPr>
-                                <m:chr m:val="∑"/>
-                                <m:subHide m:val="on"/>
-                                <m:supHide m:val="on"/>
-                                <m:ctrlPr>
-                                  <a:rPr lang="en-US" altLang="ko-KR" sz="2000" i="1" smtClean="0">
-                                    <a:latin typeface="Cambria Math" panose="02040503050406030204" pitchFamily="18" charset="0"/>
-                                  </a:rPr>
-                                </m:ctrlPr>
-                              </m:naryPr>
-                              <m:sub/>
-                              <m:sup/>
-                              <m:e>
-                                <m:r>
-                                  <a:rPr lang="en-US" altLang="ko-KR" sz="2000" b="0" i="1" smtClean="0">
-                                    <a:latin typeface="Cambria Math" panose="02040503050406030204" pitchFamily="18" charset="0"/>
-                                  </a:rPr>
-                                  <m:t>(</m:t>
-                                </m:r>
-                                <m:sSub>
-                                  <m:sSubPr>
-                                    <m:ctrlPr>
-                                      <a:rPr lang="ko-KR" altLang="en-US" sz="2000" i="1">
-                                        <a:latin typeface="Cambria Math" panose="02040503050406030204" pitchFamily="18" charset="0"/>
-                                      </a:rPr>
-                                    </m:ctrlPr>
-                                  </m:sSubPr>
-                                  <m:e>
-                                    <m:r>
-                                      <a:rPr lang="en-US" altLang="ko-KR" sz="2000" i="1">
-                                        <a:latin typeface="Cambria Math" panose="02040503050406030204" pitchFamily="18" charset="0"/>
-                                      </a:rPr>
-                                      <m:t>𝑥</m:t>
-                                    </m:r>
-                                  </m:e>
-                                  <m:sub>
-                                    <m:r>
-                                      <a:rPr lang="en-US" altLang="ko-KR" sz="2000" i="1">
-                                        <a:latin typeface="Cambria Math" panose="02040503050406030204" pitchFamily="18" charset="0"/>
-                                      </a:rPr>
-                                      <m:t>𝑖</m:t>
-                                    </m:r>
-                                    <m:r>
-                                      <a:rPr lang="en-US" altLang="ko-KR" sz="2000" b="0" i="1" smtClean="0">
-                                        <a:latin typeface="Cambria Math" panose="02040503050406030204" pitchFamily="18" charset="0"/>
-                                      </a:rPr>
-                                      <m:t>𝑗</m:t>
-                                    </m:r>
-                                  </m:sub>
-                                </m:sSub>
-                                <m:r>
-                                  <a:rPr lang="en-US" altLang="ko-KR" sz="2000" b="0" i="1" smtClean="0">
-                                    <a:latin typeface="Cambria Math" panose="02040503050406030204" pitchFamily="18" charset="0"/>
-                                  </a:rPr>
-                                  <m:t>−</m:t>
-                                </m:r>
-                              </m:e>
-                            </m:nary>
-                          </m:e>
-                        </m:nary>
-                        <m:sSub>
-                          <m:sSubPr>
-                            <m:ctrlPr>
-                              <a:rPr lang="ko-KR" altLang="en-US" sz="2000" i="1" smtClean="0">
-                                <a:latin typeface="Cambria Math" panose="02040503050406030204" pitchFamily="18" charset="0"/>
-                              </a:rPr>
-                            </m:ctrlPr>
-                          </m:sSubPr>
-                          <m:e>
-                            <m:r>
-                              <a:rPr lang="ko-KR" altLang="en-US" sz="2000" i="1" smtClean="0">
-                                <a:latin typeface="Cambria Math" panose="02040503050406030204" pitchFamily="18" charset="0"/>
-                              </a:rPr>
-                              <m:t>𝜇</m:t>
-                            </m:r>
-                          </m:e>
-                          <m:sub>
-                            <m:r>
-                              <a:rPr lang="en-US" altLang="ko-KR" sz="2000" b="0" i="1" smtClean="0">
-                                <a:latin typeface="Cambria Math" panose="02040503050406030204" pitchFamily="18" charset="0"/>
-                              </a:rPr>
-                              <m:t>𝑗</m:t>
-                            </m:r>
-                          </m:sub>
-                        </m:sSub>
-                        <m:r>
-                          <a:rPr lang="en-US" altLang="ko-KR" sz="2000" b="0" i="1" smtClean="0">
-                            <a:latin typeface="Cambria Math" panose="02040503050406030204" pitchFamily="18" charset="0"/>
-                          </a:rPr>
-                          <m:t>)</m:t>
-                        </m:r>
-                      </m:e>
-                      <m:sup>
-                        <m:r>
-                          <a:rPr lang="en-US" altLang="ko-KR" sz="2000" i="1">
-                            <a:latin typeface="Cambria Math" panose="02040503050406030204" pitchFamily="18" charset="0"/>
-                          </a:rPr>
-                          <m:t>2</m:t>
-                        </m:r>
-                      </m:sup>
-                    </m:sSup>
-                  </m:oMath>
-                </a14:m>
-                <a:r>
-                  <a:rPr lang="en-US" altLang="ko-KR" sz="2000" dirty="0"/>
-                  <a:t>= 0 </a:t>
-                </a:r>
-                <a:r>
-                  <a:rPr lang="ko-KR" altLang="en-US" sz="2000" dirty="0"/>
-                  <a:t>에서 </a:t>
-                </a:r>
-                <a14:m>
-                  <m:oMath xmlns:m="http://schemas.openxmlformats.org/officeDocument/2006/math">
-                    <m:acc>
-                      <m:accPr>
-                        <m:chr m:val="̂"/>
-                        <m:ctrlPr>
-                          <a:rPr lang="ko-KR" altLang="en-US" sz="2000" i="1" smtClean="0">
-                            <a:latin typeface="Cambria Math" panose="02040503050406030204" pitchFamily="18" charset="0"/>
-                          </a:rPr>
-                        </m:ctrlPr>
-                      </m:accPr>
-                      <m:e>
-                        <m:sSup>
-                          <m:sSupPr>
-                            <m:ctrlPr>
-                              <a:rPr lang="en-US" altLang="ko-KR" sz="2000" i="1" smtClean="0">
-                                <a:latin typeface="Cambria Math" panose="02040503050406030204" pitchFamily="18" charset="0"/>
-                              </a:rPr>
-                            </m:ctrlPr>
-                          </m:sSupPr>
-                          <m:e>
-                            <m:r>
-                              <a:rPr lang="ko-KR" altLang="en-US" sz="2000" i="1" smtClean="0">
-                                <a:latin typeface="Cambria Math" panose="02040503050406030204" pitchFamily="18" charset="0"/>
-                              </a:rPr>
-                              <m:t>𝜎</m:t>
-                            </m:r>
-                          </m:e>
-                          <m:sup>
-                            <m:r>
-                              <a:rPr lang="en-US" altLang="ko-KR" sz="2000" i="1">
-                                <a:latin typeface="Cambria Math" panose="02040503050406030204" pitchFamily="18" charset="0"/>
-                              </a:rPr>
-                              <m:t>2</m:t>
-                            </m:r>
-                          </m:sup>
-                        </m:sSup>
-                      </m:e>
-                    </m:acc>
-                  </m:oMath>
-                </a14:m>
-                <a:r>
-                  <a:rPr lang="en-US" altLang="ko-KR" sz="2000" dirty="0"/>
-                  <a:t> = </a:t>
-                </a:r>
-                <a14:m>
-                  <m:oMath xmlns:m="http://schemas.openxmlformats.org/officeDocument/2006/math">
-                    <m:f>
-                      <m:fPr>
-                        <m:ctrlPr>
-                          <a:rPr lang="en-US" altLang="ko-KR" sz="2000" b="0" i="1" smtClean="0">
-                            <a:latin typeface="Cambria Math" panose="02040503050406030204" pitchFamily="18" charset="0"/>
-                          </a:rPr>
-                        </m:ctrlPr>
-                      </m:fPr>
-                      <m:num>
-                        <m:sSup>
-                          <m:sSupPr>
-                            <m:ctrlPr>
-                              <a:rPr lang="en-US" altLang="ko-KR" sz="2000" i="1" smtClean="0">
-                                <a:latin typeface="Cambria Math" panose="02040503050406030204" pitchFamily="18" charset="0"/>
-                              </a:rPr>
-                            </m:ctrlPr>
-                          </m:sSupPr>
-                          <m:e>
-                            <m:nary>
-                              <m:naryPr>
-                                <m:chr m:val="∑"/>
-                                <m:subHide m:val="on"/>
-                                <m:supHide m:val="on"/>
-                                <m:ctrlPr>
-                                  <a:rPr lang="en-US" altLang="ko-KR" sz="2000" i="1" smtClean="0">
-                                    <a:latin typeface="Cambria Math" panose="02040503050406030204" pitchFamily="18" charset="0"/>
-                                  </a:rPr>
-                                </m:ctrlPr>
-                              </m:naryPr>
-                              <m:sub/>
-                              <m:sup/>
-                              <m:e>
-                                <m:nary>
-                                  <m:naryPr>
-                                    <m:chr m:val="∑"/>
-                                    <m:subHide m:val="on"/>
-                                    <m:supHide m:val="on"/>
-                                    <m:ctrlPr>
-                                      <a:rPr lang="en-US" altLang="ko-KR" sz="2000" i="1" smtClean="0">
-                                        <a:latin typeface="Cambria Math" panose="02040503050406030204" pitchFamily="18" charset="0"/>
-                                      </a:rPr>
-                                    </m:ctrlPr>
-                                  </m:naryPr>
-                                  <m:sub/>
-                                  <m:sup/>
-                                  <m:e>
-                                    <m:r>
-                                      <a:rPr lang="en-US" altLang="ko-KR" sz="2000" b="0" i="1" smtClean="0">
-                                        <a:latin typeface="Cambria Math" panose="02040503050406030204" pitchFamily="18" charset="0"/>
-                                      </a:rPr>
-                                      <m:t>(</m:t>
-                                    </m:r>
-                                    <m:sSub>
-                                      <m:sSubPr>
-                                        <m:ctrlPr>
-                                          <a:rPr lang="ko-KR" altLang="en-US" sz="2000" i="1">
-                                            <a:latin typeface="Cambria Math" panose="02040503050406030204" pitchFamily="18" charset="0"/>
-                                          </a:rPr>
-                                        </m:ctrlPr>
-                                      </m:sSubPr>
-                                      <m:e>
-                                        <m:r>
-                                          <a:rPr lang="en-US" altLang="ko-KR" sz="2000" i="1">
-                                            <a:latin typeface="Cambria Math" panose="02040503050406030204" pitchFamily="18" charset="0"/>
-                                          </a:rPr>
-                                          <m:t>𝑥</m:t>
-                                        </m:r>
-                                      </m:e>
-                                      <m:sub>
-                                        <m:r>
-                                          <a:rPr lang="en-US" altLang="ko-KR" sz="2000" i="1">
-                                            <a:latin typeface="Cambria Math" panose="02040503050406030204" pitchFamily="18" charset="0"/>
-                                          </a:rPr>
-                                          <m:t>𝑖</m:t>
-                                        </m:r>
-                                        <m:r>
-                                          <a:rPr lang="en-US" altLang="ko-KR" sz="2000" b="0" i="1" smtClean="0">
-                                            <a:latin typeface="Cambria Math" panose="02040503050406030204" pitchFamily="18" charset="0"/>
-                                          </a:rPr>
-                                          <m:t>𝑗</m:t>
-                                        </m:r>
-                                      </m:sub>
-                                    </m:sSub>
-                                    <m:r>
-                                      <a:rPr lang="en-US" altLang="ko-KR" sz="2000" b="0" i="1" smtClean="0">
-                                        <a:latin typeface="Cambria Math" panose="02040503050406030204" pitchFamily="18" charset="0"/>
-                                      </a:rPr>
-                                      <m:t>−</m:t>
-                                    </m:r>
-                                  </m:e>
-                                </m:nary>
-                              </m:e>
-                            </m:nary>
-                            <m:sSub>
-                              <m:sSubPr>
-                                <m:ctrlPr>
-                                  <a:rPr lang="ko-KR" altLang="en-US" sz="2000" i="1" smtClean="0">
-                                    <a:latin typeface="Cambria Math" panose="02040503050406030204" pitchFamily="18" charset="0"/>
-                                  </a:rPr>
-                                </m:ctrlPr>
-                              </m:sSubPr>
-                              <m:e>
-                                <m:r>
-                                  <a:rPr lang="ko-KR" altLang="en-US" sz="2000" i="1" smtClean="0">
-                                    <a:latin typeface="Cambria Math" panose="02040503050406030204" pitchFamily="18" charset="0"/>
-                                  </a:rPr>
-                                  <m:t>𝜇</m:t>
-                                </m:r>
-                              </m:e>
-                              <m:sub>
-                                <m:r>
-                                  <a:rPr lang="en-US" altLang="ko-KR" sz="2000" b="0" i="1" smtClean="0">
-                                    <a:latin typeface="Cambria Math" panose="02040503050406030204" pitchFamily="18" charset="0"/>
-                                  </a:rPr>
-                                  <m:t>𝑗</m:t>
-                                </m:r>
-                              </m:sub>
-                            </m:sSub>
-                            <m:r>
-                              <a:rPr lang="en-US" altLang="ko-KR" sz="2000" b="0" i="1" smtClean="0">
-                                <a:latin typeface="Cambria Math" panose="02040503050406030204" pitchFamily="18" charset="0"/>
-                              </a:rPr>
-                              <m:t>)</m:t>
-                            </m:r>
-                          </m:e>
-                          <m:sup>
-                            <m:r>
-                              <a:rPr lang="en-US" altLang="ko-KR" sz="2000" i="1">
-                                <a:latin typeface="Cambria Math" panose="02040503050406030204" pitchFamily="18" charset="0"/>
-                              </a:rPr>
-                              <m:t>2</m:t>
-                            </m:r>
-                          </m:sup>
-                        </m:sSup>
-                      </m:num>
-                      <m:den>
-                        <m:r>
-                          <a:rPr lang="en-US" altLang="ko-KR" sz="2000" b="0" i="1" smtClean="0">
-                            <a:latin typeface="Cambria Math" panose="02040503050406030204" pitchFamily="18" charset="0"/>
-                          </a:rPr>
-                          <m:t>𝑎𝑏</m:t>
-                        </m:r>
-                      </m:den>
-                    </m:f>
-                  </m:oMath>
-                </a14:m>
-                <a:endParaRPr lang="en-US" altLang="ko-KR" sz="2000" dirty="0"/>
-              </a:p>
-              <a:p>
-                <a:pPr marL="0" indent="0">
-                  <a:buNone/>
-                </a:pPr>
-                <a:r>
-                  <a:rPr lang="en-US" altLang="ko-KR" sz="2000" dirty="0"/>
-                  <a:t>(4) </a:t>
-                </a:r>
-                <a14:m>
-                  <m:oMath xmlns:m="http://schemas.openxmlformats.org/officeDocument/2006/math">
-                    <m:r>
-                      <m:rPr>
-                        <m:sty m:val="p"/>
-                      </m:rPr>
-                      <a:rPr lang="en-US" altLang="ko-KR" sz="2000" b="0" i="0" smtClean="0">
-                        <a:latin typeface="Cambria Math" panose="02040503050406030204" pitchFamily="18" charset="0"/>
-                      </a:rPr>
-                      <m:t>L</m:t>
-                    </m:r>
-                    <m:d>
-                      <m:dPr>
-                        <m:ctrlPr>
-                          <a:rPr lang="en-US" altLang="ko-KR" sz="2000" b="0" i="1" smtClean="0">
-                            <a:latin typeface="Cambria Math" panose="02040503050406030204" pitchFamily="18" charset="0"/>
-                          </a:rPr>
-                        </m:ctrlPr>
-                      </m:dPr>
-                      <m:e>
-                        <m:acc>
-                          <m:accPr>
-                            <m:chr m:val="̂"/>
-                            <m:ctrlPr>
-                              <a:rPr lang="en-US" altLang="ko-KR" sz="2000" b="0" i="1" smtClean="0">
-                                <a:latin typeface="Cambria Math" panose="02040503050406030204" pitchFamily="18" charset="0"/>
-                              </a:rPr>
-                            </m:ctrlPr>
-                          </m:accPr>
-                          <m:e>
-                            <m:r>
-                              <a:rPr lang="ko-KR" altLang="en-US" sz="2000" i="1" smtClean="0">
-                                <a:latin typeface="Cambria Math" panose="02040503050406030204" pitchFamily="18" charset="0"/>
-                              </a:rPr>
-                              <m:t>𝛺</m:t>
-                            </m:r>
-                          </m:e>
-                        </m:acc>
-                      </m:e>
-                    </m:d>
-                  </m:oMath>
-                </a14:m>
-                <a:r>
-                  <a:rPr lang="en-US" altLang="ko-KR" sz="2000" dirty="0"/>
-                  <a:t> = </a:t>
-                </a:r>
-                <a14:m>
-                  <m:oMath xmlns:m="http://schemas.openxmlformats.org/officeDocument/2006/math">
-                    <m:sSup>
-                      <m:sSupPr>
-                        <m:ctrlPr>
-                          <a:rPr lang="en-US" altLang="ko-KR" sz="2000" i="1" smtClean="0">
-                            <a:latin typeface="Cambria Math" panose="02040503050406030204" pitchFamily="18" charset="0"/>
-                          </a:rPr>
-                        </m:ctrlPr>
-                      </m:sSupPr>
+                      </m:fName>
                       <m:e>
                         <m:d>
                           <m:dPr>
-                            <m:begChr m:val="["/>
-                            <m:endChr m:val="]"/>
                             <m:ctrlPr>
                               <a:rPr lang="en-US" altLang="ko-KR" sz="2000" i="1">
                                 <a:latin typeface="Cambria Math" panose="02040503050406030204" pitchFamily="18" charset="0"/>
@@ -10885,6 +11251,12 @@
                             </m:ctrlPr>
                           </m:dPr>
                           <m:e>
+                            <m:r>
+                              <a:rPr lang="en-US" altLang="ko-KR" sz="2000" i="1">
+                                <a:latin typeface="Cambria Math" panose="02040503050406030204" pitchFamily="18" charset="0"/>
+                              </a:rPr>
+                              <m:t>−</m:t>
+                            </m:r>
                             <m:f>
                               <m:fPr>
                                 <m:ctrlPr>
@@ -10894,25 +11266,156 @@
                                 </m:ctrlPr>
                               </m:fPr>
                               <m:num>
-                                <m:r>
-                                  <a:rPr lang="en-US" altLang="ko-KR" sz="2000" b="0" i="1" smtClean="0">
-                                    <a:latin typeface="Cambria Math" panose="02040503050406030204" pitchFamily="18" charset="0"/>
-                                  </a:rPr>
-                                  <m:t>𝑎𝑏</m:t>
-                                </m:r>
+                                <m:sSup>
+                                  <m:sSupPr>
+                                    <m:ctrlPr>
+                                      <a:rPr lang="en-US" altLang="ko-KR" sz="2000" i="1">
+                                        <a:latin typeface="Cambria Math" panose="02040503050406030204" pitchFamily="18" charset="0"/>
+                                      </a:rPr>
+                                    </m:ctrlPr>
+                                  </m:sSupPr>
+                                  <m:e>
+                                    <m:r>
+                                      <a:rPr lang="en-US" altLang="ko-KR" sz="2000" b="0" i="1" smtClean="0">
+                                        <a:latin typeface="Cambria Math" panose="02040503050406030204" pitchFamily="18" charset="0"/>
+                                      </a:rPr>
+                                      <m:t>𝑎𝑏</m:t>
+                                    </m:r>
+                                    <m:nary>
+                                      <m:naryPr>
+                                        <m:chr m:val="∑"/>
+                                        <m:subHide m:val="on"/>
+                                        <m:supHide m:val="on"/>
+                                        <m:ctrlPr>
+                                          <a:rPr lang="en-US" altLang="ko-KR" sz="2000" i="1" smtClean="0">
+                                            <a:latin typeface="Cambria Math" panose="02040503050406030204" pitchFamily="18" charset="0"/>
+                                          </a:rPr>
+                                        </m:ctrlPr>
+                                      </m:naryPr>
+                                      <m:sub/>
+                                      <m:sup/>
+                                      <m:e>
+                                        <m:nary>
+                                          <m:naryPr>
+                                            <m:chr m:val="∑"/>
+                                            <m:subHide m:val="on"/>
+                                            <m:supHide m:val="on"/>
+                                            <m:ctrlPr>
+                                              <a:rPr lang="en-US" altLang="ko-KR" sz="2000" i="1" smtClean="0">
+                                                <a:latin typeface="Cambria Math" panose="02040503050406030204" pitchFamily="18" charset="0"/>
+                                              </a:rPr>
+                                            </m:ctrlPr>
+                                          </m:naryPr>
+                                          <m:sub/>
+                                          <m:sup/>
+                                          <m:e>
+                                            <m:r>
+                                              <a:rPr lang="en-US" altLang="ko-KR" sz="2000" b="0" i="1" smtClean="0">
+                                                <a:latin typeface="Cambria Math" panose="02040503050406030204" pitchFamily="18" charset="0"/>
+                                              </a:rPr>
+                                              <m:t>(</m:t>
+                                            </m:r>
+                                            <m:sSub>
+                                              <m:sSubPr>
+                                                <m:ctrlPr>
+                                                  <a:rPr lang="ko-KR" altLang="en-US" sz="2000" i="1">
+                                                    <a:latin typeface="Cambria Math" panose="02040503050406030204" pitchFamily="18" charset="0"/>
+                                                  </a:rPr>
+                                                </m:ctrlPr>
+                                              </m:sSubPr>
+                                              <m:e>
+                                                <m:r>
+                                                  <a:rPr lang="en-US" altLang="ko-KR" sz="2000" i="1">
+                                                    <a:latin typeface="Cambria Math" panose="02040503050406030204" pitchFamily="18" charset="0"/>
+                                                  </a:rPr>
+                                                  <m:t>𝑥</m:t>
+                                                </m:r>
+                                              </m:e>
+                                              <m:sub>
+                                                <m:r>
+                                                  <a:rPr lang="en-US" altLang="ko-KR" sz="2000" i="1">
+                                                    <a:latin typeface="Cambria Math" panose="02040503050406030204" pitchFamily="18" charset="0"/>
+                                                  </a:rPr>
+                                                  <m:t>𝑖</m:t>
+                                                </m:r>
+                                                <m:r>
+                                                  <a:rPr lang="en-US" altLang="ko-KR" sz="2000" b="0" i="1" smtClean="0">
+                                                    <a:latin typeface="Cambria Math" panose="02040503050406030204" pitchFamily="18" charset="0"/>
+                                                  </a:rPr>
+                                                  <m:t>𝑗</m:t>
+                                                </m:r>
+                                              </m:sub>
+                                            </m:sSub>
+                                            <m:r>
+                                              <a:rPr lang="en-US" altLang="ko-KR" sz="2000" b="0" i="1" smtClean="0">
+                                                <a:latin typeface="Cambria Math" panose="02040503050406030204" pitchFamily="18" charset="0"/>
+                                              </a:rPr>
+                                              <m:t>−</m:t>
+                                            </m:r>
+                                          </m:e>
+                                        </m:nary>
+                                      </m:e>
+                                    </m:nary>
+                                    <m:sSub>
+                                      <m:sSubPr>
+                                        <m:ctrlPr>
+                                          <a:rPr lang="en-US" altLang="ko-KR" sz="2000" i="1">
+                                            <a:latin typeface="Cambria Math" panose="02040503050406030204" pitchFamily="18" charset="0"/>
+                                          </a:rPr>
+                                        </m:ctrlPr>
+                                      </m:sSubPr>
+                                      <m:e>
+                                        <m:bar>
+                                          <m:barPr>
+                                            <m:pos m:val="top"/>
+                                            <m:ctrlPr>
+                                              <a:rPr lang="en-US" altLang="ko-KR" sz="2000" i="1">
+                                                <a:latin typeface="Cambria Math" panose="02040503050406030204" pitchFamily="18" charset="0"/>
+                                              </a:rPr>
+                                            </m:ctrlPr>
+                                          </m:barPr>
+                                          <m:e>
+                                            <m:r>
+                                              <a:rPr lang="en-US" altLang="ko-KR" sz="2000" i="1">
+                                                <a:latin typeface="Cambria Math" panose="02040503050406030204" pitchFamily="18" charset="0"/>
+                                              </a:rPr>
+                                              <m:t>𝑥</m:t>
+                                            </m:r>
+                                          </m:e>
+                                        </m:bar>
+                                      </m:e>
+                                      <m:sub>
+                                        <m:r>
+                                          <a:rPr lang="en-US" altLang="ko-KR" sz="2000" i="1">
+                                            <a:latin typeface="Cambria Math" panose="02040503050406030204" pitchFamily="18" charset="0"/>
+                                          </a:rPr>
+                                          <m:t>𝑗</m:t>
+                                        </m:r>
+                                      </m:sub>
+                                    </m:sSub>
+                                    <m:r>
+                                      <a:rPr lang="en-US" altLang="ko-KR" sz="2000" b="0" i="1" smtClean="0">
+                                        <a:latin typeface="Cambria Math" panose="02040503050406030204" pitchFamily="18" charset="0"/>
+                                      </a:rPr>
+                                      <m:t>)</m:t>
+                                    </m:r>
+                                  </m:e>
+                                  <m:sup>
+                                    <m:r>
+                                      <a:rPr lang="en-US" altLang="ko-KR" sz="2000" i="1">
+                                        <a:latin typeface="Cambria Math" panose="02040503050406030204" pitchFamily="18" charset="0"/>
+                                      </a:rPr>
+                                      <m:t>2</m:t>
+                                    </m:r>
+                                  </m:sup>
+                                </m:sSup>
                               </m:num>
                               <m:den>
                                 <m:r>
-                                  <a:rPr lang="en-US" altLang="ko-KR" sz="2000" i="1" smtClean="0">
+                                  <a:rPr lang="en-US" altLang="ko-KR" sz="2000" i="1">
                                     <a:latin typeface="Cambria Math" panose="02040503050406030204" pitchFamily="18" charset="0"/>
                                   </a:rPr>
                                   <m:t>2</m:t>
-                                </m:r>
-                                <m:r>
-                                  <a:rPr lang="ko-KR" altLang="en-US" sz="2000" i="1">
-                                    <a:latin typeface="Cambria Math" panose="02040503050406030204" pitchFamily="18" charset="0"/>
-                                  </a:rPr>
-                                  <m:t>𝜋</m:t>
                                 </m:r>
                                 <m:sSup>
                                   <m:sSupPr>
@@ -11001,22 +11504,34 @@
                                     <m:sSub>
                                       <m:sSubPr>
                                         <m:ctrlPr>
-                                          <a:rPr lang="ko-KR" altLang="en-US" sz="2000" i="1" smtClean="0">
+                                          <a:rPr lang="en-US" altLang="ko-KR" sz="2000" i="1">
                                             <a:latin typeface="Cambria Math" panose="02040503050406030204" pitchFamily="18" charset="0"/>
                                           </a:rPr>
                                         </m:ctrlPr>
                                       </m:sSubPr>
                                       <m:e>
-                                        <m:r>
-                                          <a:rPr lang="ko-KR" altLang="en-US" sz="2000" i="1" smtClean="0">
-                                            <a:latin typeface="Cambria Math" panose="02040503050406030204" pitchFamily="18" charset="0"/>
-                                          </a:rPr>
-                                          <m:t>𝜇</m:t>
-                                        </m:r>
+                                        <m:bar>
+                                          <m:barPr>
+                                            <m:pos m:val="top"/>
+                                            <m:ctrlPr>
+                                              <a:rPr lang="en-US" altLang="ko-KR" sz="2000" i="1">
+                                                <a:latin typeface="Cambria Math" panose="02040503050406030204" pitchFamily="18" charset="0"/>
+                                              </a:rPr>
+                                            </m:ctrlPr>
+                                          </m:barPr>
+                                          <m:e>
+                                            <m:r>
+                                              <a:rPr lang="en-US" altLang="ko-KR" sz="2000" i="1">
+                                                <a:latin typeface="Cambria Math" panose="02040503050406030204" pitchFamily="18" charset="0"/>
+                                              </a:rPr>
+                                              <m:t>𝑥</m:t>
+                                            </m:r>
+                                          </m:e>
+                                        </m:bar>
                                       </m:e>
                                       <m:sub>
                                         <m:r>
-                                          <a:rPr lang="en-US" altLang="ko-KR" sz="2000" b="0" i="1" smtClean="0">
+                                          <a:rPr lang="en-US" altLang="ko-KR" sz="2000" i="1">
                                             <a:latin typeface="Cambria Math" panose="02040503050406030204" pitchFamily="18" charset="0"/>
                                           </a:rPr>
                                           <m:t>𝑗</m:t>
@@ -11044,56 +11559,28 @@
                           </m:e>
                         </m:d>
                       </m:e>
-                      <m:sup>
-                        <m:f>
-                          <m:fPr>
-                            <m:ctrlPr>
-                              <a:rPr lang="en-US" altLang="ko-KR" sz="2000" i="1">
-                                <a:latin typeface="Cambria Math" panose="02040503050406030204" pitchFamily="18" charset="0"/>
-                              </a:rPr>
-                            </m:ctrlPr>
-                          </m:fPr>
-                          <m:num>
-                            <m:r>
-                              <a:rPr lang="en-US" altLang="ko-KR" sz="2000" b="0" i="1" smtClean="0">
-                                <a:latin typeface="Cambria Math" panose="02040503050406030204" pitchFamily="18" charset="0"/>
-                              </a:rPr>
-                              <m:t>𝑎𝑏</m:t>
-                            </m:r>
-                          </m:num>
-                          <m:den>
-                            <m:r>
-                              <a:rPr lang="en-US" altLang="ko-KR" sz="2000" i="1">
-                                <a:latin typeface="Cambria Math" panose="02040503050406030204" pitchFamily="18" charset="0"/>
-                              </a:rPr>
-                              <m:t>2</m:t>
-                            </m:r>
-                          </m:den>
-                        </m:f>
-                      </m:sup>
-                    </m:sSup>
-                    <m:func>
-                      <m:funcPr>
+                    </m:func>
+                  </m:oMath>
+                </a14:m>
+                <a:r>
+                  <a:rPr lang="en-US" altLang="ko-KR" sz="2000" dirty="0"/>
+                  <a:t> = </a:t>
+                </a:r>
+                <a14:m>
+                  <m:oMath xmlns:m="http://schemas.openxmlformats.org/officeDocument/2006/math">
+                    <m:sSup>
+                      <m:sSupPr>
                         <m:ctrlPr>
-                          <a:rPr lang="en-US" altLang="ko-KR" sz="2000" i="1">
+                          <a:rPr lang="en-US" altLang="ko-KR" sz="2000" i="1" smtClean="0">
                             <a:latin typeface="Cambria Math" panose="02040503050406030204" pitchFamily="18" charset="0"/>
                           </a:rPr>
                         </m:ctrlPr>
-                      </m:funcPr>
-                      <m:fName>
-                        <m:r>
-                          <m:rPr>
-                            <m:sty m:val="p"/>
-                          </m:rPr>
-                          <a:rPr lang="en-US" altLang="ko-KR" sz="2000">
-                            <a:latin typeface="Cambria Math" panose="02040503050406030204" pitchFamily="18" charset="0"/>
-                          </a:rPr>
-                          <m:t>exp</m:t>
-                        </m:r>
-                      </m:fName>
+                      </m:sSupPr>
                       <m:e>
                         <m:d>
                           <m:dPr>
+                            <m:begChr m:val="["/>
+                            <m:endChr m:val="]"/>
                             <m:ctrlPr>
                               <a:rPr lang="en-US" altLang="ko-KR" sz="2000" i="1">
                                 <a:latin typeface="Cambria Math" panose="02040503050406030204" pitchFamily="18" charset="0"/>
@@ -11101,12 +11588,6 @@
                             </m:ctrlPr>
                           </m:dPr>
                           <m:e>
-                            <m:r>
-                              <a:rPr lang="en-US" altLang="ko-KR" sz="2000" i="1">
-                                <a:latin typeface="Cambria Math" panose="02040503050406030204" pitchFamily="18" charset="0"/>
-                              </a:rPr>
-                              <m:t>−</m:t>
-                            </m:r>
                             <m:f>
                               <m:fPr>
                                 <m:ctrlPr>
@@ -11116,144 +11597,25 @@
                                 </m:ctrlPr>
                               </m:fPr>
                               <m:num>
-                                <m:sSup>
-                                  <m:sSupPr>
-                                    <m:ctrlPr>
-                                      <a:rPr lang="en-US" altLang="ko-KR" sz="2000" i="1">
-                                        <a:latin typeface="Cambria Math" panose="02040503050406030204" pitchFamily="18" charset="0"/>
-                                      </a:rPr>
-                                    </m:ctrlPr>
-                                  </m:sSupPr>
-                                  <m:e>
-                                    <m:r>
-                                      <a:rPr lang="en-US" altLang="ko-KR" sz="2000" b="0" i="1" smtClean="0">
-                                        <a:latin typeface="Cambria Math" panose="02040503050406030204" pitchFamily="18" charset="0"/>
-                                      </a:rPr>
-                                      <m:t>𝑎𝑏</m:t>
-                                    </m:r>
-                                    <m:nary>
-                                      <m:naryPr>
-                                        <m:chr m:val="∑"/>
-                                        <m:subHide m:val="on"/>
-                                        <m:supHide m:val="on"/>
-                                        <m:ctrlPr>
-                                          <a:rPr lang="en-US" altLang="ko-KR" sz="2000" i="1" smtClean="0">
-                                            <a:latin typeface="Cambria Math" panose="02040503050406030204" pitchFamily="18" charset="0"/>
-                                          </a:rPr>
-                                        </m:ctrlPr>
-                                      </m:naryPr>
-                                      <m:sub/>
-                                      <m:sup/>
-                                      <m:e>
-                                        <m:nary>
-                                          <m:naryPr>
-                                            <m:chr m:val="∑"/>
-                                            <m:subHide m:val="on"/>
-                                            <m:supHide m:val="on"/>
-                                            <m:ctrlPr>
-                                              <a:rPr lang="en-US" altLang="ko-KR" sz="2000" i="1" smtClean="0">
-                                                <a:latin typeface="Cambria Math" panose="02040503050406030204" pitchFamily="18" charset="0"/>
-                                              </a:rPr>
-                                            </m:ctrlPr>
-                                          </m:naryPr>
-                                          <m:sub/>
-                                          <m:sup/>
-                                          <m:e>
-                                            <m:r>
-                                              <a:rPr lang="en-US" altLang="ko-KR" sz="2000" b="0" i="1" smtClean="0">
-                                                <a:latin typeface="Cambria Math" panose="02040503050406030204" pitchFamily="18" charset="0"/>
-                                              </a:rPr>
-                                              <m:t>(</m:t>
-                                            </m:r>
-                                            <m:sSub>
-                                              <m:sSubPr>
-                                                <m:ctrlPr>
-                                                  <a:rPr lang="ko-KR" altLang="en-US" sz="2000" i="1">
-                                                    <a:latin typeface="Cambria Math" panose="02040503050406030204" pitchFamily="18" charset="0"/>
-                                                  </a:rPr>
-                                                </m:ctrlPr>
-                                              </m:sSubPr>
-                                              <m:e>
-                                                <m:r>
-                                                  <a:rPr lang="en-US" altLang="ko-KR" sz="2000" i="1">
-                                                    <a:latin typeface="Cambria Math" panose="02040503050406030204" pitchFamily="18" charset="0"/>
-                                                  </a:rPr>
-                                                  <m:t>𝑥</m:t>
-                                                </m:r>
-                                              </m:e>
-                                              <m:sub>
-                                                <m:r>
-                                                  <a:rPr lang="en-US" altLang="ko-KR" sz="2000" i="1">
-                                                    <a:latin typeface="Cambria Math" panose="02040503050406030204" pitchFamily="18" charset="0"/>
-                                                  </a:rPr>
-                                                  <m:t>𝑖</m:t>
-                                                </m:r>
-                                                <m:r>
-                                                  <a:rPr lang="en-US" altLang="ko-KR" sz="2000" b="0" i="1" smtClean="0">
-                                                    <a:latin typeface="Cambria Math" panose="02040503050406030204" pitchFamily="18" charset="0"/>
-                                                  </a:rPr>
-                                                  <m:t>𝑗</m:t>
-                                                </m:r>
-                                              </m:sub>
-                                            </m:sSub>
-                                            <m:r>
-                                              <a:rPr lang="en-US" altLang="ko-KR" sz="2000" b="0" i="1" smtClean="0">
-                                                <a:latin typeface="Cambria Math" panose="02040503050406030204" pitchFamily="18" charset="0"/>
-                                              </a:rPr>
-                                              <m:t>−</m:t>
-                                            </m:r>
-                                          </m:e>
-                                        </m:nary>
-                                      </m:e>
-                                    </m:nary>
-                                    <m:sSub>
-                                      <m:sSubPr>
-                                        <m:ctrlPr>
-                                          <a:rPr lang="ko-KR" altLang="en-US" sz="2000" i="1" smtClean="0">
-                                            <a:latin typeface="Cambria Math" panose="02040503050406030204" pitchFamily="18" charset="0"/>
-                                          </a:rPr>
-                                        </m:ctrlPr>
-                                      </m:sSubPr>
-                                      <m:e>
-                                        <m:r>
-                                          <a:rPr lang="ko-KR" altLang="en-US" sz="2000" i="1" smtClean="0">
-                                            <a:latin typeface="Cambria Math" panose="02040503050406030204" pitchFamily="18" charset="0"/>
-                                          </a:rPr>
-                                          <m:t>𝜇</m:t>
-                                        </m:r>
-                                      </m:e>
-                                      <m:sub>
-                                        <m:r>
-                                          <a:rPr lang="en-US" altLang="ko-KR" sz="2000" b="0" i="1" smtClean="0">
-                                            <a:latin typeface="Cambria Math" panose="02040503050406030204" pitchFamily="18" charset="0"/>
-                                          </a:rPr>
-                                          <m:t>𝑗</m:t>
-                                        </m:r>
-                                      </m:sub>
-                                    </m:sSub>
-                                    <m:r>
-                                      <a:rPr lang="en-US" altLang="ko-KR" sz="2000" b="0" i="1" smtClean="0">
-                                        <a:latin typeface="Cambria Math" panose="02040503050406030204" pitchFamily="18" charset="0"/>
-                                      </a:rPr>
-                                      <m:t>)</m:t>
-                                    </m:r>
-                                  </m:e>
-                                  <m:sup>
-                                    <m:r>
-                                      <a:rPr lang="en-US" altLang="ko-KR" sz="2000" i="1">
-                                        <a:latin typeface="Cambria Math" panose="02040503050406030204" pitchFamily="18" charset="0"/>
-                                      </a:rPr>
-                                      <m:t>2</m:t>
-                                    </m:r>
-                                  </m:sup>
-                                </m:sSup>
+                                <m:r>
+                                  <a:rPr lang="en-US" altLang="ko-KR" sz="2000" b="0" i="1" smtClean="0">
+                                    <a:latin typeface="Cambria Math" panose="02040503050406030204" pitchFamily="18" charset="0"/>
+                                  </a:rPr>
+                                  <m:t>𝑎𝑏</m:t>
+                                </m:r>
                               </m:num>
                               <m:den>
                                 <m:r>
-                                  <a:rPr lang="en-US" altLang="ko-KR" sz="2000" i="1">
+                                  <a:rPr lang="en-US" altLang="ko-KR" sz="2000" i="1" smtClean="0">
                                     <a:latin typeface="Cambria Math" panose="02040503050406030204" pitchFamily="18" charset="0"/>
                                   </a:rPr>
                                   <m:t>2</m:t>
+                                </m:r>
+                                <m:r>
+                                  <a:rPr lang="ko-KR" altLang="en-US" sz="2000" i="1">
+                                    <a:latin typeface="Cambria Math" panose="02040503050406030204" pitchFamily="18" charset="0"/>
+                                  </a:rPr>
+                                  <m:t>𝜋</m:t>
                                 </m:r>
                                 <m:sSup>
                                   <m:sSupPr>
@@ -11342,210 +11704,34 @@
                                     <m:sSub>
                                       <m:sSubPr>
                                         <m:ctrlPr>
-                                          <a:rPr lang="ko-KR" altLang="en-US" sz="2000" i="1" smtClean="0">
+                                          <a:rPr lang="en-US" altLang="ko-KR" sz="2000" i="1">
                                             <a:latin typeface="Cambria Math" panose="02040503050406030204" pitchFamily="18" charset="0"/>
                                           </a:rPr>
                                         </m:ctrlPr>
                                       </m:sSubPr>
                                       <m:e>
-                                        <m:r>
-                                          <a:rPr lang="ko-KR" altLang="en-US" sz="2000" i="1" smtClean="0">
-                                            <a:latin typeface="Cambria Math" panose="02040503050406030204" pitchFamily="18" charset="0"/>
-                                          </a:rPr>
-                                          <m:t>𝜇</m:t>
-                                        </m:r>
+                                        <m:bar>
+                                          <m:barPr>
+                                            <m:pos m:val="top"/>
+                                            <m:ctrlPr>
+                                              <a:rPr lang="en-US" altLang="ko-KR" sz="2000" i="1">
+                                                <a:latin typeface="Cambria Math" panose="02040503050406030204" pitchFamily="18" charset="0"/>
+                                              </a:rPr>
+                                            </m:ctrlPr>
+                                          </m:barPr>
+                                          <m:e>
+                                            <m:r>
+                                              <a:rPr lang="en-US" altLang="ko-KR" sz="2000" i="1">
+                                                <a:latin typeface="Cambria Math" panose="02040503050406030204" pitchFamily="18" charset="0"/>
+                                              </a:rPr>
+                                              <m:t>𝑥</m:t>
+                                            </m:r>
+                                          </m:e>
+                                        </m:bar>
                                       </m:e>
                                       <m:sub>
                                         <m:r>
-                                          <a:rPr lang="en-US" altLang="ko-KR" sz="2000" b="0" i="1" smtClean="0">
-                                            <a:latin typeface="Cambria Math" panose="02040503050406030204" pitchFamily="18" charset="0"/>
-                                          </a:rPr>
-                                          <m:t>𝑗</m:t>
-                                        </m:r>
-                                      </m:sub>
-                                    </m:sSub>
-                                    <m:r>
-                                      <a:rPr lang="en-US" altLang="ko-KR" sz="2000" b="0" i="1" smtClean="0">
-                                        <a:latin typeface="Cambria Math" panose="02040503050406030204" pitchFamily="18" charset="0"/>
-                                      </a:rPr>
-                                      <m:t>)</m:t>
-                                    </m:r>
-                                  </m:e>
-                                  <m:sup>
-                                    <m:r>
-                                      <a:rPr lang="en-US" altLang="ko-KR" sz="2000" i="1">
-                                        <a:latin typeface="Cambria Math" panose="02040503050406030204" pitchFamily="18" charset="0"/>
-                                      </a:rPr>
-                                      <m:t>2</m:t>
-                                    </m:r>
-                                  </m:sup>
-                                </m:sSup>
-                              </m:den>
-                            </m:f>
-                          </m:e>
-                        </m:d>
-                      </m:e>
-                    </m:func>
-                  </m:oMath>
-                </a14:m>
-                <a:r>
-                  <a:rPr lang="en-US" altLang="ko-KR" sz="2000" dirty="0"/>
-                  <a:t> = </a:t>
-                </a:r>
-                <a14:m>
-                  <m:oMath xmlns:m="http://schemas.openxmlformats.org/officeDocument/2006/math">
-                    <m:sSup>
-                      <m:sSupPr>
-                        <m:ctrlPr>
-                          <a:rPr lang="en-US" altLang="ko-KR" sz="2000" i="1" smtClean="0">
-                            <a:latin typeface="Cambria Math" panose="02040503050406030204" pitchFamily="18" charset="0"/>
-                          </a:rPr>
-                        </m:ctrlPr>
-                      </m:sSupPr>
-                      <m:e>
-                        <m:d>
-                          <m:dPr>
-                            <m:begChr m:val="["/>
-                            <m:endChr m:val="]"/>
-                            <m:ctrlPr>
-                              <a:rPr lang="en-US" altLang="ko-KR" sz="2000" i="1">
-                                <a:latin typeface="Cambria Math" panose="02040503050406030204" pitchFamily="18" charset="0"/>
-                              </a:rPr>
-                            </m:ctrlPr>
-                          </m:dPr>
-                          <m:e>
-                            <m:f>
-                              <m:fPr>
-                                <m:ctrlPr>
-                                  <a:rPr lang="en-US" altLang="ko-KR" sz="2000" i="1">
-                                    <a:latin typeface="Cambria Math" panose="02040503050406030204" pitchFamily="18" charset="0"/>
-                                  </a:rPr>
-                                </m:ctrlPr>
-                              </m:fPr>
-                              <m:num>
-                                <m:r>
-                                  <a:rPr lang="en-US" altLang="ko-KR" sz="2000" b="0" i="1" smtClean="0">
-                                    <a:latin typeface="Cambria Math" panose="02040503050406030204" pitchFamily="18" charset="0"/>
-                                  </a:rPr>
-                                  <m:t>𝑎𝑏</m:t>
-                                </m:r>
-                              </m:num>
-                              <m:den>
-                                <m:r>
-                                  <a:rPr lang="en-US" altLang="ko-KR" sz="2000" i="1" smtClean="0">
-                                    <a:latin typeface="Cambria Math" panose="02040503050406030204" pitchFamily="18" charset="0"/>
-                                  </a:rPr>
-                                  <m:t>2</m:t>
-                                </m:r>
-                                <m:r>
-                                  <a:rPr lang="ko-KR" altLang="en-US" sz="2000" i="1">
-                                    <a:latin typeface="Cambria Math" panose="02040503050406030204" pitchFamily="18" charset="0"/>
-                                  </a:rPr>
-                                  <m:t>𝜋</m:t>
-                                </m:r>
-                                <m:sSup>
-                                  <m:sSupPr>
-                                    <m:ctrlPr>
-                                      <a:rPr lang="en-US" altLang="ko-KR" sz="2000" i="1" smtClean="0">
-                                        <a:latin typeface="Cambria Math" panose="02040503050406030204" pitchFamily="18" charset="0"/>
-                                      </a:rPr>
-                                    </m:ctrlPr>
-                                  </m:sSupPr>
-                                  <m:e>
-                                    <m:nary>
-                                      <m:naryPr>
-                                        <m:chr m:val="∑"/>
-                                        <m:subHide m:val="on"/>
-                                        <m:supHide m:val="on"/>
-                                        <m:ctrlPr>
-                                          <a:rPr lang="en-US" altLang="ko-KR" sz="2000" i="1" smtClean="0">
-                                            <a:latin typeface="Cambria Math" panose="02040503050406030204" pitchFamily="18" charset="0"/>
-                                          </a:rPr>
-                                        </m:ctrlPr>
-                                      </m:naryPr>
-                                      <m:sub/>
-                                      <m:sup/>
-                                      <m:e>
-                                        <m:nary>
-                                          <m:naryPr>
-                                            <m:chr m:val="∑"/>
-                                            <m:subHide m:val="on"/>
-                                            <m:supHide m:val="on"/>
-                                            <m:ctrlPr>
-                                              <a:rPr lang="en-US" altLang="ko-KR" sz="2000" i="1" smtClean="0">
-                                                <a:latin typeface="Cambria Math" panose="02040503050406030204" pitchFamily="18" charset="0"/>
-                                              </a:rPr>
-                                            </m:ctrlPr>
-                                          </m:naryPr>
-                                          <m:sub/>
-                                          <m:sup/>
-                                          <m:e>
-                                            <m:r>
-                                              <a:rPr lang="en-US" altLang="ko-KR" sz="2000" b="0" i="1" smtClean="0">
-                                                <a:latin typeface="Cambria Math" panose="02040503050406030204" pitchFamily="18" charset="0"/>
-                                              </a:rPr>
-                                              <m:t>(</m:t>
-                                            </m:r>
-                                            <m:sSub>
-                                              <m:sSubPr>
-                                                <m:ctrlPr>
-                                                  <a:rPr lang="ko-KR" altLang="en-US" sz="2000" i="1">
-                                                    <a:latin typeface="Cambria Math" panose="02040503050406030204" pitchFamily="18" charset="0"/>
-                                                  </a:rPr>
-                                                </m:ctrlPr>
-                                              </m:sSubPr>
-                                              <m:e>
-                                                <m:r>
-                                                  <a:rPr lang="en-US" altLang="ko-KR" sz="2000" i="1">
-                                                    <a:latin typeface="Cambria Math" panose="02040503050406030204" pitchFamily="18" charset="0"/>
-                                                  </a:rPr>
-                                                  <m:t>𝑥</m:t>
-                                                </m:r>
-                                              </m:e>
-                                              <m:sub>
-                                                <m:r>
-                                                  <a:rPr lang="en-US" altLang="ko-KR" sz="2000" i="1">
-                                                    <a:latin typeface="Cambria Math" panose="02040503050406030204" pitchFamily="18" charset="0"/>
-                                                  </a:rPr>
-                                                  <m:t>𝑖</m:t>
-                                                </m:r>
-                                                <m:r>
-                                                  <a:rPr lang="en-US" altLang="ko-KR" sz="2000" b="0" i="1" smtClean="0">
-                                                    <a:latin typeface="Cambria Math" panose="02040503050406030204" pitchFamily="18" charset="0"/>
-                                                  </a:rPr>
-                                                  <m:t>𝑗</m:t>
-                                                </m:r>
-                                              </m:sub>
-                                            </m:sSub>
-                                            <m:r>
-                                              <a:rPr lang="en-US" altLang="ko-KR" sz="2000" b="0" i="1" smtClean="0">
-                                                <a:latin typeface="Cambria Math" panose="02040503050406030204" pitchFamily="18" charset="0"/>
-                                              </a:rPr>
-                                              <m:t>−</m:t>
-                                            </m:r>
-                                          </m:e>
-                                        </m:nary>
-                                      </m:e>
-                                    </m:nary>
-                                    <m:sSub>
-                                      <m:sSubPr>
-                                        <m:ctrlPr>
-                                          <a:rPr lang="ko-KR" altLang="en-US" sz="2000" i="1" smtClean="0">
-                                            <a:latin typeface="Cambria Math" panose="02040503050406030204" pitchFamily="18" charset="0"/>
-                                          </a:rPr>
-                                        </m:ctrlPr>
-                                      </m:sSubPr>
-                                      <m:e>
-                                        <m:r>
-                                          <a:rPr lang="ko-KR" altLang="en-US" sz="2000" i="1" smtClean="0">
-                                            <a:latin typeface="Cambria Math" panose="02040503050406030204" pitchFamily="18" charset="0"/>
-                                          </a:rPr>
-                                          <m:t>𝜇</m:t>
-                                        </m:r>
-                                      </m:e>
-                                      <m:sub>
-                                        <m:r>
-                                          <a:rPr lang="en-US" altLang="ko-KR" sz="2000" b="0" i="1" smtClean="0">
+                                          <a:rPr lang="en-US" altLang="ko-KR" sz="2000" i="1">
                                             <a:latin typeface="Cambria Math" panose="02040503050406030204" pitchFamily="18" charset="0"/>
                                           </a:rPr>
                                           <m:t>𝑗</m:t>
@@ -11679,7 +11865,7 @@
             </p:txBody>
           </p:sp>
         </mc:Choice>
-        <mc:Fallback xmlns="">
+        <mc:Fallback>
           <p:sp>
             <p:nvSpPr>
               <p:cNvPr id="3" name="내용 개체 틀 2">
@@ -11777,8 +11963,8 @@
           </a:p>
         </p:txBody>
       </p:sp>
-      <mc:AlternateContent xmlns:mc="http://schemas.openxmlformats.org/markup-compatibility/2006" xmlns:a14="http://schemas.microsoft.com/office/drawing/2010/main">
-        <mc:Choice Requires="a14">
+      <mc:AlternateContent xmlns:mc="http://schemas.openxmlformats.org/markup-compatibility/2006">
+        <mc:Choice xmlns:a14="http://schemas.microsoft.com/office/drawing/2010/main" Requires="a14">
           <p:sp>
             <p:nvSpPr>
               <p:cNvPr id="3" name="내용 개체 틀 2">
@@ -12081,12 +12267,24 @@
                                             </m:nary>
                                           </m:e>
                                         </m:nary>
-                                        <m:r>
-                                          <a:rPr lang="ko-KR" altLang="en-US" sz="2000" i="1" smtClean="0">
-                                            <a:latin typeface="Cambria Math" panose="02040503050406030204" pitchFamily="18" charset="0"/>
-                                          </a:rPr>
-                                          <m:t>𝜇</m:t>
-                                        </m:r>
+                                        <m:bar>
+                                          <m:barPr>
+                                            <m:pos m:val="top"/>
+                                            <m:ctrlPr>
+                                              <a:rPr lang="en-US" altLang="ko-KR" sz="2000" i="1">
+                                                <a:latin typeface="Cambria Math" panose="02040503050406030204" pitchFamily="18" charset="0"/>
+                                              </a:rPr>
+                                            </m:ctrlPr>
+                                          </m:barPr>
+                                          <m:e>
+                                            <m:r>
+                                              <a:rPr lang="en-US" altLang="ko-KR" sz="2000" i="1">
+                                                <a:latin typeface="Cambria Math" panose="02040503050406030204" pitchFamily="18" charset="0"/>
+                                              </a:rPr>
+                                              <m:t>𝑥</m:t>
+                                            </m:r>
+                                          </m:e>
+                                        </m:bar>
                                         <m:r>
                                           <a:rPr lang="en-US" altLang="ko-KR" sz="2000" b="0" i="1" smtClean="0">
                                             <a:latin typeface="Cambria Math" panose="02040503050406030204" pitchFamily="18" charset="0"/>
@@ -12338,22 +12536,34 @@
                                         <m:sSub>
                                           <m:sSubPr>
                                             <m:ctrlPr>
-                                              <a:rPr lang="ko-KR" altLang="en-US" sz="2000" i="1" smtClean="0">
+                                              <a:rPr lang="en-US" altLang="ko-KR" sz="2000" i="1">
                                                 <a:latin typeface="Cambria Math" panose="02040503050406030204" pitchFamily="18" charset="0"/>
                                               </a:rPr>
                                             </m:ctrlPr>
                                           </m:sSubPr>
                                           <m:e>
-                                            <m:r>
-                                              <a:rPr lang="ko-KR" altLang="en-US" sz="2000" i="1" smtClean="0">
-                                                <a:latin typeface="Cambria Math" panose="02040503050406030204" pitchFamily="18" charset="0"/>
-                                              </a:rPr>
-                                              <m:t>𝜇</m:t>
-                                            </m:r>
+                                            <m:bar>
+                                              <m:barPr>
+                                                <m:pos m:val="top"/>
+                                                <m:ctrlPr>
+                                                  <a:rPr lang="en-US" altLang="ko-KR" sz="2000" i="1">
+                                                    <a:latin typeface="Cambria Math" panose="02040503050406030204" pitchFamily="18" charset="0"/>
+                                                  </a:rPr>
+                                                </m:ctrlPr>
+                                              </m:barPr>
+                                              <m:e>
+                                                <m:r>
+                                                  <a:rPr lang="en-US" altLang="ko-KR" sz="2000" i="1">
+                                                    <a:latin typeface="Cambria Math" panose="02040503050406030204" pitchFamily="18" charset="0"/>
+                                                  </a:rPr>
+                                                  <m:t>𝑥</m:t>
+                                                </m:r>
+                                              </m:e>
+                                            </m:bar>
                                           </m:e>
                                           <m:sub>
                                             <m:r>
-                                              <a:rPr lang="en-US" altLang="ko-KR" sz="2000" b="0" i="1" smtClean="0">
+                                              <a:rPr lang="en-US" altLang="ko-KR" sz="2000" i="1">
                                                 <a:latin typeface="Cambria Math" panose="02040503050406030204" pitchFamily="18" charset="0"/>
                                               </a:rPr>
                                               <m:t>𝑗</m:t>
@@ -12602,12 +12812,24 @@
                                         </m:nary>
                                       </m:e>
                                     </m:nary>
-                                    <m:r>
-                                      <a:rPr lang="ko-KR" altLang="en-US" sz="2000" i="1" smtClean="0">
-                                        <a:latin typeface="Cambria Math" panose="02040503050406030204" pitchFamily="18" charset="0"/>
-                                      </a:rPr>
-                                      <m:t>𝜇</m:t>
-                                    </m:r>
+                                    <m:bar>
+                                      <m:barPr>
+                                        <m:pos m:val="top"/>
+                                        <m:ctrlPr>
+                                          <a:rPr lang="en-US" altLang="ko-KR" sz="2000" i="1">
+                                            <a:latin typeface="Cambria Math" panose="02040503050406030204" pitchFamily="18" charset="0"/>
+                                          </a:rPr>
+                                        </m:ctrlPr>
+                                      </m:barPr>
+                                      <m:e>
+                                        <m:r>
+                                          <a:rPr lang="en-US" altLang="ko-KR" sz="2000" i="1">
+                                            <a:latin typeface="Cambria Math" panose="02040503050406030204" pitchFamily="18" charset="0"/>
+                                          </a:rPr>
+                                          <m:t>𝑥</m:t>
+                                        </m:r>
+                                      </m:e>
+                                    </m:bar>
                                     <m:r>
                                       <a:rPr lang="en-US" altLang="ko-KR" sz="2000" b="0" i="1" smtClean="0">
                                         <a:latin typeface="Cambria Math" panose="02040503050406030204" pitchFamily="18" charset="0"/>
@@ -12713,22 +12935,34 @@
                                     <m:sSub>
                                       <m:sSubPr>
                                         <m:ctrlPr>
-                                          <a:rPr lang="ko-KR" altLang="en-US" sz="2000" i="1" smtClean="0">
+                                          <a:rPr lang="en-US" altLang="ko-KR" sz="2000" i="1">
                                             <a:latin typeface="Cambria Math" panose="02040503050406030204" pitchFamily="18" charset="0"/>
                                           </a:rPr>
                                         </m:ctrlPr>
                                       </m:sSubPr>
                                       <m:e>
-                                        <m:r>
-                                          <a:rPr lang="ko-KR" altLang="en-US" sz="2000" i="1" smtClean="0">
-                                            <a:latin typeface="Cambria Math" panose="02040503050406030204" pitchFamily="18" charset="0"/>
-                                          </a:rPr>
-                                          <m:t>𝜇</m:t>
-                                        </m:r>
+                                        <m:bar>
+                                          <m:barPr>
+                                            <m:pos m:val="top"/>
+                                            <m:ctrlPr>
+                                              <a:rPr lang="en-US" altLang="ko-KR" sz="2000" i="1">
+                                                <a:latin typeface="Cambria Math" panose="02040503050406030204" pitchFamily="18" charset="0"/>
+                                              </a:rPr>
+                                            </m:ctrlPr>
+                                          </m:barPr>
+                                          <m:e>
+                                            <m:r>
+                                              <a:rPr lang="en-US" altLang="ko-KR" sz="2000" i="1">
+                                                <a:latin typeface="Cambria Math" panose="02040503050406030204" pitchFamily="18" charset="0"/>
+                                              </a:rPr>
+                                              <m:t>𝑥</m:t>
+                                            </m:r>
+                                          </m:e>
+                                        </m:bar>
                                       </m:e>
                                       <m:sub>
                                         <m:r>
-                                          <a:rPr lang="en-US" altLang="ko-KR" sz="2000" b="0" i="1" smtClean="0">
+                                          <a:rPr lang="en-US" altLang="ko-KR" sz="2000" i="1">
                                             <a:latin typeface="Cambria Math" panose="02040503050406030204" pitchFamily="18" charset="0"/>
                                           </a:rPr>
                                           <m:t>𝑗</m:t>
@@ -12736,10 +12970,10 @@
                                       </m:sub>
                                     </m:sSub>
                                     <m:r>
-                                      <a:rPr lang="en-US" altLang="ko-KR" sz="2000" b="0" i="1" smtClean="0">
-                                        <a:latin typeface="Cambria Math" panose="02040503050406030204" pitchFamily="18" charset="0"/>
-                                      </a:rPr>
-                                      <m:t>)</m:t>
+                                      <a:rPr lang="en-US" altLang="ko-KR" sz="2000" i="1">
+                                        <a:latin typeface="Cambria Math" panose="02040503050406030204" pitchFamily="18" charset="0"/>
+                                      </a:rPr>
+                                      <m:t>))</m:t>
                                     </m:r>
                                   </m:e>
                                   <m:sup>
@@ -12911,15 +13145,30 @@
                             </m:nary>
                           </m:e>
                         </m:nary>
-                        <m:r>
-                          <a:rPr lang="ko-KR" altLang="en-US" sz="1800" i="1" smtClean="0">
-                            <a:solidFill>
-                              <a:srgbClr val="FF0000"/>
-                            </a:solidFill>
-                            <a:latin typeface="Cambria Math" panose="02040503050406030204" pitchFamily="18" charset="0"/>
-                          </a:rPr>
-                          <m:t>𝜇</m:t>
-                        </m:r>
+                        <m:bar>
+                          <m:barPr>
+                            <m:pos m:val="top"/>
+                            <m:ctrlPr>
+                              <a:rPr lang="en-US" altLang="ko-KR" sz="1800" i="1" smtClean="0">
+                                <a:solidFill>
+                                  <a:srgbClr val="FF0000"/>
+                                </a:solidFill>
+                                <a:latin typeface="Cambria Math" panose="02040503050406030204" pitchFamily="18" charset="0"/>
+                              </a:rPr>
+                            </m:ctrlPr>
+                          </m:barPr>
+                          <m:e>
+                            <m:r>
+                              <a:rPr lang="en-US" altLang="ko-KR" sz="1800" i="1">
+                                <a:solidFill>
+                                  <a:srgbClr val="FF0000"/>
+                                </a:solidFill>
+                                <a:latin typeface="Cambria Math" panose="02040503050406030204" pitchFamily="18" charset="0"/>
+                              </a:rPr>
+                              <m:t>𝑥</m:t>
+                            </m:r>
+                          </m:e>
+                        </m:bar>
                         <m:r>
                           <a:rPr lang="en-US" altLang="ko-KR" sz="1800" b="0" i="1" smtClean="0">
                             <a:solidFill>
@@ -13072,7 +13321,7 @@
                         <m:sSub>
                           <m:sSubPr>
                             <m:ctrlPr>
-                              <a:rPr lang="ko-KR" altLang="en-US" sz="1800" i="1" smtClean="0">
+                              <a:rPr lang="en-US" altLang="ko-KR" sz="1800" i="1" smtClean="0">
                                 <a:solidFill>
                                   <a:srgbClr val="00B0F0"/>
                                 </a:solidFill>
@@ -13081,19 +13330,34 @@
                             </m:ctrlPr>
                           </m:sSubPr>
                           <m:e>
-                            <m:r>
-                              <a:rPr lang="ko-KR" altLang="en-US" sz="1800" i="1" smtClean="0">
-                                <a:solidFill>
-                                  <a:srgbClr val="00B0F0"/>
-                                </a:solidFill>
-                                <a:latin typeface="Cambria Math" panose="02040503050406030204" pitchFamily="18" charset="0"/>
-                              </a:rPr>
-                              <m:t>𝜇</m:t>
-                            </m:r>
+                            <m:bar>
+                              <m:barPr>
+                                <m:pos m:val="top"/>
+                                <m:ctrlPr>
+                                  <a:rPr lang="en-US" altLang="ko-KR" sz="1800" i="1">
+                                    <a:solidFill>
+                                      <a:srgbClr val="00B0F0"/>
+                                    </a:solidFill>
+                                    <a:latin typeface="Cambria Math" panose="02040503050406030204" pitchFamily="18" charset="0"/>
+                                  </a:rPr>
+                                </m:ctrlPr>
+                              </m:barPr>
+                              <m:e>
+                                <m:r>
+                                  <a:rPr lang="en-US" altLang="ko-KR" sz="1800" i="1">
+                                    <a:solidFill>
+                                      <a:srgbClr val="00B0F0"/>
+                                    </a:solidFill>
+                                    <a:latin typeface="Cambria Math" panose="02040503050406030204" pitchFamily="18" charset="0"/>
+                                  </a:rPr>
+                                  <m:t>𝑥</m:t>
+                                </m:r>
+                              </m:e>
+                            </m:bar>
                           </m:e>
                           <m:sub>
                             <m:r>
-                              <a:rPr lang="en-US" altLang="ko-KR" sz="1800" b="0" i="1" smtClean="0">
+                              <a:rPr lang="en-US" altLang="ko-KR" sz="1800" i="1">
                                 <a:solidFill>
                                   <a:srgbClr val="00B0F0"/>
                                 </a:solidFill>
@@ -13265,7 +13529,7 @@
             </p:txBody>
           </p:sp>
         </mc:Choice>
-        <mc:Fallback xmlns="">
+        <mc:Fallback>
           <p:sp>
             <p:nvSpPr>
               <p:cNvPr id="3" name="내용 개체 틀 2">
@@ -13384,7 +13648,7 @@
             <p:spPr/>
             <p:txBody>
               <a:bodyPr>
-                <a:normAutofit fontScale="70000" lnSpcReduction="20000"/>
+                <a:normAutofit fontScale="62500" lnSpcReduction="20000"/>
               </a:bodyPr>
               <a:lstStyle/>
               <a:p>
@@ -13539,12 +13803,30 @@
                             </m:nary>
                           </m:e>
                         </m:nary>
-                        <m:r>
-                          <a:rPr lang="ko-KR" altLang="en-US" sz="2000" i="1" smtClean="0">
-                            <a:latin typeface="Cambria Math" panose="02040503050406030204" pitchFamily="18" charset="0"/>
-                          </a:rPr>
-                          <m:t>𝜇</m:t>
-                        </m:r>
+                        <m:bar>
+                          <m:barPr>
+                            <m:pos m:val="top"/>
+                            <m:ctrlPr>
+                              <a:rPr lang="en-US" altLang="ko-KR" sz="2000" i="1">
+                                <a:solidFill>
+                                  <a:srgbClr val="FF0000"/>
+                                </a:solidFill>
+                                <a:latin typeface="Cambria Math" panose="02040503050406030204" pitchFamily="18" charset="0"/>
+                              </a:rPr>
+                            </m:ctrlPr>
+                          </m:barPr>
+                          <m:e>
+                            <m:r>
+                              <a:rPr lang="en-US" altLang="ko-KR" sz="2000" i="1">
+                                <a:solidFill>
+                                  <a:srgbClr val="FF0000"/>
+                                </a:solidFill>
+                                <a:latin typeface="Cambria Math" panose="02040503050406030204" pitchFamily="18" charset="0"/>
+                              </a:rPr>
+                              <m:t>𝑥</m:t>
+                            </m:r>
+                          </m:e>
+                        </m:bar>
                         <m:r>
                           <a:rPr lang="en-US" altLang="ko-KR" sz="2000" b="0" i="1" smtClean="0">
                             <a:latin typeface="Cambria Math" panose="02040503050406030204" pitchFamily="18" charset="0"/>
@@ -13707,22 +13989,46 @@
                         <m:sSub>
                           <m:sSubPr>
                             <m:ctrlPr>
-                              <a:rPr lang="ko-KR" altLang="en-US" sz="2000" i="1" smtClean="0">
+                              <a:rPr lang="en-US" altLang="ko-KR" sz="2000" i="1">
+                                <a:solidFill>
+                                  <a:srgbClr val="00B0F0"/>
+                                </a:solidFill>
                                 <a:latin typeface="Cambria Math" panose="02040503050406030204" pitchFamily="18" charset="0"/>
                               </a:rPr>
                             </m:ctrlPr>
                           </m:sSubPr>
                           <m:e>
-                            <m:r>
-                              <a:rPr lang="ko-KR" altLang="en-US" sz="2000" i="1" smtClean="0">
-                                <a:latin typeface="Cambria Math" panose="02040503050406030204" pitchFamily="18" charset="0"/>
-                              </a:rPr>
-                              <m:t>𝜇</m:t>
-                            </m:r>
+                            <m:bar>
+                              <m:barPr>
+                                <m:pos m:val="top"/>
+                                <m:ctrlPr>
+                                  <a:rPr lang="en-US" altLang="ko-KR" sz="2000" i="1">
+                                    <a:solidFill>
+                                      <a:srgbClr val="00B0F0"/>
+                                    </a:solidFill>
+                                    <a:latin typeface="Cambria Math" panose="02040503050406030204" pitchFamily="18" charset="0"/>
+                                  </a:rPr>
+                                </m:ctrlPr>
+                              </m:barPr>
+                              <m:e>
+                                <m:r>
+                                  <a:rPr lang="en-US" altLang="ko-KR" sz="2000" i="1">
+                                    <a:solidFill>
+                                      <a:srgbClr val="00B0F0"/>
+                                    </a:solidFill>
+                                    <a:latin typeface="Cambria Math" panose="02040503050406030204" pitchFamily="18" charset="0"/>
+                                  </a:rPr>
+                                  <m:t>𝑥</m:t>
+                                </m:r>
+                              </m:e>
+                            </m:bar>
                           </m:e>
                           <m:sub>
                             <m:r>
-                              <a:rPr lang="en-US" altLang="ko-KR" sz="2000" b="0" i="1" smtClean="0">
+                              <a:rPr lang="en-US" altLang="ko-KR" sz="2000" i="1">
+                                <a:solidFill>
+                                  <a:srgbClr val="00B0F0"/>
+                                </a:solidFill>
                                 <a:latin typeface="Cambria Math" panose="02040503050406030204" pitchFamily="18" charset="0"/>
                               </a:rPr>
                               <m:t>𝑗</m:t>
@@ -13755,7 +14061,14 @@
                 </a14:m>
                 <a:r>
                   <a:rPr lang="ko-KR" altLang="en-US" sz="2000" dirty="0"/>
-                  <a:t>를 </a:t>
+                  <a:t>를</a:t>
+                </a:r>
+                <a:br>
+                  <a:rPr lang="en-US" altLang="ko-KR" sz="2000" dirty="0"/>
+                </a:br>
+                <a:r>
+                  <a:rPr lang="ko-KR" altLang="en-US" sz="2000" dirty="0"/>
+                  <a:t> </a:t>
                 </a:r>
                 <a:br>
                   <a:rPr lang="en-US" altLang="ko-KR" sz="2000" dirty="0"/>
@@ -13865,12 +14178,30 @@
                                 </m:nary>
                               </m:e>
                             </m:nary>
-                            <m:r>
-                              <a:rPr lang="ko-KR" altLang="en-US" sz="2000" i="1" smtClean="0">
-                                <a:latin typeface="Cambria Math" panose="02040503050406030204" pitchFamily="18" charset="0"/>
-                              </a:rPr>
-                              <m:t>𝜇</m:t>
-                            </m:r>
+                            <m:bar>
+                              <m:barPr>
+                                <m:pos m:val="top"/>
+                                <m:ctrlPr>
+                                  <a:rPr lang="en-US" altLang="ko-KR" sz="2000" i="1" smtClean="0">
+                                    <a:solidFill>
+                                      <a:schemeClr val="tx1"/>
+                                    </a:solidFill>
+                                    <a:latin typeface="Cambria Math" panose="02040503050406030204" pitchFamily="18" charset="0"/>
+                                  </a:rPr>
+                                </m:ctrlPr>
+                              </m:barPr>
+                              <m:e>
+                                <m:r>
+                                  <a:rPr lang="en-US" altLang="ko-KR" sz="2000" i="1">
+                                    <a:solidFill>
+                                      <a:schemeClr val="tx1"/>
+                                    </a:solidFill>
+                                    <a:latin typeface="Cambria Math" panose="02040503050406030204" pitchFamily="18" charset="0"/>
+                                  </a:rPr>
+                                  <m:t>𝑥</m:t>
+                                </m:r>
+                              </m:e>
+                            </m:bar>
                             <m:r>
                               <a:rPr lang="en-US" altLang="ko-KR" sz="2000" b="0" i="1" smtClean="0">
                                 <a:latin typeface="Cambria Math" panose="02040503050406030204" pitchFamily="18" charset="0"/>
@@ -14048,22 +14379,46 @@
                             <m:sSub>
                               <m:sSubPr>
                                 <m:ctrlPr>
-                                  <a:rPr lang="ko-KR" altLang="en-US" sz="2000" i="1" smtClean="0">
+                                  <a:rPr lang="en-US" altLang="ko-KR" sz="2000" i="1" smtClean="0">
+                                    <a:solidFill>
+                                      <a:schemeClr val="tx1"/>
+                                    </a:solidFill>
                                     <a:latin typeface="Cambria Math" panose="02040503050406030204" pitchFamily="18" charset="0"/>
                                   </a:rPr>
                                 </m:ctrlPr>
                               </m:sSubPr>
                               <m:e>
-                                <m:r>
-                                  <a:rPr lang="ko-KR" altLang="en-US" sz="2000" i="1" smtClean="0">
-                                    <a:latin typeface="Cambria Math" panose="02040503050406030204" pitchFamily="18" charset="0"/>
-                                  </a:rPr>
-                                  <m:t>𝜇</m:t>
-                                </m:r>
+                                <m:bar>
+                                  <m:barPr>
+                                    <m:pos m:val="top"/>
+                                    <m:ctrlPr>
+                                      <a:rPr lang="en-US" altLang="ko-KR" sz="2000" i="1">
+                                        <a:solidFill>
+                                          <a:schemeClr val="tx1"/>
+                                        </a:solidFill>
+                                        <a:latin typeface="Cambria Math" panose="02040503050406030204" pitchFamily="18" charset="0"/>
+                                      </a:rPr>
+                                    </m:ctrlPr>
+                                  </m:barPr>
+                                  <m:e>
+                                    <m:r>
+                                      <a:rPr lang="en-US" altLang="ko-KR" sz="2000" i="1">
+                                        <a:solidFill>
+                                          <a:schemeClr val="tx1"/>
+                                        </a:solidFill>
+                                        <a:latin typeface="Cambria Math" panose="02040503050406030204" pitchFamily="18" charset="0"/>
+                                      </a:rPr>
+                                      <m:t>𝑥</m:t>
+                                    </m:r>
+                                  </m:e>
+                                </m:bar>
                               </m:e>
                               <m:sub>
                                 <m:r>
-                                  <a:rPr lang="en-US" altLang="ko-KR" sz="2000" b="0" i="1" smtClean="0">
+                                  <a:rPr lang="en-US" altLang="ko-KR" sz="2000" i="1">
+                                    <a:solidFill>
+                                      <a:schemeClr val="tx1"/>
+                                    </a:solidFill>
                                     <a:latin typeface="Cambria Math" panose="02040503050406030204" pitchFamily="18" charset="0"/>
                                   </a:rPr>
                                   <m:t>𝑗</m:t>
@@ -14447,12 +14802,24 @@
                                             </m:nary>
                                           </m:e>
                                         </m:nary>
-                                        <m:r>
-                                          <a:rPr lang="ko-KR" altLang="en-US" sz="2000" i="1" smtClean="0">
-                                            <a:latin typeface="Cambria Math" panose="02040503050406030204" pitchFamily="18" charset="0"/>
-                                          </a:rPr>
-                                          <m:t>𝜇</m:t>
-                                        </m:r>
+                                        <m:bar>
+                                          <m:barPr>
+                                            <m:pos m:val="top"/>
+                                            <m:ctrlPr>
+                                              <a:rPr lang="en-US" altLang="ko-KR" sz="2000" i="1">
+                                                <a:latin typeface="Cambria Math" panose="02040503050406030204" pitchFamily="18" charset="0"/>
+                                              </a:rPr>
+                                            </m:ctrlPr>
+                                          </m:barPr>
+                                          <m:e>
+                                            <m:r>
+                                              <a:rPr lang="en-US" altLang="ko-KR" sz="2000" i="1">
+                                                <a:latin typeface="Cambria Math" panose="02040503050406030204" pitchFamily="18" charset="0"/>
+                                              </a:rPr>
+                                              <m:t>𝑥</m:t>
+                                            </m:r>
+                                          </m:e>
+                                        </m:bar>
                                         <m:r>
                                           <a:rPr lang="en-US" altLang="ko-KR" sz="2000" b="0" i="1" smtClean="0">
                                             <a:latin typeface="Cambria Math" panose="02040503050406030204" pitchFamily="18" charset="0"/>
@@ -14577,22 +14944,34 @@
                                         <m:sSub>
                                           <m:sSubPr>
                                             <m:ctrlPr>
-                                              <a:rPr lang="ko-KR" altLang="en-US" sz="2000" i="1" smtClean="0">
+                                              <a:rPr lang="en-US" altLang="ko-KR" sz="2000" i="1">
                                                 <a:latin typeface="Cambria Math" panose="02040503050406030204" pitchFamily="18" charset="0"/>
                                               </a:rPr>
                                             </m:ctrlPr>
                                           </m:sSubPr>
                                           <m:e>
-                                            <m:r>
-                                              <a:rPr lang="ko-KR" altLang="en-US" sz="2000" i="1" smtClean="0">
-                                                <a:latin typeface="Cambria Math" panose="02040503050406030204" pitchFamily="18" charset="0"/>
-                                              </a:rPr>
-                                              <m:t>𝜇</m:t>
-                                            </m:r>
+                                            <m:bar>
+                                              <m:barPr>
+                                                <m:pos m:val="top"/>
+                                                <m:ctrlPr>
+                                                  <a:rPr lang="en-US" altLang="ko-KR" sz="2000" i="1">
+                                                    <a:latin typeface="Cambria Math" panose="02040503050406030204" pitchFamily="18" charset="0"/>
+                                                  </a:rPr>
+                                                </m:ctrlPr>
+                                              </m:barPr>
+                                              <m:e>
+                                                <m:r>
+                                                  <a:rPr lang="en-US" altLang="ko-KR" sz="2000" i="1">
+                                                    <a:latin typeface="Cambria Math" panose="02040503050406030204" pitchFamily="18" charset="0"/>
+                                                  </a:rPr>
+                                                  <m:t>𝑥</m:t>
+                                                </m:r>
+                                              </m:e>
+                                            </m:bar>
                                           </m:e>
                                           <m:sub>
                                             <m:r>
-                                              <a:rPr lang="en-US" altLang="ko-KR" sz="2000" b="0" i="1" smtClean="0">
+                                              <a:rPr lang="en-US" altLang="ko-KR" sz="2000" i="1">
                                                 <a:latin typeface="Cambria Math" panose="02040503050406030204" pitchFamily="18" charset="0"/>
                                               </a:rPr>
                                               <m:t>𝑗</m:t>
@@ -14777,12 +15156,24 @@
                                         </m:nary>
                                       </m:e>
                                     </m:nary>
-                                    <m:r>
-                                      <a:rPr lang="ko-KR" altLang="en-US" sz="2000" i="1" smtClean="0">
-                                        <a:latin typeface="Cambria Math" panose="02040503050406030204" pitchFamily="18" charset="0"/>
-                                      </a:rPr>
-                                      <m:t>𝜇</m:t>
-                                    </m:r>
+                                    <m:bar>
+                                      <m:barPr>
+                                        <m:pos m:val="top"/>
+                                        <m:ctrlPr>
+                                          <a:rPr lang="en-US" altLang="ko-KR" sz="2000" i="1">
+                                            <a:latin typeface="Cambria Math" panose="02040503050406030204" pitchFamily="18" charset="0"/>
+                                          </a:rPr>
+                                        </m:ctrlPr>
+                                      </m:barPr>
+                                      <m:e>
+                                        <m:r>
+                                          <a:rPr lang="en-US" altLang="ko-KR" sz="2000" i="1">
+                                            <a:latin typeface="Cambria Math" panose="02040503050406030204" pitchFamily="18" charset="0"/>
+                                          </a:rPr>
+                                          <m:t>𝑥</m:t>
+                                        </m:r>
+                                      </m:e>
+                                    </m:bar>
                                     <m:r>
                                       <a:rPr lang="en-US" altLang="ko-KR" sz="2000" b="0" i="1" smtClean="0">
                                         <a:latin typeface="Cambria Math" panose="02040503050406030204" pitchFamily="18" charset="0"/>
@@ -14888,22 +15279,34 @@
                                     <m:sSub>
                                       <m:sSubPr>
                                         <m:ctrlPr>
-                                          <a:rPr lang="ko-KR" altLang="en-US" sz="2000" i="1" smtClean="0">
+                                          <a:rPr lang="en-US" altLang="ko-KR" sz="2000" i="1">
                                             <a:latin typeface="Cambria Math" panose="02040503050406030204" pitchFamily="18" charset="0"/>
                                           </a:rPr>
                                         </m:ctrlPr>
                                       </m:sSubPr>
                                       <m:e>
-                                        <m:r>
-                                          <a:rPr lang="ko-KR" altLang="en-US" sz="2000" i="1" smtClean="0">
-                                            <a:latin typeface="Cambria Math" panose="02040503050406030204" pitchFamily="18" charset="0"/>
-                                          </a:rPr>
-                                          <m:t>𝜇</m:t>
-                                        </m:r>
+                                        <m:bar>
+                                          <m:barPr>
+                                            <m:pos m:val="top"/>
+                                            <m:ctrlPr>
+                                              <a:rPr lang="en-US" altLang="ko-KR" sz="2000" i="1">
+                                                <a:latin typeface="Cambria Math" panose="02040503050406030204" pitchFamily="18" charset="0"/>
+                                              </a:rPr>
+                                            </m:ctrlPr>
+                                          </m:barPr>
+                                          <m:e>
+                                            <m:r>
+                                              <a:rPr lang="en-US" altLang="ko-KR" sz="2000" i="1">
+                                                <a:latin typeface="Cambria Math" panose="02040503050406030204" pitchFamily="18" charset="0"/>
+                                              </a:rPr>
+                                              <m:t>𝑥</m:t>
+                                            </m:r>
+                                          </m:e>
+                                        </m:bar>
                                       </m:e>
                                       <m:sub>
                                         <m:r>
-                                          <a:rPr lang="en-US" altLang="ko-KR" sz="2000" b="0" i="1" smtClean="0">
+                                          <a:rPr lang="en-US" altLang="ko-KR" sz="2000" i="1">
                                             <a:latin typeface="Cambria Math" panose="02040503050406030204" pitchFamily="18" charset="0"/>
                                           </a:rPr>
                                           <m:t>𝑗</m:t>
@@ -15458,7 +15861,7 @@
                     <m:f>
                       <m:fPr>
                         <m:ctrlPr>
-                          <a:rPr lang="en-US" altLang="ko-KR" sz="2000" b="0" i="0" smtClean="0">
+                          <a:rPr lang="en-US" altLang="ko-KR" sz="2000" b="0" i="1" smtClean="0">
                             <a:latin typeface="Cambria Math" panose="02040503050406030204" pitchFamily="18" charset="0"/>
                           </a:rPr>
                         </m:ctrlPr>
@@ -16179,7 +16582,7 @@
               <a:blipFill>
                 <a:blip r:embed="rId2"/>
                 <a:stretch>
-                  <a:fillRect l="-290" t="-1961"/>
+                  <a:fillRect l="-232" t="-1821"/>
                 </a:stretch>
               </a:blipFill>
             </p:spPr>
